--- a/src/大前端简介.pptx
+++ b/src/大前端简介.pptx
@@ -4065,7 +4065,7 @@
         <p:spPr>
           <a:xfrm>
             <a:off x="251520" y="483518"/>
-            <a:ext cx="8025765" cy="707886"/>
+            <a:ext cx="8025765" cy="1077218"/>
           </a:xfrm>
           <a:prstGeom prst="rect">
             <a:avLst/>
@@ -4085,7 +4085,7 @@
                 </a:solidFill>
                 <a:latin typeface="+mn-ea"/>
               </a:rPr>
-              <a:t>1</a:t>
+              <a:t>4</a:t>
             </a:r>
             <a:r>
               <a:rPr lang="zh-CN" altLang="en-US" sz="2400" b="1" dirty="0">
@@ -4094,26 +4094,46 @@
                 </a:solidFill>
                 <a:latin typeface="+mn-ea"/>
               </a:rPr>
-              <a:t>、大前端 </a:t>
-            </a:r>
-            <a:r>
-              <a:rPr lang="en-US" altLang="zh-CN" sz="2400" b="1" dirty="0">
-                <a:solidFill>
-                  <a:schemeClr val="bg1"/>
-                </a:solidFill>
-                <a:latin typeface="+mn-ea"/>
+              <a:t>、</a:t>
+            </a:r>
+            <a:r>
+              <a:rPr lang="zh-CN" altLang="en-US" sz="2400" dirty="0">
+                <a:solidFill>
+                  <a:schemeClr val="bg1"/>
+                </a:solidFill>
+                <a:latin typeface="微软雅黑" panose="020B0503020204020204" pitchFamily="34" charset="-122"/>
+                <a:ea typeface="微软雅黑" panose="020B0503020204020204" pitchFamily="34" charset="-122"/>
+              </a:rPr>
+              <a:t>大前端 </a:t>
+            </a:r>
+            <a:r>
+              <a:rPr lang="en-US" altLang="zh-CN" sz="2400" dirty="0">
+                <a:solidFill>
+                  <a:schemeClr val="bg1"/>
+                </a:solidFill>
+                <a:latin typeface="微软雅黑" panose="020B0503020204020204" pitchFamily="34" charset="-122"/>
+                <a:ea typeface="微软雅黑" panose="020B0503020204020204" pitchFamily="34" charset="-122"/>
               </a:rPr>
               <a:t>- </a:t>
             </a:r>
             <a:r>
-              <a:rPr lang="zh-CN" altLang="en-US" sz="2400" b="1" dirty="0">
-                <a:solidFill>
-                  <a:schemeClr val="bg1"/>
-                </a:solidFill>
-                <a:latin typeface="+mn-ea"/>
-              </a:rPr>
-              <a:t>前后端分离</a:t>
-            </a:r>
+              <a:rPr lang="zh-CN" altLang="en-US" sz="2400" dirty="0">
+                <a:solidFill>
+                  <a:schemeClr val="bg1"/>
+                </a:solidFill>
+                <a:latin typeface="微软雅黑" panose="020B0503020204020204" pitchFamily="34" charset="-122"/>
+                <a:ea typeface="微软雅黑" panose="020B0503020204020204" pitchFamily="34" charset="-122"/>
+              </a:rPr>
+              <a:t>微应用</a:t>
+            </a:r>
+          </a:p>
+          <a:p>
+            <a:endParaRPr lang="zh-CN" altLang="en-US" sz="2400" b="1" dirty="0">
+              <a:solidFill>
+                <a:schemeClr val="bg1"/>
+              </a:solidFill>
+              <a:latin typeface="+mn-ea"/>
+            </a:endParaRPr>
           </a:p>
           <a:p>
             <a:endParaRPr lang="zh-CN" altLang="en-US" sz="1600" b="1" dirty="0">
@@ -4200,6 +4220,42 @@
           </a:p>
         </p:txBody>
       </p:sp>
+      <p:pic>
+        <p:nvPicPr>
+          <p:cNvPr id="7" name="图片 6">
+            <a:extLst>
+              <a:ext uri="{FF2B5EF4-FFF2-40B4-BE49-F238E27FC236}">
+                <a16:creationId xmlns:a16="http://schemas.microsoft.com/office/drawing/2014/main" id="{0125E86A-CEEF-4914-B4AB-67A6D55E448D}"/>
+              </a:ext>
+            </a:extLst>
+          </p:cNvPr>
+          <p:cNvPicPr>
+            <a:picLocks noChangeAspect="1"/>
+          </p:cNvPicPr>
+          <p:nvPr/>
+        </p:nvPicPr>
+        <p:blipFill>
+          <a:blip r:embed="rId2">
+            <a:extLst>
+              <a:ext uri="{28A0092B-C50C-407E-A947-70E740481C1C}">
+                <a14:useLocalDpi xmlns:a14="http://schemas.microsoft.com/office/drawing/2010/main" val="0"/>
+              </a:ext>
+            </a:extLst>
+          </a:blip>
+          <a:stretch>
+            <a:fillRect/>
+          </a:stretch>
+        </p:blipFill>
+        <p:spPr>
+          <a:xfrm>
+            <a:off x="1835696" y="2355726"/>
+            <a:ext cx="4704071" cy="2646040"/>
+          </a:xfrm>
+          <a:prstGeom prst="rect">
+            <a:avLst/>
+          </a:prstGeom>
+        </p:spPr>
+      </p:pic>
     </p:spTree>
     <p:extLst>
       <p:ext uri="{BB962C8B-B14F-4D97-AF65-F5344CB8AC3E}">
@@ -4568,330 +4624,6 @@
           </a:p>
         </p:txBody>
       </p:sp>
-      <p:sp>
-        <p:nvSpPr>
-          <p:cNvPr id="3" name="文本框 2"/>
-          <p:cNvSpPr txBox="1"/>
-          <p:nvPr/>
-        </p:nvSpPr>
-        <p:spPr>
-          <a:xfrm>
-            <a:off x="559117" y="1308125"/>
-            <a:ext cx="8025765" cy="615553"/>
-          </a:xfrm>
-          <a:prstGeom prst="rect">
-            <a:avLst/>
-          </a:prstGeom>
-          <a:noFill/>
-        </p:spPr>
-        <p:txBody>
-          <a:bodyPr wrap="square" rtlCol="0">
-            <a:spAutoFit/>
-          </a:bodyPr>
-          <a:lstStyle/>
-          <a:p>
-            <a:r>
-              <a:rPr lang="en-US" altLang="zh-CN" dirty="0">
-                <a:solidFill>
-                  <a:schemeClr val="bg1"/>
-                </a:solidFill>
-                <a:latin typeface="+mn-ea"/>
-              </a:rPr>
-              <a:t>1</a:t>
-            </a:r>
-            <a:r>
-              <a:rPr lang="zh-CN" altLang="en-US" dirty="0">
-                <a:solidFill>
-                  <a:schemeClr val="bg1"/>
-                </a:solidFill>
-                <a:latin typeface="+mn-ea"/>
-              </a:rPr>
-              <a:t>、大前端 </a:t>
-            </a:r>
-            <a:r>
-              <a:rPr lang="en-US" altLang="zh-CN" dirty="0">
-                <a:solidFill>
-                  <a:schemeClr val="bg1"/>
-                </a:solidFill>
-                <a:latin typeface="+mn-ea"/>
-              </a:rPr>
-              <a:t>- </a:t>
-            </a:r>
-            <a:r>
-              <a:rPr lang="zh-CN" altLang="en-US" dirty="0">
-                <a:solidFill>
-                  <a:schemeClr val="bg1"/>
-                </a:solidFill>
-                <a:latin typeface="+mn-ea"/>
-              </a:rPr>
-              <a:t>前后端分离</a:t>
-            </a:r>
-          </a:p>
-          <a:p>
-            <a:endParaRPr lang="zh-CN" altLang="en-US" sz="1600" b="1" dirty="0">
-              <a:solidFill>
-                <a:schemeClr val="bg1"/>
-              </a:solidFill>
-              <a:latin typeface="楷体" charset="0"/>
-              <a:ea typeface="楷体" charset="0"/>
-              <a:sym typeface="+mn-ea"/>
-            </a:endParaRPr>
-          </a:p>
-        </p:txBody>
-      </p:sp>
-      <p:sp>
-        <p:nvSpPr>
-          <p:cNvPr id="7" name="文本框 6">
-            <a:extLst>
-              <a:ext uri="{FF2B5EF4-FFF2-40B4-BE49-F238E27FC236}">
-                <a16:creationId xmlns:a16="http://schemas.microsoft.com/office/drawing/2014/main" id="{700F960A-6E55-419B-B58E-760E8E08CB58}"/>
-              </a:ext>
-            </a:extLst>
-          </p:cNvPr>
-          <p:cNvSpPr txBox="1"/>
-          <p:nvPr/>
-        </p:nvSpPr>
-        <p:spPr>
-          <a:xfrm>
-            <a:off x="559116" y="1864644"/>
-            <a:ext cx="8025765" cy="892552"/>
-          </a:xfrm>
-          <a:prstGeom prst="rect">
-            <a:avLst/>
-          </a:prstGeom>
-          <a:noFill/>
-        </p:spPr>
-        <p:txBody>
-          <a:bodyPr wrap="square" rtlCol="0">
-            <a:spAutoFit/>
-          </a:bodyPr>
-          <a:lstStyle/>
-          <a:p>
-            <a:r>
-              <a:rPr lang="en-US" altLang="zh-CN" dirty="0">
-                <a:solidFill>
-                  <a:schemeClr val="bg1"/>
-                </a:solidFill>
-                <a:latin typeface="+mn-ea"/>
-              </a:rPr>
-              <a:t>1</a:t>
-            </a:r>
-            <a:r>
-              <a:rPr lang="zh-CN" altLang="en-US" dirty="0">
-                <a:solidFill>
-                  <a:schemeClr val="bg1"/>
-                </a:solidFill>
-                <a:latin typeface="+mn-ea"/>
-              </a:rPr>
-              <a:t>、大前端 </a:t>
-            </a:r>
-            <a:r>
-              <a:rPr lang="en-US" altLang="zh-CN" dirty="0">
-                <a:solidFill>
-                  <a:schemeClr val="bg1"/>
-                </a:solidFill>
-                <a:latin typeface="+mn-ea"/>
-              </a:rPr>
-              <a:t>- Node</a:t>
-            </a:r>
-            <a:r>
-              <a:rPr lang="zh-CN" altLang="en-US" dirty="0">
-                <a:solidFill>
-                  <a:schemeClr val="bg1"/>
-                </a:solidFill>
-                <a:latin typeface="+mn-ea"/>
-              </a:rPr>
-              <a:t>全栈</a:t>
-            </a:r>
-          </a:p>
-          <a:p>
-            <a:endParaRPr lang="zh-CN" altLang="en-US" dirty="0">
-              <a:solidFill>
-                <a:schemeClr val="bg1"/>
-              </a:solidFill>
-              <a:latin typeface="+mn-ea"/>
-            </a:endParaRPr>
-          </a:p>
-          <a:p>
-            <a:endParaRPr lang="zh-CN" altLang="en-US" sz="1600" b="1" dirty="0">
-              <a:solidFill>
-                <a:schemeClr val="bg1"/>
-              </a:solidFill>
-              <a:latin typeface="楷体" charset="0"/>
-              <a:ea typeface="楷体" charset="0"/>
-              <a:sym typeface="+mn-ea"/>
-            </a:endParaRPr>
-          </a:p>
-        </p:txBody>
-      </p:sp>
-      <p:sp>
-        <p:nvSpPr>
-          <p:cNvPr id="8" name="文本框 7">
-            <a:extLst>
-              <a:ext uri="{FF2B5EF4-FFF2-40B4-BE49-F238E27FC236}">
-                <a16:creationId xmlns:a16="http://schemas.microsoft.com/office/drawing/2014/main" id="{C9F44530-FA89-4C71-92F1-CA41719EE9A2}"/>
-              </a:ext>
-            </a:extLst>
-          </p:cNvPr>
-          <p:cNvSpPr txBox="1"/>
-          <p:nvPr/>
-        </p:nvSpPr>
-        <p:spPr>
-          <a:xfrm>
-            <a:off x="559116" y="2525690"/>
-            <a:ext cx="8025765" cy="892552"/>
-          </a:xfrm>
-          <a:prstGeom prst="rect">
-            <a:avLst/>
-          </a:prstGeom>
-          <a:noFill/>
-        </p:spPr>
-        <p:txBody>
-          <a:bodyPr wrap="square" rtlCol="0">
-            <a:spAutoFit/>
-          </a:bodyPr>
-          <a:lstStyle/>
-          <a:p>
-            <a:r>
-              <a:rPr lang="en-US" altLang="zh-CN" dirty="0">
-                <a:solidFill>
-                  <a:schemeClr val="bg1"/>
-                </a:solidFill>
-                <a:latin typeface="+mn-ea"/>
-              </a:rPr>
-              <a:t>1</a:t>
-            </a:r>
-            <a:r>
-              <a:rPr lang="zh-CN" altLang="en-US" dirty="0">
-                <a:solidFill>
-                  <a:schemeClr val="bg1"/>
-                </a:solidFill>
-                <a:latin typeface="+mn-ea"/>
-              </a:rPr>
-              <a:t>、大前端 </a:t>
-            </a:r>
-            <a:r>
-              <a:rPr lang="en-US" altLang="zh-CN" dirty="0">
-                <a:solidFill>
-                  <a:schemeClr val="bg1"/>
-                </a:solidFill>
-                <a:latin typeface="+mn-ea"/>
-              </a:rPr>
-              <a:t>- </a:t>
-            </a:r>
-            <a:r>
-              <a:rPr lang="zh-CN" altLang="en-US" dirty="0">
-                <a:solidFill>
-                  <a:schemeClr val="bg1"/>
-                </a:solidFill>
-              </a:rPr>
-              <a:t>应对各种端</a:t>
-            </a:r>
-          </a:p>
-          <a:p>
-            <a:endParaRPr lang="zh-CN" altLang="en-US" dirty="0">
-              <a:solidFill>
-                <a:schemeClr val="bg1"/>
-              </a:solidFill>
-              <a:latin typeface="+mn-ea"/>
-            </a:endParaRPr>
-          </a:p>
-          <a:p>
-            <a:endParaRPr lang="zh-CN" altLang="en-US" sz="1600" b="1" dirty="0">
-              <a:solidFill>
-                <a:schemeClr val="bg1"/>
-              </a:solidFill>
-              <a:latin typeface="楷体" charset="0"/>
-              <a:ea typeface="楷体" charset="0"/>
-              <a:sym typeface="+mn-ea"/>
-            </a:endParaRPr>
-          </a:p>
-        </p:txBody>
-      </p:sp>
-      <p:sp>
-        <p:nvSpPr>
-          <p:cNvPr id="9" name="文本框 8">
-            <a:extLst>
-              <a:ext uri="{FF2B5EF4-FFF2-40B4-BE49-F238E27FC236}">
-                <a16:creationId xmlns:a16="http://schemas.microsoft.com/office/drawing/2014/main" id="{E3D1B07A-5C9D-48FA-8093-5E837F027DB7}"/>
-              </a:ext>
-            </a:extLst>
-          </p:cNvPr>
-          <p:cNvSpPr txBox="1"/>
-          <p:nvPr/>
-        </p:nvSpPr>
-        <p:spPr>
-          <a:xfrm>
-            <a:off x="559115" y="3130264"/>
-            <a:ext cx="8025765" cy="892552"/>
-          </a:xfrm>
-          <a:prstGeom prst="rect">
-            <a:avLst/>
-          </a:prstGeom>
-          <a:noFill/>
-        </p:spPr>
-        <p:txBody>
-          <a:bodyPr wrap="square" rtlCol="0">
-            <a:spAutoFit/>
-          </a:bodyPr>
-          <a:lstStyle/>
-          <a:p>
-            <a:r>
-              <a:rPr lang="en-US" altLang="zh-CN" dirty="0">
-                <a:solidFill>
-                  <a:schemeClr val="bg1"/>
-                </a:solidFill>
-                <a:latin typeface="+mn-ea"/>
-              </a:rPr>
-              <a:t>1</a:t>
-            </a:r>
-            <a:r>
-              <a:rPr lang="zh-CN" altLang="en-US" dirty="0">
-                <a:solidFill>
-                  <a:schemeClr val="bg1"/>
-                </a:solidFill>
-                <a:latin typeface="+mn-ea"/>
-              </a:rPr>
-              <a:t>、大前端 </a:t>
-            </a:r>
-            <a:r>
-              <a:rPr lang="en-US" altLang="zh-CN" dirty="0">
-                <a:solidFill>
-                  <a:schemeClr val="bg1"/>
-                </a:solidFill>
-                <a:latin typeface="+mn-ea"/>
-              </a:rPr>
-              <a:t>- </a:t>
-            </a:r>
-            <a:r>
-              <a:rPr lang="zh-CN" altLang="en-US" dirty="0">
-                <a:solidFill>
-                  <a:schemeClr val="bg1"/>
-                </a:solidFill>
-              </a:rPr>
-              <a:t>微应用</a:t>
-            </a:r>
-          </a:p>
-          <a:p>
-            <a:endParaRPr lang="zh-CN" altLang="en-US" dirty="0">
-              <a:solidFill>
-                <a:schemeClr val="bg1"/>
-              </a:solidFill>
-              <a:latin typeface="+mn-ea"/>
-            </a:endParaRPr>
-          </a:p>
-          <a:p>
-            <a:endParaRPr lang="zh-CN" altLang="en-US" sz="1600" b="1" dirty="0">
-              <a:solidFill>
-                <a:schemeClr val="bg1"/>
-              </a:solidFill>
-              <a:latin typeface="楷体" charset="0"/>
-              <a:ea typeface="楷体" charset="0"/>
-              <a:sym typeface="+mn-ea"/>
-            </a:endParaRPr>
-          </a:p>
-        </p:txBody>
-      </p:sp>
     </p:spTree>
     <p:extLst>
       <p:ext uri="{BB962C8B-B14F-4D97-AF65-F5344CB8AC3E}">
@@ -5692,7 +5424,7 @@
           <a:graphicData uri="http://schemas.openxmlformats.org/presentationml/2006/ole">
             <mc:AlternateContent xmlns:mc="http://schemas.openxmlformats.org/markup-compatibility/2006">
               <mc:Choice xmlns:v="urn:schemas-microsoft-com:vml" Requires="v">
-                <p:oleObj spid="_x0000_s9221" showAsIcon="1" r:id="rId4" imgW="923925" imgH="838200" progId="Package">
+                <p:oleObj spid="_x0000_s9222" showAsIcon="1" r:id="rId4" imgW="923925" imgH="838200" progId="Package">
                   <p:embed/>
                 </p:oleObj>
               </mc:Choice>
@@ -15076,6 +14808,42 @@
           </a:p>
         </p:txBody>
       </p:sp>
+      <p:pic>
+        <p:nvPicPr>
+          <p:cNvPr id="4" name="图片 3">
+            <a:extLst>
+              <a:ext uri="{FF2B5EF4-FFF2-40B4-BE49-F238E27FC236}">
+                <a16:creationId xmlns:a16="http://schemas.microsoft.com/office/drawing/2014/main" id="{009B7F46-22FA-496A-A3F6-B6487F7CD07B}"/>
+              </a:ext>
+            </a:extLst>
+          </p:cNvPr>
+          <p:cNvPicPr>
+            <a:picLocks noChangeAspect="1"/>
+          </p:cNvPicPr>
+          <p:nvPr/>
+        </p:nvPicPr>
+        <p:blipFill>
+          <a:blip r:embed="rId2">
+            <a:extLst>
+              <a:ext uri="{28A0092B-C50C-407E-A947-70E740481C1C}">
+                <a14:useLocalDpi xmlns:a14="http://schemas.microsoft.com/office/drawing/2010/main" val="0"/>
+              </a:ext>
+            </a:extLst>
+          </a:blip>
+          <a:stretch>
+            <a:fillRect/>
+          </a:stretch>
+        </p:blipFill>
+        <p:spPr>
+          <a:xfrm>
+            <a:off x="1187624" y="2571750"/>
+            <a:ext cx="6277929" cy="2448218"/>
+          </a:xfrm>
+          <a:prstGeom prst="rect">
+            <a:avLst/>
+          </a:prstGeom>
+        </p:spPr>
+      </p:pic>
     </p:spTree>
     <p:extLst>
       <p:ext uri="{BB962C8B-B14F-4D97-AF65-F5344CB8AC3E}">

--- a/src/大前端简介.pptx
+++ b/src/大前端简介.pptx
@@ -1,29 +1,33 @@
 
 <file path=ppt/presentation.xml><?xml version="1.0" encoding="utf-8"?>
-<p:presentation xmlns:a="http://schemas.openxmlformats.org/drawingml/2006/main" xmlns:r="http://schemas.openxmlformats.org/officeDocument/2006/relationships" xmlns:p="http://schemas.openxmlformats.org/presentationml/2006/main" saveSubsetFonts="1">
+<p:presentation xmlns:a="http://schemas.openxmlformats.org/drawingml/2006/main" xmlns:r="http://schemas.openxmlformats.org/officeDocument/2006/relationships" xmlns:p="http://schemas.openxmlformats.org/presentationml/2006/main">
   <p:sldMasterIdLst>
     <p:sldMasterId id="2147483648" r:id="rId1"/>
   </p:sldMasterIdLst>
   <p:notesMasterIdLst>
-    <p:notesMasterId r:id="rId18"/>
+    <p:notesMasterId r:id="rId22"/>
   </p:notesMasterIdLst>
   <p:sldIdLst>
-    <p:sldId id="277" r:id="rId2"/>
-    <p:sldId id="299" r:id="rId3"/>
-    <p:sldId id="335" r:id="rId4"/>
-    <p:sldId id="336" r:id="rId5"/>
-    <p:sldId id="300" r:id="rId6"/>
-    <p:sldId id="298" r:id="rId7"/>
-    <p:sldId id="337" r:id="rId8"/>
-    <p:sldId id="341" r:id="rId9"/>
-    <p:sldId id="342" r:id="rId10"/>
-    <p:sldId id="343" r:id="rId11"/>
-    <p:sldId id="345" r:id="rId12"/>
-    <p:sldId id="346" r:id="rId13"/>
-    <p:sldId id="344" r:id="rId14"/>
-    <p:sldId id="340" r:id="rId15"/>
-    <p:sldId id="334" r:id="rId16"/>
-    <p:sldId id="287" r:id="rId17"/>
+    <p:sldId id="277" r:id="rId3"/>
+    <p:sldId id="299" r:id="rId4"/>
+    <p:sldId id="335" r:id="rId5"/>
+    <p:sldId id="336" r:id="rId6"/>
+    <p:sldId id="300" r:id="rId7"/>
+    <p:sldId id="298" r:id="rId8"/>
+    <p:sldId id="337" r:id="rId9"/>
+    <p:sldId id="341" r:id="rId10"/>
+    <p:sldId id="342" r:id="rId11"/>
+    <p:sldId id="343" r:id="rId12"/>
+    <p:sldId id="345" r:id="rId13"/>
+    <p:sldId id="346" r:id="rId14"/>
+    <p:sldId id="344" r:id="rId15"/>
+    <p:sldId id="340" r:id="rId16"/>
+    <p:sldId id="351" r:id="rId17"/>
+    <p:sldId id="352" r:id="rId18"/>
+    <p:sldId id="353" r:id="rId19"/>
+    <p:sldId id="354" r:id="rId20"/>
+    <p:sldId id="334" r:id="rId21"/>
+    <p:sldId id="287" r:id="rId23"/>
   </p:sldIdLst>
   <p:sldSz cx="9144000" cy="5143500" type="screen16x9"/>
   <p:notesSz cx="6858000" cy="9144000"/>
@@ -122,22 +126,6 @@
       </a:defRPr>
     </a:lvl9pPr>
   </p:defaultTextStyle>
-  <p:extLst>
-    <p:ext uri="{EFAFB233-063F-42B5-8137-9DF3F51BA10A}">
-      <p15:sldGuideLst xmlns:p15="http://schemas.microsoft.com/office/powerpoint/2012/main">
-        <p15:guide id="1" orient="horz" pos="1530">
-          <p15:clr>
-            <a:srgbClr val="A4A3A4"/>
-          </p15:clr>
-        </p15:guide>
-        <p15:guide id="2" pos="2831">
-          <p15:clr>
-            <a:srgbClr val="A4A3A4"/>
-          </p15:clr>
-        </p15:guide>
-      </p15:sldGuideLst>
-    </p:ext>
-  </p:extLst>
 </p:presentation>
 </file>
 
@@ -223,7 +211,6 @@
           <a:p>
             <a:fld id="{6A671D42-D001-41DA-887B-5B9B43A68AF3}" type="datetimeFigureOut">
               <a:rPr lang="zh-CN" altLang="en-US" smtClean="0"/>
-              <a:t>2018/10/16</a:t>
             </a:fld>
             <a:endParaRPr lang="zh-CN" altLang="en-US"/>
           </a:p>
@@ -290,6 +277,7 @@
               <a:rPr lang="zh-CN" altLang="en-US"/>
               <a:t>单击此处编辑母版文本样式</a:t>
             </a:r>
+            <a:endParaRPr lang="zh-CN" altLang="en-US"/>
           </a:p>
           <a:p>
             <a:pPr lvl="1"/>
@@ -297,6 +285,7 @@
               <a:rPr lang="zh-CN" altLang="en-US"/>
               <a:t>第二级</a:t>
             </a:r>
+            <a:endParaRPr lang="zh-CN" altLang="en-US"/>
           </a:p>
           <a:p>
             <a:pPr lvl="2"/>
@@ -304,6 +293,7 @@
               <a:rPr lang="zh-CN" altLang="en-US"/>
               <a:t>第三级</a:t>
             </a:r>
+            <a:endParaRPr lang="zh-CN" altLang="en-US"/>
           </a:p>
           <a:p>
             <a:pPr lvl="3"/>
@@ -311,6 +301,7 @@
               <a:rPr lang="zh-CN" altLang="en-US"/>
               <a:t>第四级</a:t>
             </a:r>
+            <a:endParaRPr lang="zh-CN" altLang="en-US"/>
           </a:p>
           <a:p>
             <a:pPr lvl="4"/>
@@ -318,6 +309,7 @@
               <a:rPr lang="zh-CN" altLang="en-US"/>
               <a:t>第五级</a:t>
             </a:r>
+            <a:endParaRPr lang="zh-CN" altLang="en-US"/>
           </a:p>
         </p:txBody>
       </p:sp>
@@ -381,18 +373,12 @@
           <a:p>
             <a:fld id="{4B94CBFA-6C20-47AF-AD12-E2D304E57898}" type="slidenum">
               <a:rPr lang="zh-CN" altLang="en-US" smtClean="0"/>
-              <a:t>‹#›</a:t>
             </a:fld>
             <a:endParaRPr lang="zh-CN" altLang="en-US"/>
           </a:p>
         </p:txBody>
       </p:sp>
     </p:spTree>
-    <p:extLst>
-      <p:ext uri="{BB962C8B-B14F-4D97-AF65-F5344CB8AC3E}">
-        <p14:creationId xmlns:p14="http://schemas.microsoft.com/office/powerpoint/2010/main" val="1468235472"/>
-      </p:ext>
-    </p:extLst>
   </p:cSld>
   <p:clrMap bg1="lt1" tx1="dk1" bg2="lt2" tx2="dk2" accent1="accent1" accent2="accent2" accent3="accent3" accent4="accent4" accent5="accent5" accent6="accent6" hlink="hlink" folHlink="folHlink"/>
   <p:notesStyle>
@@ -539,11 +525,6 @@
         </p:txBody>
       </p:sp>
     </p:spTree>
-    <p:extLst>
-      <p:ext uri="{BB962C8B-B14F-4D97-AF65-F5344CB8AC3E}">
-        <p14:creationId xmlns:p14="http://schemas.microsoft.com/office/powerpoint/2010/main" val="3956780398"/>
-      </p:ext>
-    </p:extLst>
   </p:cSld>
   <p:clrMapOvr>
     <a:masterClrMapping/>
@@ -592,6 +573,7 @@
               <a:rPr lang="zh-CN" altLang="en-US"/>
               <a:t>单击此处编辑母版标题样式</a:t>
             </a:r>
+            <a:endParaRPr lang="zh-CN" altLang="en-US"/>
           </a:p>
         </p:txBody>
       </p:sp>
@@ -710,6 +692,7 @@
               <a:rPr lang="zh-CN" altLang="en-US"/>
               <a:t>单击此处编辑母版副标题样式</a:t>
             </a:r>
+            <a:endParaRPr lang="zh-CN" altLang="en-US"/>
           </a:p>
         </p:txBody>
       </p:sp>
@@ -730,7 +713,6 @@
           <a:p>
             <a:fld id="{530820CF-B880-4189-942D-D702A7CBA730}" type="datetimeFigureOut">
               <a:rPr lang="zh-CN" altLang="en-US" smtClean="0"/>
-              <a:t>2018/10/16</a:t>
             </a:fld>
             <a:endParaRPr lang="zh-CN" altLang="en-US"/>
           </a:p>
@@ -772,7 +754,6 @@
           <a:p>
             <a:fld id="{0C913308-F349-4B6D-A68A-DD1791B4A57B}" type="slidenum">
               <a:rPr lang="zh-CN" altLang="en-US" smtClean="0"/>
-              <a:t>‹#›</a:t>
             </a:fld>
             <a:endParaRPr lang="zh-CN" altLang="en-US"/>
           </a:p>
@@ -822,6 +803,7 @@
               <a:rPr lang="zh-CN" altLang="en-US"/>
               <a:t>单击此处编辑母版标题样式</a:t>
             </a:r>
+            <a:endParaRPr lang="zh-CN" altLang="en-US"/>
           </a:p>
         </p:txBody>
       </p:sp>
@@ -845,6 +827,7 @@
               <a:rPr lang="zh-CN" altLang="en-US"/>
               <a:t>单击此处编辑母版文本样式</a:t>
             </a:r>
+            <a:endParaRPr lang="zh-CN" altLang="en-US"/>
           </a:p>
           <a:p>
             <a:pPr lvl="1"/>
@@ -852,6 +835,7 @@
               <a:rPr lang="zh-CN" altLang="en-US"/>
               <a:t>第二级</a:t>
             </a:r>
+            <a:endParaRPr lang="zh-CN" altLang="en-US"/>
           </a:p>
           <a:p>
             <a:pPr lvl="2"/>
@@ -859,6 +843,7 @@
               <a:rPr lang="zh-CN" altLang="en-US"/>
               <a:t>第三级</a:t>
             </a:r>
+            <a:endParaRPr lang="zh-CN" altLang="en-US"/>
           </a:p>
           <a:p>
             <a:pPr lvl="3"/>
@@ -866,6 +851,7 @@
               <a:rPr lang="zh-CN" altLang="en-US"/>
               <a:t>第四级</a:t>
             </a:r>
+            <a:endParaRPr lang="zh-CN" altLang="en-US"/>
           </a:p>
           <a:p>
             <a:pPr lvl="4"/>
@@ -873,6 +859,7 @@
               <a:rPr lang="zh-CN" altLang="en-US"/>
               <a:t>第五级</a:t>
             </a:r>
+            <a:endParaRPr lang="zh-CN" altLang="en-US"/>
           </a:p>
         </p:txBody>
       </p:sp>
@@ -893,7 +880,6 @@
           <a:p>
             <a:fld id="{530820CF-B880-4189-942D-D702A7CBA730}" type="datetimeFigureOut">
               <a:rPr lang="zh-CN" altLang="en-US" smtClean="0"/>
-              <a:t>2018/10/16</a:t>
             </a:fld>
             <a:endParaRPr lang="zh-CN" altLang="en-US"/>
           </a:p>
@@ -935,7 +921,6 @@
           <a:p>
             <a:fld id="{0C913308-F349-4B6D-A68A-DD1791B4A57B}" type="slidenum">
               <a:rPr lang="zh-CN" altLang="en-US" smtClean="0"/>
-              <a:t>‹#›</a:t>
             </a:fld>
             <a:endParaRPr lang="zh-CN" altLang="en-US"/>
           </a:p>
@@ -990,6 +975,7 @@
               <a:rPr lang="zh-CN" altLang="en-US"/>
               <a:t>单击此处编辑母版标题样式</a:t>
             </a:r>
+            <a:endParaRPr lang="zh-CN" altLang="en-US"/>
           </a:p>
         </p:txBody>
       </p:sp>
@@ -1018,6 +1004,7 @@
               <a:rPr lang="zh-CN" altLang="en-US"/>
               <a:t>单击此处编辑母版文本样式</a:t>
             </a:r>
+            <a:endParaRPr lang="zh-CN" altLang="en-US"/>
           </a:p>
           <a:p>
             <a:pPr lvl="1"/>
@@ -1025,6 +1012,7 @@
               <a:rPr lang="zh-CN" altLang="en-US"/>
               <a:t>第二级</a:t>
             </a:r>
+            <a:endParaRPr lang="zh-CN" altLang="en-US"/>
           </a:p>
           <a:p>
             <a:pPr lvl="2"/>
@@ -1032,6 +1020,7 @@
               <a:rPr lang="zh-CN" altLang="en-US"/>
               <a:t>第三级</a:t>
             </a:r>
+            <a:endParaRPr lang="zh-CN" altLang="en-US"/>
           </a:p>
           <a:p>
             <a:pPr lvl="3"/>
@@ -1039,6 +1028,7 @@
               <a:rPr lang="zh-CN" altLang="en-US"/>
               <a:t>第四级</a:t>
             </a:r>
+            <a:endParaRPr lang="zh-CN" altLang="en-US"/>
           </a:p>
           <a:p>
             <a:pPr lvl="4"/>
@@ -1046,6 +1036,7 @@
               <a:rPr lang="zh-CN" altLang="en-US"/>
               <a:t>第五级</a:t>
             </a:r>
+            <a:endParaRPr lang="zh-CN" altLang="en-US"/>
           </a:p>
         </p:txBody>
       </p:sp>
@@ -1066,7 +1057,6 @@
           <a:p>
             <a:fld id="{530820CF-B880-4189-942D-D702A7CBA730}" type="datetimeFigureOut">
               <a:rPr lang="zh-CN" altLang="en-US" smtClean="0"/>
-              <a:t>2018/10/16</a:t>
             </a:fld>
             <a:endParaRPr lang="zh-CN" altLang="en-US"/>
           </a:p>
@@ -1108,7 +1098,6 @@
           <a:p>
             <a:fld id="{0C913308-F349-4B6D-A68A-DD1791B4A57B}" type="slidenum">
               <a:rPr lang="zh-CN" altLang="en-US" smtClean="0"/>
-              <a:t>‹#›</a:t>
             </a:fld>
             <a:endParaRPr lang="zh-CN" altLang="en-US"/>
           </a:p>
@@ -1158,6 +1147,7 @@
               <a:rPr lang="zh-CN" altLang="en-US"/>
               <a:t>单击此处编辑母版标题样式</a:t>
             </a:r>
+            <a:endParaRPr lang="zh-CN" altLang="en-US"/>
           </a:p>
         </p:txBody>
       </p:sp>
@@ -1181,6 +1171,7 @@
               <a:rPr lang="zh-CN" altLang="en-US"/>
               <a:t>单击此处编辑母版文本样式</a:t>
             </a:r>
+            <a:endParaRPr lang="zh-CN" altLang="en-US"/>
           </a:p>
           <a:p>
             <a:pPr lvl="1"/>
@@ -1188,6 +1179,7 @@
               <a:rPr lang="zh-CN" altLang="en-US"/>
               <a:t>第二级</a:t>
             </a:r>
+            <a:endParaRPr lang="zh-CN" altLang="en-US"/>
           </a:p>
           <a:p>
             <a:pPr lvl="2"/>
@@ -1195,6 +1187,7 @@
               <a:rPr lang="zh-CN" altLang="en-US"/>
               <a:t>第三级</a:t>
             </a:r>
+            <a:endParaRPr lang="zh-CN" altLang="en-US"/>
           </a:p>
           <a:p>
             <a:pPr lvl="3"/>
@@ -1202,6 +1195,7 @@
               <a:rPr lang="zh-CN" altLang="en-US"/>
               <a:t>第四级</a:t>
             </a:r>
+            <a:endParaRPr lang="zh-CN" altLang="en-US"/>
           </a:p>
           <a:p>
             <a:pPr lvl="4"/>
@@ -1209,6 +1203,7 @@
               <a:rPr lang="zh-CN" altLang="en-US"/>
               <a:t>第五级</a:t>
             </a:r>
+            <a:endParaRPr lang="zh-CN" altLang="en-US"/>
           </a:p>
         </p:txBody>
       </p:sp>
@@ -1229,7 +1224,6 @@
           <a:p>
             <a:fld id="{530820CF-B880-4189-942D-D702A7CBA730}" type="datetimeFigureOut">
               <a:rPr lang="zh-CN" altLang="en-US" smtClean="0"/>
-              <a:t>2018/10/16</a:t>
             </a:fld>
             <a:endParaRPr lang="zh-CN" altLang="en-US"/>
           </a:p>
@@ -1271,7 +1265,6 @@
           <a:p>
             <a:fld id="{0C913308-F349-4B6D-A68A-DD1791B4A57B}" type="slidenum">
               <a:rPr lang="zh-CN" altLang="en-US" smtClean="0"/>
-              <a:t>‹#›</a:t>
             </a:fld>
             <a:endParaRPr lang="zh-CN" altLang="en-US"/>
           </a:p>
@@ -1330,6 +1323,7 @@
               <a:rPr lang="zh-CN" altLang="en-US"/>
               <a:t>单击此处编辑母版标题样式</a:t>
             </a:r>
+            <a:endParaRPr lang="zh-CN" altLang="en-US"/>
           </a:p>
         </p:txBody>
       </p:sp>
@@ -1449,6 +1443,7 @@
               <a:rPr lang="zh-CN" altLang="en-US"/>
               <a:t>单击此处编辑母版文本样式</a:t>
             </a:r>
+            <a:endParaRPr lang="zh-CN" altLang="en-US"/>
           </a:p>
         </p:txBody>
       </p:sp>
@@ -1469,7 +1464,6 @@
           <a:p>
             <a:fld id="{530820CF-B880-4189-942D-D702A7CBA730}" type="datetimeFigureOut">
               <a:rPr lang="zh-CN" altLang="en-US" smtClean="0"/>
-              <a:t>2018/10/16</a:t>
             </a:fld>
             <a:endParaRPr lang="zh-CN" altLang="en-US"/>
           </a:p>
@@ -1511,7 +1505,6 @@
           <a:p>
             <a:fld id="{0C913308-F349-4B6D-A68A-DD1791B4A57B}" type="slidenum">
               <a:rPr lang="zh-CN" altLang="en-US" smtClean="0"/>
-              <a:t>‹#›</a:t>
             </a:fld>
             <a:endParaRPr lang="zh-CN" altLang="en-US"/>
           </a:p>
@@ -1561,6 +1554,7 @@
               <a:rPr lang="zh-CN" altLang="en-US"/>
               <a:t>单击此处编辑母版标题样式</a:t>
             </a:r>
+            <a:endParaRPr lang="zh-CN" altLang="en-US"/>
           </a:p>
         </p:txBody>
       </p:sp>
@@ -1617,6 +1611,7 @@
               <a:rPr lang="zh-CN" altLang="en-US"/>
               <a:t>单击此处编辑母版文本样式</a:t>
             </a:r>
+            <a:endParaRPr lang="zh-CN" altLang="en-US"/>
           </a:p>
           <a:p>
             <a:pPr lvl="1"/>
@@ -1624,6 +1619,7 @@
               <a:rPr lang="zh-CN" altLang="en-US"/>
               <a:t>第二级</a:t>
             </a:r>
+            <a:endParaRPr lang="zh-CN" altLang="en-US"/>
           </a:p>
           <a:p>
             <a:pPr lvl="2"/>
@@ -1631,6 +1627,7 @@
               <a:rPr lang="zh-CN" altLang="en-US"/>
               <a:t>第三级</a:t>
             </a:r>
+            <a:endParaRPr lang="zh-CN" altLang="en-US"/>
           </a:p>
           <a:p>
             <a:pPr lvl="3"/>
@@ -1638,6 +1635,7 @@
               <a:rPr lang="zh-CN" altLang="en-US"/>
               <a:t>第四级</a:t>
             </a:r>
+            <a:endParaRPr lang="zh-CN" altLang="en-US"/>
           </a:p>
           <a:p>
             <a:pPr lvl="4"/>
@@ -1645,6 +1643,7 @@
               <a:rPr lang="zh-CN" altLang="en-US"/>
               <a:t>第五级</a:t>
             </a:r>
+            <a:endParaRPr lang="zh-CN" altLang="en-US"/>
           </a:p>
         </p:txBody>
       </p:sp>
@@ -1701,6 +1700,7 @@
               <a:rPr lang="zh-CN" altLang="en-US"/>
               <a:t>单击此处编辑母版文本样式</a:t>
             </a:r>
+            <a:endParaRPr lang="zh-CN" altLang="en-US"/>
           </a:p>
           <a:p>
             <a:pPr lvl="1"/>
@@ -1708,6 +1708,7 @@
               <a:rPr lang="zh-CN" altLang="en-US"/>
               <a:t>第二级</a:t>
             </a:r>
+            <a:endParaRPr lang="zh-CN" altLang="en-US"/>
           </a:p>
           <a:p>
             <a:pPr lvl="2"/>
@@ -1715,6 +1716,7 @@
               <a:rPr lang="zh-CN" altLang="en-US"/>
               <a:t>第三级</a:t>
             </a:r>
+            <a:endParaRPr lang="zh-CN" altLang="en-US"/>
           </a:p>
           <a:p>
             <a:pPr lvl="3"/>
@@ -1722,6 +1724,7 @@
               <a:rPr lang="zh-CN" altLang="en-US"/>
               <a:t>第四级</a:t>
             </a:r>
+            <a:endParaRPr lang="zh-CN" altLang="en-US"/>
           </a:p>
           <a:p>
             <a:pPr lvl="4"/>
@@ -1729,6 +1732,7 @@
               <a:rPr lang="zh-CN" altLang="en-US"/>
               <a:t>第五级</a:t>
             </a:r>
+            <a:endParaRPr lang="zh-CN" altLang="en-US"/>
           </a:p>
         </p:txBody>
       </p:sp>
@@ -1749,7 +1753,6 @@
           <a:p>
             <a:fld id="{530820CF-B880-4189-942D-D702A7CBA730}" type="datetimeFigureOut">
               <a:rPr lang="zh-CN" altLang="en-US" smtClean="0"/>
-              <a:t>2018/10/16</a:t>
             </a:fld>
             <a:endParaRPr lang="zh-CN" altLang="en-US"/>
           </a:p>
@@ -1791,7 +1794,6 @@
           <a:p>
             <a:fld id="{0C913308-F349-4B6D-A68A-DD1791B4A57B}" type="slidenum">
               <a:rPr lang="zh-CN" altLang="en-US" smtClean="0"/>
-              <a:t>‹#›</a:t>
             </a:fld>
             <a:endParaRPr lang="zh-CN" altLang="en-US"/>
           </a:p>
@@ -1845,6 +1847,7 @@
               <a:rPr lang="zh-CN" altLang="en-US"/>
               <a:t>单击此处编辑母版标题样式</a:t>
             </a:r>
+            <a:endParaRPr lang="zh-CN" altLang="en-US"/>
           </a:p>
         </p:txBody>
       </p:sp>
@@ -1910,6 +1913,7 @@
               <a:rPr lang="zh-CN" altLang="en-US"/>
               <a:t>单击此处编辑母版文本样式</a:t>
             </a:r>
+            <a:endParaRPr lang="zh-CN" altLang="en-US"/>
           </a:p>
         </p:txBody>
       </p:sp>
@@ -1966,6 +1970,7 @@
               <a:rPr lang="zh-CN" altLang="en-US"/>
               <a:t>单击此处编辑母版文本样式</a:t>
             </a:r>
+            <a:endParaRPr lang="zh-CN" altLang="en-US"/>
           </a:p>
           <a:p>
             <a:pPr lvl="1"/>
@@ -1973,6 +1978,7 @@
               <a:rPr lang="zh-CN" altLang="en-US"/>
               <a:t>第二级</a:t>
             </a:r>
+            <a:endParaRPr lang="zh-CN" altLang="en-US"/>
           </a:p>
           <a:p>
             <a:pPr lvl="2"/>
@@ -1980,6 +1986,7 @@
               <a:rPr lang="zh-CN" altLang="en-US"/>
               <a:t>第三级</a:t>
             </a:r>
+            <a:endParaRPr lang="zh-CN" altLang="en-US"/>
           </a:p>
           <a:p>
             <a:pPr lvl="3"/>
@@ -1987,6 +1994,7 @@
               <a:rPr lang="zh-CN" altLang="en-US"/>
               <a:t>第四级</a:t>
             </a:r>
+            <a:endParaRPr lang="zh-CN" altLang="en-US"/>
           </a:p>
           <a:p>
             <a:pPr lvl="4"/>
@@ -1994,6 +2002,7 @@
               <a:rPr lang="zh-CN" altLang="en-US"/>
               <a:t>第五级</a:t>
             </a:r>
+            <a:endParaRPr lang="zh-CN" altLang="en-US"/>
           </a:p>
         </p:txBody>
       </p:sp>
@@ -2059,6 +2068,7 @@
               <a:rPr lang="zh-CN" altLang="en-US"/>
               <a:t>单击此处编辑母版文本样式</a:t>
             </a:r>
+            <a:endParaRPr lang="zh-CN" altLang="en-US"/>
           </a:p>
         </p:txBody>
       </p:sp>
@@ -2115,6 +2125,7 @@
               <a:rPr lang="zh-CN" altLang="en-US"/>
               <a:t>单击此处编辑母版文本样式</a:t>
             </a:r>
+            <a:endParaRPr lang="zh-CN" altLang="en-US"/>
           </a:p>
           <a:p>
             <a:pPr lvl="1"/>
@@ -2122,6 +2133,7 @@
               <a:rPr lang="zh-CN" altLang="en-US"/>
               <a:t>第二级</a:t>
             </a:r>
+            <a:endParaRPr lang="zh-CN" altLang="en-US"/>
           </a:p>
           <a:p>
             <a:pPr lvl="2"/>
@@ -2129,6 +2141,7 @@
               <a:rPr lang="zh-CN" altLang="en-US"/>
               <a:t>第三级</a:t>
             </a:r>
+            <a:endParaRPr lang="zh-CN" altLang="en-US"/>
           </a:p>
           <a:p>
             <a:pPr lvl="3"/>
@@ -2136,6 +2149,7 @@
               <a:rPr lang="zh-CN" altLang="en-US"/>
               <a:t>第四级</a:t>
             </a:r>
+            <a:endParaRPr lang="zh-CN" altLang="en-US"/>
           </a:p>
           <a:p>
             <a:pPr lvl="4"/>
@@ -2143,6 +2157,7 @@
               <a:rPr lang="zh-CN" altLang="en-US"/>
               <a:t>第五级</a:t>
             </a:r>
+            <a:endParaRPr lang="zh-CN" altLang="en-US"/>
           </a:p>
         </p:txBody>
       </p:sp>
@@ -2163,7 +2178,6 @@
           <a:p>
             <a:fld id="{530820CF-B880-4189-942D-D702A7CBA730}" type="datetimeFigureOut">
               <a:rPr lang="zh-CN" altLang="en-US" smtClean="0"/>
-              <a:t>2018/10/16</a:t>
             </a:fld>
             <a:endParaRPr lang="zh-CN" altLang="en-US"/>
           </a:p>
@@ -2205,7 +2219,6 @@
           <a:p>
             <a:fld id="{0C913308-F349-4B6D-A68A-DD1791B4A57B}" type="slidenum">
               <a:rPr lang="zh-CN" altLang="en-US" smtClean="0"/>
-              <a:t>‹#›</a:t>
             </a:fld>
             <a:endParaRPr lang="zh-CN" altLang="en-US"/>
           </a:p>
@@ -2255,6 +2268,7 @@
               <a:rPr lang="zh-CN" altLang="en-US"/>
               <a:t>单击此处编辑母版标题样式</a:t>
             </a:r>
+            <a:endParaRPr lang="zh-CN" altLang="en-US"/>
           </a:p>
         </p:txBody>
       </p:sp>
@@ -2275,7 +2289,6 @@
           <a:p>
             <a:fld id="{530820CF-B880-4189-942D-D702A7CBA730}" type="datetimeFigureOut">
               <a:rPr lang="zh-CN" altLang="en-US" smtClean="0"/>
-              <a:t>2018/10/16</a:t>
             </a:fld>
             <a:endParaRPr lang="zh-CN" altLang="en-US"/>
           </a:p>
@@ -2317,7 +2330,6 @@
           <a:p>
             <a:fld id="{0C913308-F349-4B6D-A68A-DD1791B4A57B}" type="slidenum">
               <a:rPr lang="zh-CN" altLang="en-US" smtClean="0"/>
-              <a:t>‹#›</a:t>
             </a:fld>
             <a:endParaRPr lang="zh-CN" altLang="en-US"/>
           </a:p>
@@ -2365,7 +2377,6 @@
           <a:p>
             <a:fld id="{530820CF-B880-4189-942D-D702A7CBA730}" type="datetimeFigureOut">
               <a:rPr lang="zh-CN" altLang="en-US" smtClean="0"/>
-              <a:t>2018/10/16</a:t>
             </a:fld>
             <a:endParaRPr lang="zh-CN" altLang="en-US"/>
           </a:p>
@@ -2407,7 +2418,6 @@
           <a:p>
             <a:fld id="{0C913308-F349-4B6D-A68A-DD1791B4A57B}" type="slidenum">
               <a:rPr lang="zh-CN" altLang="en-US" smtClean="0"/>
-              <a:t>‹#›</a:t>
             </a:fld>
             <a:endParaRPr lang="zh-CN" altLang="en-US"/>
           </a:p>
@@ -2466,6 +2476,7 @@
               <a:rPr lang="zh-CN" altLang="en-US"/>
               <a:t>单击此处编辑母版标题样式</a:t>
             </a:r>
+            <a:endParaRPr lang="zh-CN" altLang="en-US"/>
           </a:p>
         </p:txBody>
       </p:sp>
@@ -2522,6 +2533,7 @@
               <a:rPr lang="zh-CN" altLang="en-US"/>
               <a:t>单击此处编辑母版文本样式</a:t>
             </a:r>
+            <a:endParaRPr lang="zh-CN" altLang="en-US"/>
           </a:p>
           <a:p>
             <a:pPr lvl="1"/>
@@ -2529,6 +2541,7 @@
               <a:rPr lang="zh-CN" altLang="en-US"/>
               <a:t>第二级</a:t>
             </a:r>
+            <a:endParaRPr lang="zh-CN" altLang="en-US"/>
           </a:p>
           <a:p>
             <a:pPr lvl="2"/>
@@ -2536,6 +2549,7 @@
               <a:rPr lang="zh-CN" altLang="en-US"/>
               <a:t>第三级</a:t>
             </a:r>
+            <a:endParaRPr lang="zh-CN" altLang="en-US"/>
           </a:p>
           <a:p>
             <a:pPr lvl="3"/>
@@ -2543,6 +2557,7 @@
               <a:rPr lang="zh-CN" altLang="en-US"/>
               <a:t>第四级</a:t>
             </a:r>
+            <a:endParaRPr lang="zh-CN" altLang="en-US"/>
           </a:p>
           <a:p>
             <a:pPr lvl="4"/>
@@ -2550,6 +2565,7 @@
               <a:rPr lang="zh-CN" altLang="en-US"/>
               <a:t>第五级</a:t>
             </a:r>
+            <a:endParaRPr lang="zh-CN" altLang="en-US"/>
           </a:p>
         </p:txBody>
       </p:sp>
@@ -2615,6 +2631,7 @@
               <a:rPr lang="zh-CN" altLang="en-US"/>
               <a:t>单击此处编辑母版文本样式</a:t>
             </a:r>
+            <a:endParaRPr lang="zh-CN" altLang="en-US"/>
           </a:p>
         </p:txBody>
       </p:sp>
@@ -2635,7 +2652,6 @@
           <a:p>
             <a:fld id="{530820CF-B880-4189-942D-D702A7CBA730}" type="datetimeFigureOut">
               <a:rPr lang="zh-CN" altLang="en-US" smtClean="0"/>
-              <a:t>2018/10/16</a:t>
             </a:fld>
             <a:endParaRPr lang="zh-CN" altLang="en-US"/>
           </a:p>
@@ -2677,7 +2693,6 @@
           <a:p>
             <a:fld id="{0C913308-F349-4B6D-A68A-DD1791B4A57B}" type="slidenum">
               <a:rPr lang="zh-CN" altLang="en-US" smtClean="0"/>
-              <a:t>‹#›</a:t>
             </a:fld>
             <a:endParaRPr lang="zh-CN" altLang="en-US"/>
           </a:p>
@@ -2736,6 +2751,7 @@
               <a:rPr lang="zh-CN" altLang="en-US"/>
               <a:t>单击此处编辑母版标题样式</a:t>
             </a:r>
+            <a:endParaRPr lang="zh-CN" altLang="en-US"/>
           </a:p>
         </p:txBody>
       </p:sp>
@@ -2862,6 +2878,7 @@
               <a:rPr lang="zh-CN" altLang="en-US"/>
               <a:t>单击此处编辑母版文本样式</a:t>
             </a:r>
+            <a:endParaRPr lang="zh-CN" altLang="en-US"/>
           </a:p>
         </p:txBody>
       </p:sp>
@@ -2882,7 +2899,6 @@
           <a:p>
             <a:fld id="{530820CF-B880-4189-942D-D702A7CBA730}" type="datetimeFigureOut">
               <a:rPr lang="zh-CN" altLang="en-US" smtClean="0"/>
-              <a:t>2018/10/16</a:t>
             </a:fld>
             <a:endParaRPr lang="zh-CN" altLang="en-US"/>
           </a:p>
@@ -2924,7 +2940,6 @@
           <a:p>
             <a:fld id="{0C913308-F349-4B6D-A68A-DD1791B4A57B}" type="slidenum">
               <a:rPr lang="zh-CN" altLang="en-US" smtClean="0"/>
-              <a:t>‹#›</a:t>
             </a:fld>
             <a:endParaRPr lang="zh-CN" altLang="en-US"/>
           </a:p>
@@ -2989,6 +3004,7 @@
               <a:rPr lang="zh-CN" altLang="en-US"/>
               <a:t>单击此处编辑母版标题样式</a:t>
             </a:r>
+            <a:endParaRPr lang="zh-CN" altLang="en-US"/>
           </a:p>
         </p:txBody>
       </p:sp>
@@ -3022,6 +3038,7 @@
               <a:rPr lang="zh-CN" altLang="en-US"/>
               <a:t>单击此处编辑母版文本样式</a:t>
             </a:r>
+            <a:endParaRPr lang="zh-CN" altLang="en-US"/>
           </a:p>
           <a:p>
             <a:pPr lvl="1"/>
@@ -3029,6 +3046,7 @@
               <a:rPr lang="zh-CN" altLang="en-US"/>
               <a:t>第二级</a:t>
             </a:r>
+            <a:endParaRPr lang="zh-CN" altLang="en-US"/>
           </a:p>
           <a:p>
             <a:pPr lvl="2"/>
@@ -3036,6 +3054,7 @@
               <a:rPr lang="zh-CN" altLang="en-US"/>
               <a:t>第三级</a:t>
             </a:r>
+            <a:endParaRPr lang="zh-CN" altLang="en-US"/>
           </a:p>
           <a:p>
             <a:pPr lvl="3"/>
@@ -3043,6 +3062,7 @@
               <a:rPr lang="zh-CN" altLang="en-US"/>
               <a:t>第四级</a:t>
             </a:r>
+            <a:endParaRPr lang="zh-CN" altLang="en-US"/>
           </a:p>
           <a:p>
             <a:pPr lvl="4"/>
@@ -3050,6 +3070,7 @@
               <a:rPr lang="zh-CN" altLang="en-US"/>
               <a:t>第五级</a:t>
             </a:r>
+            <a:endParaRPr lang="zh-CN" altLang="en-US"/>
           </a:p>
         </p:txBody>
       </p:sp>
@@ -3088,7 +3109,6 @@
           <a:p>
             <a:fld id="{530820CF-B880-4189-942D-D702A7CBA730}" type="datetimeFigureOut">
               <a:rPr lang="zh-CN" altLang="en-US" smtClean="0"/>
-              <a:t>2018/10/16</a:t>
             </a:fld>
             <a:endParaRPr lang="zh-CN" altLang="en-US"/>
           </a:p>
@@ -3166,7 +3186,6 @@
           <a:p>
             <a:fld id="{0C913308-F349-4B6D-A68A-DD1791B4A57B}" type="slidenum">
               <a:rPr lang="zh-CN" altLang="en-US" smtClean="0"/>
-              <a:t>‹#›</a:t>
             </a:fld>
             <a:endParaRPr lang="zh-CN" altLang="en-US"/>
           </a:p>
@@ -3181,7 +3200,7 @@
           <p:nvPr userDrawn="1"/>
         </p:nvPicPr>
         <p:blipFill rotWithShape="1">
-          <a:blip r:embed="rId13">
+          <a:blip r:embed="rId12">
             <a:extLst>
               <a:ext uri="{28A0092B-C50C-407E-A947-70E740481C1C}">
                 <a14:useLocalDpi xmlns:a14="http://schemas.microsoft.com/office/drawing/2010/main" val="0"/>
@@ -3251,7 +3270,7 @@
         <a:spcBef>
           <a:spcPct val="20000"/>
         </a:spcBef>
-        <a:buFont typeface="Arial" pitchFamily="34" charset="0"/>
+        <a:buFont typeface="Arial" panose="020B0604020202020204" pitchFamily="34" charset="0"/>
         <a:buChar char="•"/>
         <a:defRPr sz="3200" kern="1200">
           <a:solidFill>
@@ -3266,7 +3285,7 @@
         <a:spcBef>
           <a:spcPct val="20000"/>
         </a:spcBef>
-        <a:buFont typeface="Arial" pitchFamily="34" charset="0"/>
+        <a:buFont typeface="Arial" panose="020B0604020202020204" pitchFamily="34" charset="0"/>
         <a:buChar char="–"/>
         <a:defRPr sz="2800" kern="1200">
           <a:solidFill>
@@ -3281,7 +3300,7 @@
         <a:spcBef>
           <a:spcPct val="20000"/>
         </a:spcBef>
-        <a:buFont typeface="Arial" pitchFamily="34" charset="0"/>
+        <a:buFont typeface="Arial" panose="020B0604020202020204" pitchFamily="34" charset="0"/>
         <a:buChar char="•"/>
         <a:defRPr sz="2400" kern="1200">
           <a:solidFill>
@@ -3296,7 +3315,7 @@
         <a:spcBef>
           <a:spcPct val="20000"/>
         </a:spcBef>
-        <a:buFont typeface="Arial" pitchFamily="34" charset="0"/>
+        <a:buFont typeface="Arial" panose="020B0604020202020204" pitchFamily="34" charset="0"/>
         <a:buChar char="–"/>
         <a:defRPr sz="2000" kern="1200">
           <a:solidFill>
@@ -3311,7 +3330,7 @@
         <a:spcBef>
           <a:spcPct val="20000"/>
         </a:spcBef>
-        <a:buFont typeface="Arial" pitchFamily="34" charset="0"/>
+        <a:buFont typeface="Arial" panose="020B0604020202020204" pitchFamily="34" charset="0"/>
         <a:buChar char="»"/>
         <a:defRPr sz="2000" kern="1200">
           <a:solidFill>
@@ -3326,7 +3345,7 @@
         <a:spcBef>
           <a:spcPct val="20000"/>
         </a:spcBef>
-        <a:buFont typeface="Arial" pitchFamily="34" charset="0"/>
+        <a:buFont typeface="Arial" panose="020B0604020202020204" pitchFamily="34" charset="0"/>
         <a:buChar char="•"/>
         <a:defRPr sz="2000" kern="1200">
           <a:solidFill>
@@ -3341,7 +3360,7 @@
         <a:spcBef>
           <a:spcPct val="20000"/>
         </a:spcBef>
-        <a:buFont typeface="Arial" pitchFamily="34" charset="0"/>
+        <a:buFont typeface="Arial" panose="020B0604020202020204" pitchFamily="34" charset="0"/>
         <a:buChar char="•"/>
         <a:defRPr sz="2000" kern="1200">
           <a:solidFill>
@@ -3356,7 +3375,7 @@
         <a:spcBef>
           <a:spcPct val="20000"/>
         </a:spcBef>
-        <a:buFont typeface="Arial" pitchFamily="34" charset="0"/>
+        <a:buFont typeface="Arial" panose="020B0604020202020204" pitchFamily="34" charset="0"/>
         <a:buChar char="•"/>
         <a:defRPr sz="2000" kern="1200">
           <a:solidFill>
@@ -3371,7 +3390,7 @@
         <a:spcBef>
           <a:spcPct val="20000"/>
         </a:spcBef>
-        <a:buFont typeface="Arial" pitchFamily="34" charset="0"/>
+        <a:buFont typeface="Arial" panose="020B0604020202020204" pitchFamily="34" charset="0"/>
         <a:buChar char="•"/>
         <a:defRPr sz="2000" kern="1200">
           <a:solidFill>
@@ -3657,11 +3676,18 @@
                 <a:solidFill>
                   <a:schemeClr val="bg1"/>
                 </a:solidFill>
-                <a:latin typeface="微软雅黑"/>
-                <a:ea typeface="微软雅黑"/>
+                <a:latin typeface="微软雅黑" panose="020B0503020204020204" charset="-122"/>
+                <a:ea typeface="微软雅黑" panose="020B0503020204020204" charset="-122"/>
               </a:rPr>
               <a:t>大前端简介</a:t>
             </a:r>
+            <a:endParaRPr lang="zh-CN" altLang="en-US" sz="3600" b="1" dirty="0">
+              <a:solidFill>
+                <a:schemeClr val="bg1"/>
+              </a:solidFill>
+              <a:latin typeface="微软雅黑" panose="020B0503020204020204" charset="-122"/>
+              <a:ea typeface="微软雅黑" panose="020B0503020204020204" charset="-122"/>
+            </a:endParaRPr>
           </a:p>
         </p:txBody>
       </p:sp>
@@ -4101,8 +4127,8 @@
                 <a:solidFill>
                   <a:schemeClr val="bg1"/>
                 </a:solidFill>
-                <a:latin typeface="微软雅黑" panose="020B0503020204020204" pitchFamily="34" charset="-122"/>
-                <a:ea typeface="微软雅黑" panose="020B0503020204020204" pitchFamily="34" charset="-122"/>
+                <a:latin typeface="微软雅黑" panose="020B0503020204020204" charset="-122"/>
+                <a:ea typeface="微软雅黑" panose="020B0503020204020204" charset="-122"/>
               </a:rPr>
               <a:t>大前端 </a:t>
             </a:r>
@@ -4111,8 +4137,8 @@
                 <a:solidFill>
                   <a:schemeClr val="bg1"/>
                 </a:solidFill>
-                <a:latin typeface="微软雅黑" panose="020B0503020204020204" pitchFamily="34" charset="-122"/>
-                <a:ea typeface="微软雅黑" panose="020B0503020204020204" pitchFamily="34" charset="-122"/>
+                <a:latin typeface="微软雅黑" panose="020B0503020204020204" charset="-122"/>
+                <a:ea typeface="微软雅黑" panose="020B0503020204020204" charset="-122"/>
               </a:rPr>
               <a:t>- </a:t>
             </a:r>
@@ -4121,11 +4147,18 @@
                 <a:solidFill>
                   <a:schemeClr val="bg1"/>
                 </a:solidFill>
-                <a:latin typeface="微软雅黑" panose="020B0503020204020204" pitchFamily="34" charset="-122"/>
-                <a:ea typeface="微软雅黑" panose="020B0503020204020204" pitchFamily="34" charset="-122"/>
+                <a:latin typeface="微软雅黑" panose="020B0503020204020204" charset="-122"/>
+                <a:ea typeface="微软雅黑" panose="020B0503020204020204" charset="-122"/>
               </a:rPr>
               <a:t>微应用</a:t>
             </a:r>
+            <a:endParaRPr lang="zh-CN" altLang="en-US" sz="2400" dirty="0">
+              <a:solidFill>
+                <a:schemeClr val="bg1"/>
+              </a:solidFill>
+              <a:latin typeface="微软雅黑" panose="020B0503020204020204" charset="-122"/>
+              <a:ea typeface="微软雅黑" panose="020B0503020204020204" charset="-122"/>
+            </a:endParaRPr>
           </a:p>
           <a:p>
             <a:endParaRPr lang="zh-CN" altLang="en-US" sz="2400" b="1" dirty="0">
@@ -4140,8 +4173,8 @@
               <a:solidFill>
                 <a:schemeClr val="bg1"/>
               </a:solidFill>
-              <a:latin typeface="楷体" charset="0"/>
-              <a:ea typeface="楷体" charset="0"/>
+              <a:latin typeface="楷体" panose="02010609060101010101" charset="-122"/>
+              <a:ea typeface="楷体" panose="02010609060101010101" charset="-122"/>
               <a:sym typeface="+mn-ea"/>
             </a:endParaRPr>
           </a:p>
@@ -4149,13 +4182,7 @@
       </p:sp>
       <p:sp>
         <p:nvSpPr>
-          <p:cNvPr id="9" name="文本框 8">
-            <a:extLst>
-              <a:ext uri="{FF2B5EF4-FFF2-40B4-BE49-F238E27FC236}">
-                <a16:creationId xmlns:a16="http://schemas.microsoft.com/office/drawing/2014/main" id="{E3D1B07A-5C9D-48FA-8093-5E837F027DB7}"/>
-              </a:ext>
-            </a:extLst>
-          </p:cNvPr>
+          <p:cNvPr id="9" name="文本框 8"/>
           <p:cNvSpPr txBox="1"/>
           <p:nvPr/>
         </p:nvSpPr>
@@ -4199,6 +4226,11 @@
               </a:rPr>
               <a:t>时代那种画画页面就完事了。这部分体现的是前端的要求更高，责任越大了。</a:t>
             </a:r>
+            <a:endParaRPr lang="zh-CN" altLang="en-US" dirty="0">
+              <a:solidFill>
+                <a:schemeClr val="bg1"/>
+              </a:solidFill>
+            </a:endParaRPr>
           </a:p>
           <a:p>
             <a:endParaRPr lang="zh-CN" altLang="en-US" dirty="0">
@@ -4213,8 +4245,8 @@
               <a:solidFill>
                 <a:schemeClr val="bg1"/>
               </a:solidFill>
-              <a:latin typeface="楷体" charset="0"/>
-              <a:ea typeface="楷体" charset="0"/>
+              <a:latin typeface="楷体" panose="02010609060101010101" charset="-122"/>
+              <a:ea typeface="楷体" panose="02010609060101010101" charset="-122"/>
               <a:sym typeface="+mn-ea"/>
             </a:endParaRPr>
           </a:p>
@@ -4222,20 +4254,14 @@
       </p:sp>
       <p:pic>
         <p:nvPicPr>
-          <p:cNvPr id="7" name="图片 6">
-            <a:extLst>
-              <a:ext uri="{FF2B5EF4-FFF2-40B4-BE49-F238E27FC236}">
-                <a16:creationId xmlns:a16="http://schemas.microsoft.com/office/drawing/2014/main" id="{0125E86A-CEEF-4914-B4AB-67A6D55E448D}"/>
-              </a:ext>
-            </a:extLst>
-          </p:cNvPr>
+          <p:cNvPr id="7" name="图片 6"/>
           <p:cNvPicPr>
             <a:picLocks noChangeAspect="1"/>
           </p:cNvPicPr>
           <p:nvPr/>
         </p:nvPicPr>
         <p:blipFill>
-          <a:blip r:embed="rId2">
+          <a:blip r:embed="rId1">
             <a:extLst>
               <a:ext uri="{28A0092B-C50C-407E-A947-70E740481C1C}">
                 <a14:useLocalDpi xmlns:a14="http://schemas.microsoft.com/office/drawing/2010/main" val="0"/>
@@ -4257,11 +4283,6 @@
         </p:spPr>
       </p:pic>
     </p:spTree>
-    <p:extLst>
-      <p:ext uri="{BB962C8B-B14F-4D97-AF65-F5344CB8AC3E}">
-        <p14:creationId xmlns:p14="http://schemas.microsoft.com/office/powerpoint/2010/main" val="1992033558"/>
-      </p:ext>
-    </p:extLst>
   </p:cSld>
   <p:clrMapOvr>
     <a:masterClrMapping/>
@@ -4313,30 +4334,31 @@
                 <a:solidFill>
                   <a:schemeClr val="bg1"/>
                 </a:solidFill>
-                <a:latin typeface="微软雅黑" charset="0"/>
-                <a:ea typeface="微软雅黑" charset="0"/>
+                <a:latin typeface="微软雅黑" panose="020B0503020204020204" charset="-122"/>
+                <a:ea typeface="微软雅黑" panose="020B0503020204020204" charset="-122"/>
               </a:rPr>
               <a:t>前端：</a:t>
             </a:r>
+            <a:endParaRPr lang="zh-CN" altLang="en-US" sz="2400" b="1" dirty="0">
+              <a:solidFill>
+                <a:schemeClr val="bg1"/>
+              </a:solidFill>
+              <a:latin typeface="微软雅黑" panose="020B0503020204020204" charset="-122"/>
+              <a:ea typeface="微软雅黑" panose="020B0503020204020204" charset="-122"/>
+            </a:endParaRPr>
           </a:p>
         </p:txBody>
       </p:sp>
       <p:pic>
         <p:nvPicPr>
-          <p:cNvPr id="4" name="图片 3">
-            <a:extLst>
-              <a:ext uri="{FF2B5EF4-FFF2-40B4-BE49-F238E27FC236}">
-                <a16:creationId xmlns:a16="http://schemas.microsoft.com/office/drawing/2014/main" id="{9309CD9D-9461-4B55-962D-F33C8F883C74}"/>
-              </a:ext>
-            </a:extLst>
-          </p:cNvPr>
+          <p:cNvPr id="4" name="图片 3"/>
           <p:cNvPicPr>
             <a:picLocks noChangeAspect="1"/>
           </p:cNvPicPr>
           <p:nvPr/>
         </p:nvPicPr>
         <p:blipFill>
-          <a:blip r:embed="rId2">
+          <a:blip r:embed="rId1">
             <a:extLst>
               <a:ext uri="{28A0092B-C50C-407E-A947-70E740481C1C}">
                 <a14:useLocalDpi xmlns:a14="http://schemas.microsoft.com/office/drawing/2010/main" val="0"/>
@@ -4358,11 +4380,6 @@
         </p:spPr>
       </p:pic>
     </p:spTree>
-    <p:extLst>
-      <p:ext uri="{BB962C8B-B14F-4D97-AF65-F5344CB8AC3E}">
-        <p14:creationId xmlns:p14="http://schemas.microsoft.com/office/powerpoint/2010/main" val="797650273"/>
-      </p:ext>
-    </p:extLst>
   </p:cSld>
   <p:clrMapOvr>
     <a:masterClrMapping/>
@@ -4414,30 +4431,31 @@
                 <a:solidFill>
                   <a:schemeClr val="bg1"/>
                 </a:solidFill>
-                <a:latin typeface="微软雅黑" charset="0"/>
-                <a:ea typeface="微软雅黑" charset="0"/>
+                <a:latin typeface="微软雅黑" panose="020B0503020204020204" charset="-122"/>
+                <a:ea typeface="微软雅黑" panose="020B0503020204020204" charset="-122"/>
               </a:rPr>
               <a:t>前端：</a:t>
             </a:r>
+            <a:endParaRPr lang="zh-CN" altLang="en-US" sz="2400" b="1" dirty="0">
+              <a:solidFill>
+                <a:schemeClr val="bg1"/>
+              </a:solidFill>
+              <a:latin typeface="微软雅黑" panose="020B0503020204020204" charset="-122"/>
+              <a:ea typeface="微软雅黑" panose="020B0503020204020204" charset="-122"/>
+            </a:endParaRPr>
           </a:p>
         </p:txBody>
       </p:sp>
       <p:pic>
         <p:nvPicPr>
-          <p:cNvPr id="4" name="图片 3">
-            <a:extLst>
-              <a:ext uri="{FF2B5EF4-FFF2-40B4-BE49-F238E27FC236}">
-                <a16:creationId xmlns:a16="http://schemas.microsoft.com/office/drawing/2014/main" id="{3B19BC06-CE28-4426-9037-A1FB0EFE3200}"/>
-              </a:ext>
-            </a:extLst>
-          </p:cNvPr>
+          <p:cNvPr id="4" name="图片 3"/>
           <p:cNvPicPr>
             <a:picLocks noChangeAspect="1"/>
           </p:cNvPicPr>
           <p:nvPr/>
         </p:nvPicPr>
         <p:blipFill>
-          <a:blip r:embed="rId2" cstate="print">
+          <a:blip r:embed="rId1" cstate="print">
             <a:extLst>
               <a:ext uri="{28A0092B-C50C-407E-A947-70E740481C1C}">
                 <a14:useLocalDpi xmlns:a14="http://schemas.microsoft.com/office/drawing/2010/main" val="0"/>
@@ -4459,11 +4477,6 @@
         </p:spPr>
       </p:pic>
     </p:spTree>
-    <p:extLst>
-      <p:ext uri="{BB962C8B-B14F-4D97-AF65-F5344CB8AC3E}">
-        <p14:creationId xmlns:p14="http://schemas.microsoft.com/office/powerpoint/2010/main" val="3929622933"/>
-      </p:ext>
-    </p:extLst>
   </p:cSld>
   <p:clrMapOvr>
     <a:masterClrMapping/>
@@ -4515,30 +4528,31 @@
                 <a:solidFill>
                   <a:schemeClr val="bg1"/>
                 </a:solidFill>
-                <a:latin typeface="微软雅黑" charset="0"/>
-                <a:ea typeface="微软雅黑" charset="0"/>
+                <a:latin typeface="微软雅黑" panose="020B0503020204020204" charset="-122"/>
+                <a:ea typeface="微软雅黑" panose="020B0503020204020204" charset="-122"/>
               </a:rPr>
               <a:t>前端：</a:t>
             </a:r>
+            <a:endParaRPr lang="zh-CN" altLang="en-US" sz="2400" b="1" dirty="0">
+              <a:solidFill>
+                <a:schemeClr val="bg1"/>
+              </a:solidFill>
+              <a:latin typeface="微软雅黑" panose="020B0503020204020204" charset="-122"/>
+              <a:ea typeface="微软雅黑" panose="020B0503020204020204" charset="-122"/>
+            </a:endParaRPr>
           </a:p>
         </p:txBody>
       </p:sp>
       <p:pic>
         <p:nvPicPr>
-          <p:cNvPr id="5" name="图片 4">
-            <a:extLst>
-              <a:ext uri="{FF2B5EF4-FFF2-40B4-BE49-F238E27FC236}">
-                <a16:creationId xmlns:a16="http://schemas.microsoft.com/office/drawing/2014/main" id="{0D494F2C-2CF9-4A55-9C6A-788B777C8DE4}"/>
-              </a:ext>
-            </a:extLst>
-          </p:cNvPr>
+          <p:cNvPr id="5" name="图片 4"/>
           <p:cNvPicPr>
             <a:picLocks noChangeAspect="1"/>
           </p:cNvPicPr>
           <p:nvPr/>
         </p:nvPicPr>
         <p:blipFill>
-          <a:blip r:embed="rId2">
+          <a:blip r:embed="rId1">
             <a:extLst>
               <a:ext uri="{28A0092B-C50C-407E-A947-70E740481C1C}">
                 <a14:useLocalDpi xmlns:a14="http://schemas.microsoft.com/office/drawing/2010/main" val="0"/>
@@ -4560,11 +4574,6 @@
         </p:spPr>
       </p:pic>
     </p:spTree>
-    <p:extLst>
-      <p:ext uri="{BB962C8B-B14F-4D97-AF65-F5344CB8AC3E}">
-        <p14:creationId xmlns:p14="http://schemas.microsoft.com/office/powerpoint/2010/main" val="332563187"/>
-      </p:ext>
-    </p:extLst>
   </p:cSld>
   <p:clrMapOvr>
     <a:masterClrMapping/>
@@ -4598,7 +4607,7 @@
         <p:spPr>
           <a:xfrm>
             <a:off x="318770" y="445135"/>
-            <a:ext cx="5637530" cy="461665"/>
+            <a:ext cx="5637530" cy="460375"/>
           </a:xfrm>
           <a:prstGeom prst="rect">
             <a:avLst/>
@@ -4616,20 +4625,83 @@
                 <a:solidFill>
                   <a:schemeClr val="bg1"/>
                 </a:solidFill>
-                <a:latin typeface="微软雅黑" charset="0"/>
-                <a:ea typeface="微软雅黑" charset="0"/>
-              </a:rPr>
-              <a:t>大前端：</a:t>
-            </a:r>
+                <a:latin typeface="微软雅黑" panose="020B0503020204020204" charset="-122"/>
+                <a:ea typeface="微软雅黑" panose="020B0503020204020204" charset="-122"/>
+              </a:rPr>
+              <a:t>大前端 - 前后端分离</a:t>
+            </a:r>
+            <a:endParaRPr lang="zh-CN" altLang="en-US" sz="2400" b="1" dirty="0">
+              <a:solidFill>
+                <a:schemeClr val="bg1"/>
+              </a:solidFill>
+              <a:latin typeface="微软雅黑" panose="020B0503020204020204" charset="-122"/>
+              <a:ea typeface="微软雅黑" panose="020B0503020204020204" charset="-122"/>
+            </a:endParaRPr>
           </a:p>
         </p:txBody>
       </p:sp>
+      <p:sp>
+        <p:nvSpPr>
+          <p:cNvPr id="4" name="文本框 3"/>
+          <p:cNvSpPr txBox="1"/>
+          <p:nvPr/>
+        </p:nvSpPr>
+        <p:spPr>
+          <a:xfrm>
+            <a:off x="578485" y="1251585"/>
+            <a:ext cx="7987030" cy="1198880"/>
+          </a:xfrm>
+          <a:prstGeom prst="rect">
+            <a:avLst/>
+          </a:prstGeom>
+          <a:noFill/>
+        </p:spPr>
+        <p:txBody>
+          <a:bodyPr wrap="square" rtlCol="0">
+            <a:spAutoFit/>
+          </a:bodyPr>
+          <a:p>
+            <a:r>
+              <a:rPr lang="zh-CN" altLang="en-US">
+                <a:solidFill>
+                  <a:schemeClr val="bg1"/>
+                </a:solidFill>
+              </a:rPr>
+              <a:t>随着前后端职责和技术框架的分离发展，产品对前端的要求越来越高，用户对前端的期待越来越高，前端技术发展越来越快，导致前端这个岗位并没有像JSP时代那种画画页面就完事了。这部分体现的是前端的要求更高，责任越大了。</a:t>
+            </a:r>
+            <a:endParaRPr lang="zh-CN" altLang="en-US">
+              <a:solidFill>
+                <a:schemeClr val="bg1"/>
+              </a:solidFill>
+            </a:endParaRPr>
+          </a:p>
+        </p:txBody>
+      </p:sp>
+      <p:pic>
+        <p:nvPicPr>
+          <p:cNvPr id="5" name="图片 4" descr="fenli"/>
+          <p:cNvPicPr>
+            <a:picLocks noChangeAspect="1"/>
+          </p:cNvPicPr>
+          <p:nvPr/>
+        </p:nvPicPr>
+        <p:blipFill>
+          <a:blip r:embed="rId1"/>
+          <a:stretch>
+            <a:fillRect/>
+          </a:stretch>
+        </p:blipFill>
+        <p:spPr>
+          <a:xfrm>
+            <a:off x="2006600" y="2176145"/>
+            <a:ext cx="5131435" cy="2886710"/>
+          </a:xfrm>
+          <a:prstGeom prst="rect">
+            <a:avLst/>
+          </a:prstGeom>
+        </p:spPr>
+      </p:pic>
     </p:spTree>
-    <p:extLst>
-      <p:ext uri="{BB962C8B-B14F-4D97-AF65-F5344CB8AC3E}">
-        <p14:creationId xmlns:p14="http://schemas.microsoft.com/office/powerpoint/2010/main" val="2521728772"/>
-      </p:ext>
-    </p:extLst>
   </p:cSld>
   <p:clrMapOvr>
     <a:masterClrMapping/>
@@ -4638,6 +4710,921 @@
 </file>
 
 <file path=ppt/slides/slide15.xml><?xml version="1.0" encoding="utf-8"?>
+<p:sld xmlns:a="http://schemas.openxmlformats.org/drawingml/2006/main" xmlns:r="http://schemas.openxmlformats.org/officeDocument/2006/relationships" xmlns:p="http://schemas.openxmlformats.org/presentationml/2006/main">
+  <p:cSld>
+    <p:spTree>
+      <p:nvGrpSpPr>
+        <p:cNvPr id="1" name=""/>
+        <p:cNvGrpSpPr/>
+        <p:nvPr/>
+      </p:nvGrpSpPr>
+      <p:grpSpPr>
+        <a:xfrm>
+          <a:off x="0" y="0"/>
+          <a:ext cx="0" cy="0"/>
+          <a:chOff x="0" y="0"/>
+          <a:chExt cx="0" cy="0"/>
+        </a:xfrm>
+      </p:grpSpPr>
+      <p:sp>
+        <p:nvSpPr>
+          <p:cNvPr id="2" name="文本框 1"/>
+          <p:cNvSpPr txBox="1"/>
+          <p:nvPr/>
+        </p:nvSpPr>
+        <p:spPr>
+          <a:xfrm>
+            <a:off x="318770" y="445135"/>
+            <a:ext cx="5637530" cy="460375"/>
+          </a:xfrm>
+          <a:prstGeom prst="rect">
+            <a:avLst/>
+          </a:prstGeom>
+          <a:noFill/>
+        </p:spPr>
+        <p:txBody>
+          <a:bodyPr wrap="square" rtlCol="0">
+            <a:spAutoFit/>
+          </a:bodyPr>
+          <a:lstStyle/>
+          <a:p>
+            <a:r>
+              <a:rPr lang="zh-CN" altLang="en-US" sz="2400" b="1" dirty="0">
+                <a:solidFill>
+                  <a:schemeClr val="bg1"/>
+                </a:solidFill>
+                <a:latin typeface="微软雅黑" panose="020B0503020204020204" charset="-122"/>
+                <a:ea typeface="微软雅黑" panose="020B0503020204020204" charset="-122"/>
+              </a:rPr>
+              <a:t>大前端 - Node全栈</a:t>
+            </a:r>
+            <a:endParaRPr lang="zh-CN" altLang="en-US" sz="2400" b="1" dirty="0">
+              <a:solidFill>
+                <a:schemeClr val="bg1"/>
+              </a:solidFill>
+              <a:latin typeface="微软雅黑" panose="020B0503020204020204" charset="-122"/>
+              <a:ea typeface="微软雅黑" panose="020B0503020204020204" charset="-122"/>
+            </a:endParaRPr>
+          </a:p>
+        </p:txBody>
+      </p:sp>
+      <p:sp>
+        <p:nvSpPr>
+          <p:cNvPr id="4" name="文本框 3"/>
+          <p:cNvSpPr txBox="1"/>
+          <p:nvPr/>
+        </p:nvSpPr>
+        <p:spPr>
+          <a:xfrm>
+            <a:off x="578485" y="1251585"/>
+            <a:ext cx="7987030" cy="1198880"/>
+          </a:xfrm>
+          <a:prstGeom prst="rect">
+            <a:avLst/>
+          </a:prstGeom>
+          <a:noFill/>
+        </p:spPr>
+        <p:txBody>
+          <a:bodyPr wrap="square" rtlCol="0">
+            <a:spAutoFit/>
+          </a:bodyPr>
+          <a:p>
+            <a:r>
+              <a:rPr lang="zh-CN" altLang="en-US">
+                <a:solidFill>
+                  <a:schemeClr val="bg1"/>
+                </a:solidFill>
+              </a:rPr>
+              <a:t>前后端分离后，前端要独立完成一个事情是不行的，因为缺少后台的支持。但是随着Node的出现，前端可以不用依赖后台人员，也不用学习新的后台语言，就可以轻松搞定后台的这部分事情。这样，面对一些小的系统，前端工程师就可以搞定整个系统。这部分体现了前端的全面性和全栈性。</a:t>
+            </a:r>
+            <a:endParaRPr lang="zh-CN" altLang="en-US">
+              <a:solidFill>
+                <a:schemeClr val="bg1"/>
+              </a:solidFill>
+            </a:endParaRPr>
+          </a:p>
+        </p:txBody>
+      </p:sp>
+    </p:spTree>
+  </p:cSld>
+  <p:clrMapOvr>
+    <a:masterClrMapping/>
+  </p:clrMapOvr>
+</p:sld>
+</file>
+
+<file path=ppt/slides/slide16.xml><?xml version="1.0" encoding="utf-8"?>
+<p:sld xmlns:a="http://schemas.openxmlformats.org/drawingml/2006/main" xmlns:r="http://schemas.openxmlformats.org/officeDocument/2006/relationships" xmlns:p="http://schemas.openxmlformats.org/presentationml/2006/main">
+  <p:cSld>
+    <p:spTree>
+      <p:nvGrpSpPr>
+        <p:cNvPr id="1" name=""/>
+        <p:cNvGrpSpPr/>
+        <p:nvPr/>
+      </p:nvGrpSpPr>
+      <p:grpSpPr>
+        <a:xfrm>
+          <a:off x="0" y="0"/>
+          <a:ext cx="0" cy="0"/>
+          <a:chOff x="0" y="0"/>
+          <a:chExt cx="0" cy="0"/>
+        </a:xfrm>
+      </p:grpSpPr>
+      <p:sp>
+        <p:nvSpPr>
+          <p:cNvPr id="2" name="文本框 1"/>
+          <p:cNvSpPr txBox="1"/>
+          <p:nvPr/>
+        </p:nvSpPr>
+        <p:spPr>
+          <a:xfrm>
+            <a:off x="318770" y="445135"/>
+            <a:ext cx="5637530" cy="460375"/>
+          </a:xfrm>
+          <a:prstGeom prst="rect">
+            <a:avLst/>
+          </a:prstGeom>
+          <a:noFill/>
+        </p:spPr>
+        <p:txBody>
+          <a:bodyPr wrap="square" rtlCol="0">
+            <a:spAutoFit/>
+          </a:bodyPr>
+          <a:lstStyle/>
+          <a:p>
+            <a:r>
+              <a:rPr lang="zh-CN" altLang="en-US" sz="2400" b="1" dirty="0">
+                <a:solidFill>
+                  <a:schemeClr val="bg1"/>
+                </a:solidFill>
+                <a:latin typeface="微软雅黑" panose="020B0503020204020204" charset="-122"/>
+                <a:ea typeface="微软雅黑" panose="020B0503020204020204" charset="-122"/>
+              </a:rPr>
+              <a:t>大前端 - 应对各种端</a:t>
+            </a:r>
+            <a:endParaRPr lang="zh-CN" altLang="en-US" sz="2400" b="1" dirty="0">
+              <a:solidFill>
+                <a:schemeClr val="bg1"/>
+              </a:solidFill>
+              <a:latin typeface="微软雅黑" panose="020B0503020204020204" charset="-122"/>
+              <a:ea typeface="微软雅黑" panose="020B0503020204020204" charset="-122"/>
+            </a:endParaRPr>
+          </a:p>
+        </p:txBody>
+      </p:sp>
+      <p:sp>
+        <p:nvSpPr>
+          <p:cNvPr id="4" name="文本框 3"/>
+          <p:cNvSpPr txBox="1"/>
+          <p:nvPr/>
+        </p:nvSpPr>
+        <p:spPr>
+          <a:xfrm>
+            <a:off x="578485" y="1251585"/>
+            <a:ext cx="7987030" cy="1753235"/>
+          </a:xfrm>
+          <a:prstGeom prst="rect">
+            <a:avLst/>
+          </a:prstGeom>
+          <a:noFill/>
+        </p:spPr>
+        <p:txBody>
+          <a:bodyPr wrap="square" rtlCol="0">
+            <a:spAutoFit/>
+          </a:bodyPr>
+          <a:p>
+            <a:r>
+              <a:rPr lang="zh-CN" altLang="en-US">
+                <a:solidFill>
+                  <a:schemeClr val="bg1"/>
+                </a:solidFill>
+              </a:rPr>
+              <a:t>传统的前端工程师，一般指网页开发工程师，网站一般指运行在PC浏览器，慢慢的也要运行在手机上。但是，随着移动互联网的发展，突然冒出来更多的移动设备，比如：手机分为Android手机和苹果手机、智能手表、VR/AR技术支撑的可穿戴设备、眼睛、头盔、车载系统、智能电视系统等等。而这些设备都需要前端的支撑，这时候对前端的技术要求、能力要求就更高。这部分体现了前端的涉猎范围变大。</a:t>
+            </a:r>
+            <a:endParaRPr lang="zh-CN" altLang="en-US">
+              <a:solidFill>
+                <a:schemeClr val="bg1"/>
+              </a:solidFill>
+            </a:endParaRPr>
+          </a:p>
+        </p:txBody>
+      </p:sp>
+    </p:spTree>
+  </p:cSld>
+  <p:clrMapOvr>
+    <a:masterClrMapping/>
+  </p:clrMapOvr>
+</p:sld>
+</file>
+
+<file path=ppt/slides/slide17.xml><?xml version="1.0" encoding="utf-8"?>
+<p:sld xmlns:a="http://schemas.openxmlformats.org/drawingml/2006/main" xmlns:r="http://schemas.openxmlformats.org/officeDocument/2006/relationships" xmlns:p="http://schemas.openxmlformats.org/presentationml/2006/main">
+  <p:cSld>
+    <p:spTree>
+      <p:nvGrpSpPr>
+        <p:cNvPr id="1" name=""/>
+        <p:cNvGrpSpPr/>
+        <p:nvPr/>
+      </p:nvGrpSpPr>
+      <p:grpSpPr>
+        <a:xfrm>
+          <a:off x="0" y="0"/>
+          <a:ext cx="0" cy="0"/>
+          <a:chOff x="0" y="0"/>
+          <a:chExt cx="0" cy="0"/>
+        </a:xfrm>
+      </p:grpSpPr>
+      <p:sp>
+        <p:nvSpPr>
+          <p:cNvPr id="2" name="文本框 1"/>
+          <p:cNvSpPr txBox="1"/>
+          <p:nvPr/>
+        </p:nvSpPr>
+        <p:spPr>
+          <a:xfrm>
+            <a:off x="318770" y="445135"/>
+            <a:ext cx="5637530" cy="460375"/>
+          </a:xfrm>
+          <a:prstGeom prst="rect">
+            <a:avLst/>
+          </a:prstGeom>
+          <a:noFill/>
+        </p:spPr>
+        <p:txBody>
+          <a:bodyPr wrap="square" rtlCol="0">
+            <a:spAutoFit/>
+          </a:bodyPr>
+          <a:lstStyle/>
+          <a:p>
+            <a:r>
+              <a:rPr lang="zh-CN" altLang="en-US" sz="2400" b="1" dirty="0">
+                <a:solidFill>
+                  <a:schemeClr val="bg1"/>
+                </a:solidFill>
+                <a:latin typeface="微软雅黑" panose="020B0503020204020204" charset="-122"/>
+                <a:ea typeface="微软雅黑" panose="020B0503020204020204" charset="-122"/>
+              </a:rPr>
+              <a:t>大前端 - 微应用</a:t>
+            </a:r>
+            <a:endParaRPr lang="zh-CN" altLang="en-US" sz="2400" b="1" dirty="0">
+              <a:solidFill>
+                <a:schemeClr val="bg1"/>
+              </a:solidFill>
+              <a:latin typeface="微软雅黑" panose="020B0503020204020204" charset="-122"/>
+              <a:ea typeface="微软雅黑" panose="020B0503020204020204" charset="-122"/>
+            </a:endParaRPr>
+          </a:p>
+        </p:txBody>
+      </p:sp>
+      <p:sp>
+        <p:nvSpPr>
+          <p:cNvPr id="4" name="文本框 3"/>
+          <p:cNvSpPr txBox="1"/>
+          <p:nvPr/>
+        </p:nvSpPr>
+        <p:spPr>
+          <a:xfrm>
+            <a:off x="578485" y="1446530"/>
+            <a:ext cx="7987030" cy="922020"/>
+          </a:xfrm>
+          <a:prstGeom prst="rect">
+            <a:avLst/>
+          </a:prstGeom>
+          <a:noFill/>
+        </p:spPr>
+        <p:txBody>
+          <a:bodyPr wrap="square" rtlCol="0">
+            <a:spAutoFit/>
+          </a:bodyPr>
+          <a:p>
+            <a:r>
+              <a:rPr lang="zh-CN" altLang="en-US">
+                <a:solidFill>
+                  <a:schemeClr val="bg1"/>
+                </a:solidFill>
+              </a:rPr>
+              <a:t>当微信小程序出来以后，大家第一感觉是前端又可以火一把啦，不需要后台、不需要服务端，只需要在微信平台上开发网页就可以发布上线了。</a:t>
+            </a:r>
+            <a:endParaRPr lang="zh-CN" altLang="en-US">
+              <a:solidFill>
+                <a:schemeClr val="bg1"/>
+              </a:solidFill>
+            </a:endParaRPr>
+          </a:p>
+          <a:p>
+            <a:endParaRPr lang="zh-CN" altLang="en-US">
+              <a:solidFill>
+                <a:schemeClr val="bg1"/>
+              </a:solidFill>
+            </a:endParaRPr>
+          </a:p>
+        </p:txBody>
+      </p:sp>
+      <p:sp>
+        <p:nvSpPr>
+          <p:cNvPr id="6" name="文本框 5"/>
+          <p:cNvSpPr txBox="1"/>
+          <p:nvPr/>
+        </p:nvSpPr>
+        <p:spPr>
+          <a:xfrm>
+            <a:off x="578485" y="2908935"/>
+            <a:ext cx="7642225" cy="922020"/>
+          </a:xfrm>
+          <a:prstGeom prst="rect">
+            <a:avLst/>
+          </a:prstGeom>
+          <a:noFill/>
+        </p:spPr>
+        <p:txBody>
+          <a:bodyPr wrap="square" rtlCol="0">
+            <a:spAutoFit/>
+          </a:bodyPr>
+          <a:p>
+            <a:r>
+              <a:rPr lang="zh-CN" altLang="en-US">
+                <a:solidFill>
+                  <a:schemeClr val="bg1"/>
+                </a:solidFill>
+                <a:sym typeface="+mn-ea"/>
+              </a:rPr>
+              <a:t>而近期又有国内多个手机厂家联合推出快应用 , 跟小程序差不多，只是通过简单的前端开发发布以后，用户不需要安装应用就可以直接在类似于小米、vivo、oppo等手机上打开这样的应用。</a:t>
+            </a:r>
+            <a:endParaRPr lang="zh-CN" altLang="en-US"/>
+          </a:p>
+        </p:txBody>
+      </p:sp>
+    </p:spTree>
+  </p:cSld>
+  <p:clrMapOvr>
+    <a:masterClrMapping/>
+  </p:clrMapOvr>
+</p:sld>
+</file>
+
+<file path=ppt/slides/slide18.xml><?xml version="1.0" encoding="utf-8"?>
+<p:sld xmlns:a="http://schemas.openxmlformats.org/drawingml/2006/main" xmlns:r="http://schemas.openxmlformats.org/officeDocument/2006/relationships" xmlns:p="http://schemas.openxmlformats.org/presentationml/2006/main">
+  <p:cSld>
+    <p:spTree>
+      <p:nvGrpSpPr>
+        <p:cNvPr id="1" name=""/>
+        <p:cNvGrpSpPr/>
+        <p:nvPr/>
+      </p:nvGrpSpPr>
+      <p:grpSpPr>
+        <a:xfrm>
+          <a:off x="0" y="0"/>
+          <a:ext cx="0" cy="0"/>
+          <a:chOff x="0" y="0"/>
+          <a:chExt cx="0" cy="0"/>
+        </a:xfrm>
+      </p:grpSpPr>
+      <p:sp>
+        <p:nvSpPr>
+          <p:cNvPr id="2" name="文本框 3"/>
+          <p:cNvSpPr txBox="1"/>
+          <p:nvPr/>
+        </p:nvSpPr>
+        <p:spPr>
+          <a:xfrm>
+            <a:off x="414366" y="1485913"/>
+            <a:ext cx="3357563" cy="2360295"/>
+          </a:xfrm>
+          <a:prstGeom prst="rect">
+            <a:avLst/>
+          </a:prstGeom>
+          <a:noFill/>
+        </p:spPr>
+        <p:txBody>
+          <a:bodyPr wrap="square" lIns="68517" tIns="34283" rIns="68517" bIns="34283" rtlCol="0">
+            <a:spAutoFit/>
+          </a:bodyPr>
+          <a:lstStyle/>
+          <a:p>
+            <a:pPr algn="ctr" defTabSz="685165"/>
+            <a:r>
+              <a:rPr lang="en-US" altLang="zh-CN" sz="14900" b="1" dirty="0">
+                <a:solidFill>
+                  <a:schemeClr val="bg1"/>
+                </a:solidFill>
+                <a:latin typeface="微软雅黑" panose="020B0503020204020204" charset="-122"/>
+                <a:ea typeface="微软雅黑" panose="020B0503020204020204" charset="-122"/>
+              </a:rPr>
+              <a:t>2</a:t>
+            </a:r>
+            <a:endParaRPr lang="en-US" altLang="zh-CN" sz="14900" b="1" dirty="0">
+              <a:solidFill>
+                <a:schemeClr val="bg1"/>
+              </a:solidFill>
+              <a:latin typeface="微软雅黑" panose="020B0503020204020204" charset="-122"/>
+              <a:ea typeface="微软雅黑" panose="020B0503020204020204" charset="-122"/>
+            </a:endParaRPr>
+          </a:p>
+        </p:txBody>
+      </p:sp>
+      <p:sp>
+        <p:nvSpPr>
+          <p:cNvPr id="4" name="矩形 3"/>
+          <p:cNvSpPr/>
+          <p:nvPr/>
+        </p:nvSpPr>
+        <p:spPr bwMode="auto">
+          <a:xfrm>
+            <a:off x="2986560" y="2428944"/>
+            <a:ext cx="4249738" cy="478790"/>
+          </a:xfrm>
+          <a:prstGeom prst="rect">
+            <a:avLst/>
+          </a:prstGeom>
+          <a:noFill/>
+          <a:ln w="6350" cap="flat" cmpd="sng" algn="ctr">
+            <a:solidFill>
+              <a:srgbClr val="FFFFFF">
+                <a:alpha val="20000"/>
+              </a:srgbClr>
+            </a:solidFill>
+            <a:prstDash val="solid"/>
+            <a:miter lim="800000"/>
+          </a:ln>
+          <a:effectLst/>
+        </p:spPr>
+        <p:txBody>
+          <a:bodyPr wrap="square" lIns="53958" tIns="24295" rIns="53958" bIns="24295" rtlCol="0" anchor="t">
+            <a:spAutoFit/>
+          </a:bodyPr>
+          <a:lstStyle/>
+          <a:p>
+            <a:pPr algn="ctr" defTabSz="685165">
+              <a:defRPr/>
+            </a:pPr>
+            <a:r>
+              <a:rPr lang="zh-CN" altLang="en-US" sz="2800" b="1" kern="0" cap="small" dirty="0">
+                <a:solidFill>
+                  <a:srgbClr val="F59F14"/>
+                </a:solidFill>
+                <a:latin typeface="微软雅黑" panose="020B0503020204020204" charset="-122"/>
+                <a:ea typeface="微软雅黑" panose="020B0503020204020204" charset="-122"/>
+              </a:rPr>
+              <a:t>前端发展史</a:t>
+            </a:r>
+            <a:endParaRPr lang="zh-CN" altLang="en-US" sz="2800" b="1" kern="0" cap="small" dirty="0">
+              <a:solidFill>
+                <a:srgbClr val="F59F14"/>
+              </a:solidFill>
+              <a:latin typeface="微软雅黑" panose="020B0503020204020204" charset="-122"/>
+              <a:ea typeface="微软雅黑" panose="020B0503020204020204" charset="-122"/>
+            </a:endParaRPr>
+          </a:p>
+        </p:txBody>
+      </p:sp>
+      <p:sp>
+        <p:nvSpPr>
+          <p:cNvPr id="5" name="直接连接符 6"/>
+          <p:cNvSpPr>
+            <a:spLocks noChangeShapeType="1"/>
+          </p:cNvSpPr>
+          <p:nvPr/>
+        </p:nvSpPr>
+        <p:spPr bwMode="auto">
+          <a:xfrm>
+            <a:off x="2986560" y="3435848"/>
+            <a:ext cx="4249738" cy="1587"/>
+          </a:xfrm>
+          <a:prstGeom prst="line">
+            <a:avLst/>
+          </a:prstGeom>
+          <a:noFill/>
+          <a:ln w="9525">
+            <a:solidFill>
+              <a:srgbClr val="FFFFFF"/>
+            </a:solidFill>
+            <a:prstDash val="sysDot"/>
+            <a:round/>
+          </a:ln>
+          <a:extLst>
+            <a:ext uri="{909E8E84-426E-40DD-AFC4-6F175D3DCCD1}">
+              <a14:hiddenFill xmlns:a14="http://schemas.microsoft.com/office/drawing/2010/main">
+                <a:noFill/>
+              </a14:hiddenFill>
+            </a:ext>
+          </a:extLst>
+        </p:spPr>
+        <p:txBody>
+          <a:bodyPr lIns="91428" tIns="45714" rIns="91428" bIns="45714"/>
+          <a:lstStyle/>
+          <a:p>
+            <a:pPr fontAlgn="base">
+              <a:spcBef>
+                <a:spcPct val="0"/>
+              </a:spcBef>
+              <a:spcAft>
+                <a:spcPct val="0"/>
+              </a:spcAft>
+              <a:buFont typeface="Arial" panose="020B0604020202020204" pitchFamily="34" charset="0"/>
+              <a:buNone/>
+              <a:defRPr/>
+            </a:pPr>
+            <a:endParaRPr lang="zh-CN" altLang="en-US" kern="0">
+              <a:solidFill>
+                <a:srgbClr val="000000"/>
+              </a:solidFill>
+              <a:latin typeface="Arial" panose="020B0604020202020204" pitchFamily="34" charset="0"/>
+            </a:endParaRPr>
+          </a:p>
+        </p:txBody>
+      </p:sp>
+      <p:sp>
+        <p:nvSpPr>
+          <p:cNvPr id="6" name="直接连接符 7"/>
+          <p:cNvSpPr>
+            <a:spLocks noChangeShapeType="1"/>
+          </p:cNvSpPr>
+          <p:nvPr/>
+        </p:nvSpPr>
+        <p:spPr bwMode="auto">
+          <a:xfrm>
+            <a:off x="2986560" y="1819275"/>
+            <a:ext cx="4249738" cy="1588"/>
+          </a:xfrm>
+          <a:prstGeom prst="line">
+            <a:avLst/>
+          </a:prstGeom>
+          <a:noFill/>
+          <a:ln w="9525">
+            <a:solidFill>
+              <a:srgbClr val="FFFFFF"/>
+            </a:solidFill>
+            <a:prstDash val="sysDot"/>
+            <a:round/>
+          </a:ln>
+          <a:extLst>
+            <a:ext uri="{909E8E84-426E-40DD-AFC4-6F175D3DCCD1}">
+              <a14:hiddenFill xmlns:a14="http://schemas.microsoft.com/office/drawing/2010/main">
+                <a:noFill/>
+              </a14:hiddenFill>
+            </a:ext>
+          </a:extLst>
+        </p:spPr>
+        <p:txBody>
+          <a:bodyPr lIns="91428" tIns="45714" rIns="91428" bIns="45714"/>
+          <a:lstStyle/>
+          <a:p>
+            <a:pPr fontAlgn="base">
+              <a:spcBef>
+                <a:spcPct val="0"/>
+              </a:spcBef>
+              <a:spcAft>
+                <a:spcPct val="0"/>
+              </a:spcAft>
+              <a:buFont typeface="Arial" panose="020B0604020202020204" pitchFamily="34" charset="0"/>
+              <a:buNone/>
+              <a:defRPr/>
+            </a:pPr>
+            <a:endParaRPr lang="zh-CN" altLang="en-US" kern="0">
+              <a:solidFill>
+                <a:srgbClr val="000000"/>
+              </a:solidFill>
+              <a:latin typeface="Arial" panose="020B0604020202020204" pitchFamily="34" charset="0"/>
+            </a:endParaRPr>
+          </a:p>
+        </p:txBody>
+      </p:sp>
+    </p:spTree>
+  </p:cSld>
+  <p:clrMapOvr>
+    <a:masterClrMapping/>
+  </p:clrMapOvr>
+  <p:timing>
+    <p:tnLst>
+      <p:par>
+        <p:cTn id="1" dur="indefinite" restart="never" nodeType="tmRoot">
+          <p:childTnLst>
+            <p:seq concurrent="1" nextAc="seek">
+              <p:cTn id="2" dur="indefinite" nodeType="mainSeq">
+                <p:childTnLst>
+                  <p:par>
+                    <p:cTn id="3" fill="hold">
+                      <p:stCondLst>
+                        <p:cond delay="indefinite"/>
+                      </p:stCondLst>
+                      <p:childTnLst>
+                        <p:par>
+                          <p:cTn id="4" fill="hold">
+                            <p:stCondLst>
+                              <p:cond delay="0"/>
+                            </p:stCondLst>
+                            <p:childTnLst>
+                              <p:par>
+                                <p:cTn id="5" presetID="10" presetClass="entr" presetSubtype="0" fill="hold" grpId="0" nodeType="clickEffect">
+                                  <p:stCondLst>
+                                    <p:cond delay="0"/>
+                                  </p:stCondLst>
+                                  <p:childTnLst>
+                                    <p:set>
+                                      <p:cBhvr>
+                                        <p:cTn id="6" dur="1" fill="hold">
+                                          <p:stCondLst>
+                                            <p:cond delay="0"/>
+                                          </p:stCondLst>
+                                        </p:cTn>
+                                        <p:tgtEl>
+                                          <p:spTgt spid="2"/>
+                                        </p:tgtEl>
+                                        <p:attrNameLst>
+                                          <p:attrName>style.visibility</p:attrName>
+                                        </p:attrNameLst>
+                                      </p:cBhvr>
+                                      <p:to>
+                                        <p:strVal val="visible"/>
+                                      </p:to>
+                                    </p:set>
+                                    <p:animEffect transition="in" filter="fade">
+                                      <p:cBhvr>
+                                        <p:cTn id="7" dur="500"/>
+                                        <p:tgtEl>
+                                          <p:spTgt spid="2"/>
+                                        </p:tgtEl>
+                                      </p:cBhvr>
+                                    </p:animEffect>
+                                  </p:childTnLst>
+                                </p:cTn>
+                              </p:par>
+                              <p:par>
+                                <p:cTn id="8" presetID="42" presetClass="entr" presetSubtype="0" fill="hold" grpId="0" nodeType="withEffect">
+                                  <p:stCondLst>
+                                    <p:cond delay="0"/>
+                                  </p:stCondLst>
+                                  <p:childTnLst>
+                                    <p:set>
+                                      <p:cBhvr>
+                                        <p:cTn id="9" dur="1" fill="hold">
+                                          <p:stCondLst>
+                                            <p:cond delay="0"/>
+                                          </p:stCondLst>
+                                        </p:cTn>
+                                        <p:tgtEl>
+                                          <p:spTgt spid="5"/>
+                                        </p:tgtEl>
+                                        <p:attrNameLst>
+                                          <p:attrName>style.visibility</p:attrName>
+                                        </p:attrNameLst>
+                                      </p:cBhvr>
+                                      <p:to>
+                                        <p:strVal val="visible"/>
+                                      </p:to>
+                                    </p:set>
+                                    <p:animEffect>
+                                      <p:cBhvr>
+                                        <p:cTn id="10" dur="750"/>
+                                        <p:tgtEl>
+                                          <p:spTgt spid="5"/>
+                                        </p:tgtEl>
+                                      </p:cBhvr>
+                                    </p:animEffect>
+                                    <p:anim calcmode="lin" valueType="num">
+                                      <p:cBhvr>
+                                        <p:cTn id="11" dur="750" fill="hold"/>
+                                        <p:tgtEl>
+                                          <p:spTgt spid="5"/>
+                                        </p:tgtEl>
+                                        <p:attrNameLst>
+                                          <p:attrName>ppt_x</p:attrName>
+                                        </p:attrNameLst>
+                                      </p:cBhvr>
+                                      <p:tavLst>
+                                        <p:tav tm="0">
+                                          <p:val>
+                                            <p:strVal val="#ppt_x"/>
+                                          </p:val>
+                                        </p:tav>
+                                        <p:tav tm="100000">
+                                          <p:val>
+                                            <p:strVal val="#ppt_x"/>
+                                          </p:val>
+                                        </p:tav>
+                                      </p:tavLst>
+                                    </p:anim>
+                                    <p:anim calcmode="lin" valueType="num">
+                                      <p:cBhvr>
+                                        <p:cTn id="12" dur="750" fill="hold"/>
+                                        <p:tgtEl>
+                                          <p:spTgt spid="5"/>
+                                        </p:tgtEl>
+                                        <p:attrNameLst>
+                                          <p:attrName>ppt_y</p:attrName>
+                                        </p:attrNameLst>
+                                      </p:cBhvr>
+                                      <p:tavLst>
+                                        <p:tav tm="0">
+                                          <p:val>
+                                            <p:strVal val="#ppt_y+.1"/>
+                                          </p:val>
+                                        </p:tav>
+                                        <p:tav tm="100000">
+                                          <p:val>
+                                            <p:strVal val="#ppt_y"/>
+                                          </p:val>
+                                        </p:tav>
+                                      </p:tavLst>
+                                    </p:anim>
+                                  </p:childTnLst>
+                                </p:cTn>
+                              </p:par>
+                              <p:par>
+                                <p:cTn id="13" presetID="47" presetClass="entr" presetSubtype="0" fill="hold" grpId="0" nodeType="withEffect">
+                                  <p:stCondLst>
+                                    <p:cond delay="0"/>
+                                  </p:stCondLst>
+                                  <p:childTnLst>
+                                    <p:set>
+                                      <p:cBhvr>
+                                        <p:cTn id="14" dur="1" fill="hold">
+                                          <p:stCondLst>
+                                            <p:cond delay="0"/>
+                                          </p:stCondLst>
+                                        </p:cTn>
+                                        <p:tgtEl>
+                                          <p:spTgt spid="6"/>
+                                        </p:tgtEl>
+                                        <p:attrNameLst>
+                                          <p:attrName>style.visibility</p:attrName>
+                                        </p:attrNameLst>
+                                      </p:cBhvr>
+                                      <p:to>
+                                        <p:strVal val="visible"/>
+                                      </p:to>
+                                    </p:set>
+                                    <p:animEffect>
+                                      <p:cBhvr>
+                                        <p:cTn id="15" dur="750"/>
+                                        <p:tgtEl>
+                                          <p:spTgt spid="6"/>
+                                        </p:tgtEl>
+                                      </p:cBhvr>
+                                    </p:animEffect>
+                                    <p:anim calcmode="lin" valueType="num">
+                                      <p:cBhvr>
+                                        <p:cTn id="16" dur="750" fill="hold"/>
+                                        <p:tgtEl>
+                                          <p:spTgt spid="6"/>
+                                        </p:tgtEl>
+                                        <p:attrNameLst>
+                                          <p:attrName>ppt_x</p:attrName>
+                                        </p:attrNameLst>
+                                      </p:cBhvr>
+                                      <p:tavLst>
+                                        <p:tav tm="0">
+                                          <p:val>
+                                            <p:strVal val="#ppt_x"/>
+                                          </p:val>
+                                        </p:tav>
+                                        <p:tav tm="100000">
+                                          <p:val>
+                                            <p:strVal val="#ppt_x"/>
+                                          </p:val>
+                                        </p:tav>
+                                      </p:tavLst>
+                                    </p:anim>
+                                    <p:anim calcmode="lin" valueType="num">
+                                      <p:cBhvr>
+                                        <p:cTn id="17" dur="750" fill="hold"/>
+                                        <p:tgtEl>
+                                          <p:spTgt spid="6"/>
+                                        </p:tgtEl>
+                                        <p:attrNameLst>
+                                          <p:attrName>ppt_y</p:attrName>
+                                        </p:attrNameLst>
+                                      </p:cBhvr>
+                                      <p:tavLst>
+                                        <p:tav tm="0">
+                                          <p:val>
+                                            <p:strVal val="#ppt_y-.1"/>
+                                          </p:val>
+                                        </p:tav>
+                                        <p:tav tm="100000">
+                                          <p:val>
+                                            <p:strVal val="#ppt_y"/>
+                                          </p:val>
+                                        </p:tav>
+                                      </p:tavLst>
+                                    </p:anim>
+                                  </p:childTnLst>
+                                </p:cTn>
+                              </p:par>
+                            </p:childTnLst>
+                          </p:cTn>
+                        </p:par>
+                      </p:childTnLst>
+                    </p:cTn>
+                  </p:par>
+                  <p:par>
+                    <p:cTn id="18" fill="hold">
+                      <p:stCondLst>
+                        <p:cond delay="indefinite"/>
+                      </p:stCondLst>
+                      <p:childTnLst>
+                        <p:par>
+                          <p:cTn id="19" fill="hold">
+                            <p:stCondLst>
+                              <p:cond delay="0"/>
+                            </p:stCondLst>
+                            <p:childTnLst>
+                              <p:par>
+                                <p:cTn id="20" presetID="12" presetClass="entr" presetSubtype="8" fill="hold" grpId="0" nodeType="clickEffect">
+                                  <p:stCondLst>
+                                    <p:cond delay="0"/>
+                                  </p:stCondLst>
+                                  <p:childTnLst>
+                                    <p:set>
+                                      <p:cBhvr>
+                                        <p:cTn id="21" dur="1" fill="hold">
+                                          <p:stCondLst>
+                                            <p:cond delay="0"/>
+                                          </p:stCondLst>
+                                        </p:cTn>
+                                        <p:tgtEl>
+                                          <p:spTgt spid="4"/>
+                                        </p:tgtEl>
+                                        <p:attrNameLst>
+                                          <p:attrName>style.visibility</p:attrName>
+                                        </p:attrNameLst>
+                                      </p:cBhvr>
+                                      <p:to>
+                                        <p:strVal val="visible"/>
+                                      </p:to>
+                                    </p:set>
+                                    <p:anim calcmode="lin" valueType="num">
+                                      <p:cBhvr additive="base">
+                                        <p:cTn id="22" dur="500"/>
+                                        <p:tgtEl>
+                                          <p:spTgt spid="4"/>
+                                        </p:tgtEl>
+                                        <p:attrNameLst>
+                                          <p:attrName>ppt_x</p:attrName>
+                                        </p:attrNameLst>
+                                      </p:cBhvr>
+                                      <p:tavLst>
+                                        <p:tav tm="0">
+                                          <p:val>
+                                            <p:strVal val="#ppt_x-#ppt_w*1.125000"/>
+                                          </p:val>
+                                        </p:tav>
+                                        <p:tav tm="100000">
+                                          <p:val>
+                                            <p:strVal val="#ppt_x"/>
+                                          </p:val>
+                                        </p:tav>
+                                      </p:tavLst>
+                                    </p:anim>
+                                    <p:animEffect transition="in" filter="wipe(right)">
+                                      <p:cBhvr>
+                                        <p:cTn id="23" dur="500"/>
+                                        <p:tgtEl>
+                                          <p:spTgt spid="4"/>
+                                        </p:tgtEl>
+                                      </p:cBhvr>
+                                    </p:animEffect>
+                                  </p:childTnLst>
+                                </p:cTn>
+                              </p:par>
+                            </p:childTnLst>
+                          </p:cTn>
+                        </p:par>
+                      </p:childTnLst>
+                    </p:cTn>
+                  </p:par>
+                </p:childTnLst>
+              </p:cTn>
+              <p:prevCondLst>
+                <p:cond evt="onPrev" delay="0">
+                  <p:tgtEl>
+                    <p:sldTgt/>
+                  </p:tgtEl>
+                </p:cond>
+              </p:prevCondLst>
+              <p:nextCondLst>
+                <p:cond evt="onNext" delay="0">
+                  <p:tgtEl>
+                    <p:sldTgt/>
+                  </p:tgtEl>
+                </p:cond>
+              </p:nextCondLst>
+            </p:seq>
+          </p:childTnLst>
+        </p:cTn>
+      </p:par>
+    </p:tnLst>
+    <p:bldLst>
+      <p:bldP spid="2" grpId="0"/>
+      <p:bldP spid="4" grpId="0" bldLvl="0" animBg="1"/>
+      <p:bldP spid="5" grpId="0" bldLvl="0" animBg="1"/>
+      <p:bldP spid="6" grpId="0" bldLvl="0" animBg="1"/>
+    </p:bldLst>
+  </p:timing>
+</p:sld>
+</file>
+
+<file path=ppt/slides/slide19.xml><?xml version="1.0" encoding="utf-8"?>
 <p:sld xmlns:a="http://schemas.openxmlformats.org/drawingml/2006/main" xmlns:r="http://schemas.openxmlformats.org/officeDocument/2006/relationships" xmlns:p="http://schemas.openxmlformats.org/presentationml/2006/main">
   <p:cSld>
     <p:spTree>
@@ -4703,9 +5690,9 @@
                 <a:solidFill>
                   <a:schemeClr val="tx1"/>
                 </a:solidFill>
-                <a:latin typeface="Calibri" pitchFamily="34" charset="0"/>
-                <a:ea typeface="宋体" pitchFamily="2" charset="-122"/>
-                <a:sym typeface="Calibri" pitchFamily="34" charset="0"/>
+                <a:latin typeface="Calibri" panose="020F0502020204030204" pitchFamily="34" charset="0"/>
+                <a:ea typeface="宋体" panose="02010600030101010101" pitchFamily="2" charset="-122"/>
+                <a:sym typeface="Calibri" panose="020F0502020204030204" pitchFamily="34" charset="0"/>
               </a:defRPr>
             </a:lvl1pPr>
             <a:lvl2pPr marL="742950" indent="-285750" eaLnBrk="0" hangingPunct="0">
@@ -4717,9 +5704,9 @@
                 <a:solidFill>
                   <a:schemeClr val="tx1"/>
                 </a:solidFill>
-                <a:latin typeface="Calibri" pitchFamily="34" charset="0"/>
-                <a:ea typeface="宋体" pitchFamily="2" charset="-122"/>
-                <a:sym typeface="Calibri" pitchFamily="34" charset="0"/>
+                <a:latin typeface="Calibri" panose="020F0502020204030204" pitchFamily="34" charset="0"/>
+                <a:ea typeface="宋体" panose="02010600030101010101" pitchFamily="2" charset="-122"/>
+                <a:sym typeface="Calibri" panose="020F0502020204030204" pitchFamily="34" charset="0"/>
               </a:defRPr>
             </a:lvl2pPr>
             <a:lvl3pPr marL="1143000" indent="-228600" eaLnBrk="0" hangingPunct="0">
@@ -4731,9 +5718,9 @@
                 <a:solidFill>
                   <a:schemeClr val="tx1"/>
                 </a:solidFill>
-                <a:latin typeface="Calibri" pitchFamily="34" charset="0"/>
-                <a:ea typeface="宋体" pitchFamily="2" charset="-122"/>
-                <a:sym typeface="Calibri" pitchFamily="34" charset="0"/>
+                <a:latin typeface="Calibri" panose="020F0502020204030204" pitchFamily="34" charset="0"/>
+                <a:ea typeface="宋体" panose="02010600030101010101" pitchFamily="2" charset="-122"/>
+                <a:sym typeface="Calibri" panose="020F0502020204030204" pitchFamily="34" charset="0"/>
               </a:defRPr>
             </a:lvl3pPr>
             <a:lvl4pPr marL="1600200" indent="-228600" eaLnBrk="0" hangingPunct="0">
@@ -4745,9 +5732,9 @@
                 <a:solidFill>
                   <a:schemeClr val="tx1"/>
                 </a:solidFill>
-                <a:latin typeface="Calibri" pitchFamily="34" charset="0"/>
-                <a:ea typeface="宋体" pitchFamily="2" charset="-122"/>
-                <a:sym typeface="Calibri" pitchFamily="34" charset="0"/>
+                <a:latin typeface="Calibri" panose="020F0502020204030204" pitchFamily="34" charset="0"/>
+                <a:ea typeface="宋体" panose="02010600030101010101" pitchFamily="2" charset="-122"/>
+                <a:sym typeface="Calibri" panose="020F0502020204030204" pitchFamily="34" charset="0"/>
               </a:defRPr>
             </a:lvl4pPr>
             <a:lvl5pPr marL="2057400" indent="-228600" eaLnBrk="0" hangingPunct="0">
@@ -4759,9 +5746,9 @@
                 <a:solidFill>
                   <a:schemeClr val="tx1"/>
                 </a:solidFill>
-                <a:latin typeface="Calibri" pitchFamily="34" charset="0"/>
-                <a:ea typeface="宋体" pitchFamily="2" charset="-122"/>
-                <a:sym typeface="Calibri" pitchFamily="34" charset="0"/>
+                <a:latin typeface="Calibri" panose="020F0502020204030204" pitchFamily="34" charset="0"/>
+                <a:ea typeface="宋体" panose="02010600030101010101" pitchFamily="2" charset="-122"/>
+                <a:sym typeface="Calibri" panose="020F0502020204030204" pitchFamily="34" charset="0"/>
               </a:defRPr>
             </a:lvl5pPr>
             <a:lvl6pPr marL="2514600" indent="-228600" eaLnBrk="0" fontAlgn="base" hangingPunct="0">
@@ -4771,15 +5758,15 @@
               <a:spcAft>
                 <a:spcPct val="0"/>
               </a:spcAft>
-              <a:buFont typeface="Arial" pitchFamily="34" charset="0"/>
+              <a:buFont typeface="Arial" panose="020B0604020202020204" pitchFamily="34" charset="0"/>
               <a:buChar char="»"/>
               <a:defRPr sz="2000">
                 <a:solidFill>
                   <a:schemeClr val="tx1"/>
                 </a:solidFill>
-                <a:latin typeface="Calibri" pitchFamily="34" charset="0"/>
-                <a:ea typeface="宋体" pitchFamily="2" charset="-122"/>
-                <a:sym typeface="Calibri" pitchFamily="34" charset="0"/>
+                <a:latin typeface="Calibri" panose="020F0502020204030204" pitchFamily="34" charset="0"/>
+                <a:ea typeface="宋体" panose="02010600030101010101" pitchFamily="2" charset="-122"/>
+                <a:sym typeface="Calibri" panose="020F0502020204030204" pitchFamily="34" charset="0"/>
               </a:defRPr>
             </a:lvl6pPr>
             <a:lvl7pPr marL="2971800" indent="-228600" eaLnBrk="0" fontAlgn="base" hangingPunct="0">
@@ -4789,15 +5776,15 @@
               <a:spcAft>
                 <a:spcPct val="0"/>
               </a:spcAft>
-              <a:buFont typeface="Arial" pitchFamily="34" charset="0"/>
+              <a:buFont typeface="Arial" panose="020B0604020202020204" pitchFamily="34" charset="0"/>
               <a:buChar char="»"/>
               <a:defRPr sz="2000">
                 <a:solidFill>
                   <a:schemeClr val="tx1"/>
                 </a:solidFill>
-                <a:latin typeface="Calibri" pitchFamily="34" charset="0"/>
-                <a:ea typeface="宋体" pitchFamily="2" charset="-122"/>
-                <a:sym typeface="Calibri" pitchFamily="34" charset="0"/>
+                <a:latin typeface="Calibri" panose="020F0502020204030204" pitchFamily="34" charset="0"/>
+                <a:ea typeface="宋体" panose="02010600030101010101" pitchFamily="2" charset="-122"/>
+                <a:sym typeface="Calibri" panose="020F0502020204030204" pitchFamily="34" charset="0"/>
               </a:defRPr>
             </a:lvl7pPr>
             <a:lvl8pPr marL="3429000" indent="-228600" eaLnBrk="0" fontAlgn="base" hangingPunct="0">
@@ -4807,15 +5794,15 @@
               <a:spcAft>
                 <a:spcPct val="0"/>
               </a:spcAft>
-              <a:buFont typeface="Arial" pitchFamily="34" charset="0"/>
+              <a:buFont typeface="Arial" panose="020B0604020202020204" pitchFamily="34" charset="0"/>
               <a:buChar char="»"/>
               <a:defRPr sz="2000">
                 <a:solidFill>
                   <a:schemeClr val="tx1"/>
                 </a:solidFill>
-                <a:latin typeface="Calibri" pitchFamily="34" charset="0"/>
-                <a:ea typeface="宋体" pitchFamily="2" charset="-122"/>
-                <a:sym typeface="Calibri" pitchFamily="34" charset="0"/>
+                <a:latin typeface="Calibri" panose="020F0502020204030204" pitchFamily="34" charset="0"/>
+                <a:ea typeface="宋体" panose="02010600030101010101" pitchFamily="2" charset="-122"/>
+                <a:sym typeface="Calibri" panose="020F0502020204030204" pitchFamily="34" charset="0"/>
               </a:defRPr>
             </a:lvl8pPr>
             <a:lvl9pPr marL="3886200" indent="-228600" eaLnBrk="0" fontAlgn="base" hangingPunct="0">
@@ -4825,15 +5812,15 @@
               <a:spcAft>
                 <a:spcPct val="0"/>
               </a:spcAft>
-              <a:buFont typeface="Arial" pitchFamily="34" charset="0"/>
+              <a:buFont typeface="Arial" panose="020B0604020202020204" pitchFamily="34" charset="0"/>
               <a:buChar char="»"/>
               <a:defRPr sz="2000">
                 <a:solidFill>
                   <a:schemeClr val="tx1"/>
                 </a:solidFill>
-                <a:latin typeface="Calibri" pitchFamily="34" charset="0"/>
-                <a:ea typeface="宋体" pitchFamily="2" charset="-122"/>
-                <a:sym typeface="Calibri" pitchFamily="34" charset="0"/>
+                <a:latin typeface="Calibri" panose="020F0502020204030204" pitchFamily="34" charset="0"/>
+                <a:ea typeface="宋体" panose="02010600030101010101" pitchFamily="2" charset="-122"/>
+                <a:sym typeface="Calibri" panose="020F0502020204030204" pitchFamily="34" charset="0"/>
               </a:defRPr>
             </a:lvl9pPr>
           </a:lstStyle>
@@ -4845,16 +5832,16 @@
               <a:spcAft>
                 <a:spcPct val="0"/>
               </a:spcAft>
-              <a:buFont typeface="Arial" pitchFamily="34" charset="0"/>
+              <a:buFont typeface="Arial" panose="020B0604020202020204" pitchFamily="34" charset="0"/>
               <a:buNone/>
             </a:pPr>
             <a:endParaRPr lang="en-US" altLang="zh-CN" sz="1800">
               <a:solidFill>
                 <a:srgbClr val="FFFFFF"/>
               </a:solidFill>
-              <a:latin typeface="微软雅黑"/>
-              <a:ea typeface="微软雅黑"/>
-              <a:sym typeface="宋体" pitchFamily="2" charset="-122"/>
+              <a:latin typeface="微软雅黑" panose="020B0503020204020204" charset="-122"/>
+              <a:ea typeface="微软雅黑" panose="020B0503020204020204" charset="-122"/>
+              <a:sym typeface="宋体" panose="02010600030101010101" pitchFamily="2" charset="-122"/>
             </a:endParaRPr>
           </a:p>
         </p:txBody>
@@ -4908,9 +5895,9 @@
                 <a:solidFill>
                   <a:schemeClr val="tx1"/>
                 </a:solidFill>
-                <a:latin typeface="Calibri" pitchFamily="34" charset="0"/>
-                <a:ea typeface="宋体" pitchFamily="2" charset="-122"/>
-                <a:sym typeface="Calibri" pitchFamily="34" charset="0"/>
+                <a:latin typeface="Calibri" panose="020F0502020204030204" pitchFamily="34" charset="0"/>
+                <a:ea typeface="宋体" panose="02010600030101010101" pitchFamily="2" charset="-122"/>
+                <a:sym typeface="Calibri" panose="020F0502020204030204" pitchFamily="34" charset="0"/>
               </a:defRPr>
             </a:lvl1pPr>
             <a:lvl2pPr marL="742950" indent="-285750" eaLnBrk="0" hangingPunct="0">
@@ -4922,9 +5909,9 @@
                 <a:solidFill>
                   <a:schemeClr val="tx1"/>
                 </a:solidFill>
-                <a:latin typeface="Calibri" pitchFamily="34" charset="0"/>
-                <a:ea typeface="宋体" pitchFamily="2" charset="-122"/>
-                <a:sym typeface="Calibri" pitchFamily="34" charset="0"/>
+                <a:latin typeface="Calibri" panose="020F0502020204030204" pitchFamily="34" charset="0"/>
+                <a:ea typeface="宋体" panose="02010600030101010101" pitchFamily="2" charset="-122"/>
+                <a:sym typeface="Calibri" panose="020F0502020204030204" pitchFamily="34" charset="0"/>
               </a:defRPr>
             </a:lvl2pPr>
             <a:lvl3pPr marL="1143000" indent="-228600" eaLnBrk="0" hangingPunct="0">
@@ -4936,9 +5923,9 @@
                 <a:solidFill>
                   <a:schemeClr val="tx1"/>
                 </a:solidFill>
-                <a:latin typeface="Calibri" pitchFamily="34" charset="0"/>
-                <a:ea typeface="宋体" pitchFamily="2" charset="-122"/>
-                <a:sym typeface="Calibri" pitchFamily="34" charset="0"/>
+                <a:latin typeface="Calibri" panose="020F0502020204030204" pitchFamily="34" charset="0"/>
+                <a:ea typeface="宋体" panose="02010600030101010101" pitchFamily="2" charset="-122"/>
+                <a:sym typeface="Calibri" panose="020F0502020204030204" pitchFamily="34" charset="0"/>
               </a:defRPr>
             </a:lvl3pPr>
             <a:lvl4pPr marL="1600200" indent="-228600" eaLnBrk="0" hangingPunct="0">
@@ -4950,9 +5937,9 @@
                 <a:solidFill>
                   <a:schemeClr val="tx1"/>
                 </a:solidFill>
-                <a:latin typeface="Calibri" pitchFamily="34" charset="0"/>
-                <a:ea typeface="宋体" pitchFamily="2" charset="-122"/>
-                <a:sym typeface="Calibri" pitchFamily="34" charset="0"/>
+                <a:latin typeface="Calibri" panose="020F0502020204030204" pitchFamily="34" charset="0"/>
+                <a:ea typeface="宋体" panose="02010600030101010101" pitchFamily="2" charset="-122"/>
+                <a:sym typeface="Calibri" panose="020F0502020204030204" pitchFamily="34" charset="0"/>
               </a:defRPr>
             </a:lvl4pPr>
             <a:lvl5pPr marL="2057400" indent="-228600" eaLnBrk="0" hangingPunct="0">
@@ -4964,9 +5951,9 @@
                 <a:solidFill>
                   <a:schemeClr val="tx1"/>
                 </a:solidFill>
-                <a:latin typeface="Calibri" pitchFamily="34" charset="0"/>
-                <a:ea typeface="宋体" pitchFamily="2" charset="-122"/>
-                <a:sym typeface="Calibri" pitchFamily="34" charset="0"/>
+                <a:latin typeface="Calibri" panose="020F0502020204030204" pitchFamily="34" charset="0"/>
+                <a:ea typeface="宋体" panose="02010600030101010101" pitchFamily="2" charset="-122"/>
+                <a:sym typeface="Calibri" panose="020F0502020204030204" pitchFamily="34" charset="0"/>
               </a:defRPr>
             </a:lvl5pPr>
             <a:lvl6pPr marL="2514600" indent="-228600" eaLnBrk="0" fontAlgn="base" hangingPunct="0">
@@ -4976,15 +5963,15 @@
               <a:spcAft>
                 <a:spcPct val="0"/>
               </a:spcAft>
-              <a:buFont typeface="Arial" pitchFamily="34" charset="0"/>
+              <a:buFont typeface="Arial" panose="020B0604020202020204" pitchFamily="34" charset="0"/>
               <a:buChar char="»"/>
               <a:defRPr sz="2000">
                 <a:solidFill>
                   <a:schemeClr val="tx1"/>
                 </a:solidFill>
-                <a:latin typeface="Calibri" pitchFamily="34" charset="0"/>
-                <a:ea typeface="宋体" pitchFamily="2" charset="-122"/>
-                <a:sym typeface="Calibri" pitchFamily="34" charset="0"/>
+                <a:latin typeface="Calibri" panose="020F0502020204030204" pitchFamily="34" charset="0"/>
+                <a:ea typeface="宋体" panose="02010600030101010101" pitchFamily="2" charset="-122"/>
+                <a:sym typeface="Calibri" panose="020F0502020204030204" pitchFamily="34" charset="0"/>
               </a:defRPr>
             </a:lvl6pPr>
             <a:lvl7pPr marL="2971800" indent="-228600" eaLnBrk="0" fontAlgn="base" hangingPunct="0">
@@ -4994,15 +5981,15 @@
               <a:spcAft>
                 <a:spcPct val="0"/>
               </a:spcAft>
-              <a:buFont typeface="Arial" pitchFamily="34" charset="0"/>
+              <a:buFont typeface="Arial" panose="020B0604020202020204" pitchFamily="34" charset="0"/>
               <a:buChar char="»"/>
               <a:defRPr sz="2000">
                 <a:solidFill>
                   <a:schemeClr val="tx1"/>
                 </a:solidFill>
-                <a:latin typeface="Calibri" pitchFamily="34" charset="0"/>
-                <a:ea typeface="宋体" pitchFamily="2" charset="-122"/>
-                <a:sym typeface="Calibri" pitchFamily="34" charset="0"/>
+                <a:latin typeface="Calibri" panose="020F0502020204030204" pitchFamily="34" charset="0"/>
+                <a:ea typeface="宋体" panose="02010600030101010101" pitchFamily="2" charset="-122"/>
+                <a:sym typeface="Calibri" panose="020F0502020204030204" pitchFamily="34" charset="0"/>
               </a:defRPr>
             </a:lvl7pPr>
             <a:lvl8pPr marL="3429000" indent="-228600" eaLnBrk="0" fontAlgn="base" hangingPunct="0">
@@ -5012,15 +5999,15 @@
               <a:spcAft>
                 <a:spcPct val="0"/>
               </a:spcAft>
-              <a:buFont typeface="Arial" pitchFamily="34" charset="0"/>
+              <a:buFont typeface="Arial" panose="020B0604020202020204" pitchFamily="34" charset="0"/>
               <a:buChar char="»"/>
               <a:defRPr sz="2000">
                 <a:solidFill>
                   <a:schemeClr val="tx1"/>
                 </a:solidFill>
-                <a:latin typeface="Calibri" pitchFamily="34" charset="0"/>
-                <a:ea typeface="宋体" pitchFamily="2" charset="-122"/>
-                <a:sym typeface="Calibri" pitchFamily="34" charset="0"/>
+                <a:latin typeface="Calibri" panose="020F0502020204030204" pitchFamily="34" charset="0"/>
+                <a:ea typeface="宋体" panose="02010600030101010101" pitchFamily="2" charset="-122"/>
+                <a:sym typeface="Calibri" panose="020F0502020204030204" pitchFamily="34" charset="0"/>
               </a:defRPr>
             </a:lvl8pPr>
             <a:lvl9pPr marL="3886200" indent="-228600" eaLnBrk="0" fontAlgn="base" hangingPunct="0">
@@ -5030,15 +6017,15 @@
               <a:spcAft>
                 <a:spcPct val="0"/>
               </a:spcAft>
-              <a:buFont typeface="Arial" pitchFamily="34" charset="0"/>
+              <a:buFont typeface="Arial" panose="020B0604020202020204" pitchFamily="34" charset="0"/>
               <a:buChar char="»"/>
               <a:defRPr sz="2000">
                 <a:solidFill>
                   <a:schemeClr val="tx1"/>
                 </a:solidFill>
-                <a:latin typeface="Calibri" pitchFamily="34" charset="0"/>
-                <a:ea typeface="宋体" pitchFamily="2" charset="-122"/>
-                <a:sym typeface="Calibri" pitchFamily="34" charset="0"/>
+                <a:latin typeface="Calibri" panose="020F0502020204030204" pitchFamily="34" charset="0"/>
+                <a:ea typeface="宋体" panose="02010600030101010101" pitchFamily="2" charset="-122"/>
+                <a:sym typeface="Calibri" panose="020F0502020204030204" pitchFamily="34" charset="0"/>
               </a:defRPr>
             </a:lvl9pPr>
           </a:lstStyle>
@@ -5057,8 +6044,8 @@
               <a:solidFill>
                 <a:srgbClr val="FFFFFF"/>
               </a:solidFill>
-              <a:ea typeface="微软雅黑"/>
-              <a:sym typeface="宋体" pitchFamily="2" charset="-122"/>
+              <a:ea typeface="微软雅黑" panose="020B0503020204020204" charset="-122"/>
+              <a:sym typeface="宋体" panose="02010600030101010101" pitchFamily="2" charset="-122"/>
             </a:endParaRPr>
           </a:p>
         </p:txBody>
@@ -5117,9 +6104,9 @@
                 <a:solidFill>
                   <a:schemeClr val="tx1"/>
                 </a:solidFill>
-                <a:latin typeface="Calibri" pitchFamily="34" charset="0"/>
-                <a:ea typeface="宋体" pitchFamily="2" charset="-122"/>
-                <a:sym typeface="Calibri" pitchFamily="34" charset="0"/>
+                <a:latin typeface="Calibri" panose="020F0502020204030204" pitchFamily="34" charset="0"/>
+                <a:ea typeface="宋体" panose="02010600030101010101" pitchFamily="2" charset="-122"/>
+                <a:sym typeface="Calibri" panose="020F0502020204030204" pitchFamily="34" charset="0"/>
               </a:defRPr>
             </a:lvl1pPr>
             <a:lvl2pPr marL="742950" indent="-285750" eaLnBrk="0" hangingPunct="0">
@@ -5131,9 +6118,9 @@
                 <a:solidFill>
                   <a:schemeClr val="tx1"/>
                 </a:solidFill>
-                <a:latin typeface="Calibri" pitchFamily="34" charset="0"/>
-                <a:ea typeface="宋体" pitchFamily="2" charset="-122"/>
-                <a:sym typeface="Calibri" pitchFamily="34" charset="0"/>
+                <a:latin typeface="Calibri" panose="020F0502020204030204" pitchFamily="34" charset="0"/>
+                <a:ea typeface="宋体" panose="02010600030101010101" pitchFamily="2" charset="-122"/>
+                <a:sym typeface="Calibri" panose="020F0502020204030204" pitchFamily="34" charset="0"/>
               </a:defRPr>
             </a:lvl2pPr>
             <a:lvl3pPr marL="1143000" indent="-228600" eaLnBrk="0" hangingPunct="0">
@@ -5145,9 +6132,9 @@
                 <a:solidFill>
                   <a:schemeClr val="tx1"/>
                 </a:solidFill>
-                <a:latin typeface="Calibri" pitchFamily="34" charset="0"/>
-                <a:ea typeface="宋体" pitchFamily="2" charset="-122"/>
-                <a:sym typeface="Calibri" pitchFamily="34" charset="0"/>
+                <a:latin typeface="Calibri" panose="020F0502020204030204" pitchFamily="34" charset="0"/>
+                <a:ea typeface="宋体" panose="02010600030101010101" pitchFamily="2" charset="-122"/>
+                <a:sym typeface="Calibri" panose="020F0502020204030204" pitchFamily="34" charset="0"/>
               </a:defRPr>
             </a:lvl3pPr>
             <a:lvl4pPr marL="1600200" indent="-228600" eaLnBrk="0" hangingPunct="0">
@@ -5159,9 +6146,9 @@
                 <a:solidFill>
                   <a:schemeClr val="tx1"/>
                 </a:solidFill>
-                <a:latin typeface="Calibri" pitchFamily="34" charset="0"/>
-                <a:ea typeface="宋体" pitchFamily="2" charset="-122"/>
-                <a:sym typeface="Calibri" pitchFamily="34" charset="0"/>
+                <a:latin typeface="Calibri" panose="020F0502020204030204" pitchFamily="34" charset="0"/>
+                <a:ea typeface="宋体" panose="02010600030101010101" pitchFamily="2" charset="-122"/>
+                <a:sym typeface="Calibri" panose="020F0502020204030204" pitchFamily="34" charset="0"/>
               </a:defRPr>
             </a:lvl4pPr>
             <a:lvl5pPr marL="2057400" indent="-228600" eaLnBrk="0" hangingPunct="0">
@@ -5173,9 +6160,9 @@
                 <a:solidFill>
                   <a:schemeClr val="tx1"/>
                 </a:solidFill>
-                <a:latin typeface="Calibri" pitchFamily="34" charset="0"/>
-                <a:ea typeface="宋体" pitchFamily="2" charset="-122"/>
-                <a:sym typeface="Calibri" pitchFamily="34" charset="0"/>
+                <a:latin typeface="Calibri" panose="020F0502020204030204" pitchFamily="34" charset="0"/>
+                <a:ea typeface="宋体" panose="02010600030101010101" pitchFamily="2" charset="-122"/>
+                <a:sym typeface="Calibri" panose="020F0502020204030204" pitchFamily="34" charset="0"/>
               </a:defRPr>
             </a:lvl5pPr>
             <a:lvl6pPr marL="2514600" indent="-228600" eaLnBrk="0" fontAlgn="base" hangingPunct="0">
@@ -5185,15 +6172,15 @@
               <a:spcAft>
                 <a:spcPct val="0"/>
               </a:spcAft>
-              <a:buFont typeface="Arial" pitchFamily="34" charset="0"/>
+              <a:buFont typeface="Arial" panose="020B0604020202020204" pitchFamily="34" charset="0"/>
               <a:buChar char="»"/>
               <a:defRPr sz="2000">
                 <a:solidFill>
                   <a:schemeClr val="tx1"/>
                 </a:solidFill>
-                <a:latin typeface="Calibri" pitchFamily="34" charset="0"/>
-                <a:ea typeface="宋体" pitchFamily="2" charset="-122"/>
-                <a:sym typeface="Calibri" pitchFamily="34" charset="0"/>
+                <a:latin typeface="Calibri" panose="020F0502020204030204" pitchFamily="34" charset="0"/>
+                <a:ea typeface="宋体" panose="02010600030101010101" pitchFamily="2" charset="-122"/>
+                <a:sym typeface="Calibri" panose="020F0502020204030204" pitchFamily="34" charset="0"/>
               </a:defRPr>
             </a:lvl6pPr>
             <a:lvl7pPr marL="2971800" indent="-228600" eaLnBrk="0" fontAlgn="base" hangingPunct="0">
@@ -5203,15 +6190,15 @@
               <a:spcAft>
                 <a:spcPct val="0"/>
               </a:spcAft>
-              <a:buFont typeface="Arial" pitchFamily="34" charset="0"/>
+              <a:buFont typeface="Arial" panose="020B0604020202020204" pitchFamily="34" charset="0"/>
               <a:buChar char="»"/>
               <a:defRPr sz="2000">
                 <a:solidFill>
                   <a:schemeClr val="tx1"/>
                 </a:solidFill>
-                <a:latin typeface="Calibri" pitchFamily="34" charset="0"/>
-                <a:ea typeface="宋体" pitchFamily="2" charset="-122"/>
-                <a:sym typeface="Calibri" pitchFamily="34" charset="0"/>
+                <a:latin typeface="Calibri" panose="020F0502020204030204" pitchFamily="34" charset="0"/>
+                <a:ea typeface="宋体" panose="02010600030101010101" pitchFamily="2" charset="-122"/>
+                <a:sym typeface="Calibri" panose="020F0502020204030204" pitchFamily="34" charset="0"/>
               </a:defRPr>
             </a:lvl7pPr>
             <a:lvl8pPr marL="3429000" indent="-228600" eaLnBrk="0" fontAlgn="base" hangingPunct="0">
@@ -5221,15 +6208,15 @@
               <a:spcAft>
                 <a:spcPct val="0"/>
               </a:spcAft>
-              <a:buFont typeface="Arial" pitchFamily="34" charset="0"/>
+              <a:buFont typeface="Arial" panose="020B0604020202020204" pitchFamily="34" charset="0"/>
               <a:buChar char="»"/>
               <a:defRPr sz="2000">
                 <a:solidFill>
                   <a:schemeClr val="tx1"/>
                 </a:solidFill>
-                <a:latin typeface="Calibri" pitchFamily="34" charset="0"/>
-                <a:ea typeface="宋体" pitchFamily="2" charset="-122"/>
-                <a:sym typeface="Calibri" pitchFamily="34" charset="0"/>
+                <a:latin typeface="Calibri" panose="020F0502020204030204" pitchFamily="34" charset="0"/>
+                <a:ea typeface="宋体" panose="02010600030101010101" pitchFamily="2" charset="-122"/>
+                <a:sym typeface="Calibri" panose="020F0502020204030204" pitchFamily="34" charset="0"/>
               </a:defRPr>
             </a:lvl8pPr>
             <a:lvl9pPr marL="3886200" indent="-228600" eaLnBrk="0" fontAlgn="base" hangingPunct="0">
@@ -5239,15 +6226,15 @@
               <a:spcAft>
                 <a:spcPct val="0"/>
               </a:spcAft>
-              <a:buFont typeface="Arial" pitchFamily="34" charset="0"/>
+              <a:buFont typeface="Arial" panose="020B0604020202020204" pitchFamily="34" charset="0"/>
               <a:buChar char="»"/>
               <a:defRPr sz="2000">
                 <a:solidFill>
                   <a:schemeClr val="tx1"/>
                 </a:solidFill>
-                <a:latin typeface="Calibri" pitchFamily="34" charset="0"/>
-                <a:ea typeface="宋体" pitchFamily="2" charset="-122"/>
-                <a:sym typeface="Calibri" pitchFamily="34" charset="0"/>
+                <a:latin typeface="Calibri" panose="020F0502020204030204" pitchFamily="34" charset="0"/>
+                <a:ea typeface="宋体" panose="02010600030101010101" pitchFamily="2" charset="-122"/>
+                <a:sym typeface="Calibri" panose="020F0502020204030204" pitchFamily="34" charset="0"/>
               </a:defRPr>
             </a:lvl9pPr>
           </a:lstStyle>
@@ -5267,10 +6254,16 @@
                 <a:solidFill>
                   <a:srgbClr val="FFFFFF"/>
                 </a:solidFill>
-                <a:ea typeface="微软雅黑"/>
+                <a:ea typeface="微软雅黑" panose="020B0503020204020204" charset="-122"/>
               </a:rPr>
               <a:t>快</a:t>
             </a:r>
+            <a:endParaRPr lang="zh-CN" altLang="en-US" sz="2800" b="1" kern="0" dirty="0">
+              <a:solidFill>
+                <a:srgbClr val="FFFFFF"/>
+              </a:solidFill>
+              <a:ea typeface="微软雅黑" panose="020B0503020204020204" charset="-122"/>
+            </a:endParaRPr>
           </a:p>
           <a:p>
             <a:pPr lvl="0" eaLnBrk="1" fontAlgn="base" hangingPunct="1">
@@ -5287,7 +6280,7 @@
               <a:solidFill>
                 <a:srgbClr val="FFFFFF"/>
               </a:solidFill>
-              <a:ea typeface="微软雅黑"/>
+              <a:ea typeface="微软雅黑" panose="020B0503020204020204" charset="-122"/>
             </a:endParaRPr>
           </a:p>
           <a:p>
@@ -5305,7 +6298,7 @@
               <a:solidFill>
                 <a:srgbClr val="FFFFFF"/>
               </a:solidFill>
-              <a:ea typeface="微软雅黑"/>
+              <a:ea typeface="微软雅黑" panose="020B0503020204020204" charset="-122"/>
             </a:endParaRPr>
           </a:p>
         </p:txBody>
@@ -5338,11 +6331,18 @@
                 <a:solidFill>
                   <a:srgbClr val="FFFFFF"/>
                 </a:solidFill>
-                <a:ea typeface="微软雅黑"/>
+                <a:ea typeface="微软雅黑" panose="020B0503020204020204" charset="-122"/>
                 <a:sym typeface="+mn-ea"/>
               </a:rPr>
               <a:t>1.afka大量使用了磁盘作为传统意义的缓存</a:t>
             </a:r>
+            <a:endParaRPr lang="en-US" altLang="zh-CN" b="1" kern="0" dirty="0">
+              <a:solidFill>
+                <a:srgbClr val="FFFFFF"/>
+              </a:solidFill>
+              <a:ea typeface="微软雅黑" panose="020B0503020204020204" charset="-122"/>
+              <a:sym typeface="+mn-ea"/>
+            </a:endParaRPr>
           </a:p>
           <a:p>
             <a:pPr algn="l"/>
@@ -5350,7 +6350,7 @@
               <a:solidFill>
                 <a:srgbClr val="FFFFFF"/>
               </a:solidFill>
-              <a:ea typeface="微软雅黑"/>
+              <a:ea typeface="微软雅黑" panose="020B0503020204020204" charset="-122"/>
               <a:sym typeface="+mn-ea"/>
             </a:endParaRPr>
           </a:p>
@@ -5360,7 +6360,7 @@
               <a:solidFill>
                 <a:srgbClr val="FFFFFF"/>
               </a:solidFill>
-              <a:ea typeface="微软雅黑"/>
+              <a:ea typeface="微软雅黑" panose="020B0503020204020204" charset="-122"/>
               <a:sym typeface="+mn-ea"/>
             </a:endParaRPr>
           </a:p>
@@ -5371,7 +6371,7 @@
                 <a:solidFill>
                   <a:srgbClr val="FFFFFF"/>
                 </a:solidFill>
-                <a:ea typeface="微软雅黑"/>
+                <a:ea typeface="微软雅黑" panose="020B0503020204020204" charset="-122"/>
                 <a:sym typeface="+mn-ea"/>
               </a:rPr>
               <a:t>2.zero copy</a:t>
@@ -5381,11 +6381,18 @@
                 <a:solidFill>
                   <a:srgbClr val="FFFFFF"/>
                 </a:solidFill>
-                <a:ea typeface="微软雅黑"/>
+                <a:ea typeface="微软雅黑" panose="020B0503020204020204" charset="-122"/>
                 <a:sym typeface="+mn-ea"/>
               </a:rPr>
               <a:t>技术</a:t>
             </a:r>
+            <a:endParaRPr lang="zh-CN" altLang="en-US" b="1" kern="0" dirty="0">
+              <a:solidFill>
+                <a:srgbClr val="FFFFFF"/>
+              </a:solidFill>
+              <a:ea typeface="微软雅黑" panose="020B0503020204020204" charset="-122"/>
+              <a:sym typeface="+mn-ea"/>
+            </a:endParaRPr>
           </a:p>
           <a:p>
             <a:pPr algn="l"/>
@@ -5397,7 +6404,7 @@
               <a:solidFill>
                 <a:srgbClr val="FFFFFF"/>
               </a:solidFill>
-              <a:ea typeface="微软雅黑"/>
+              <a:ea typeface="微软雅黑" panose="020B0503020204020204" charset="-122"/>
               <a:sym typeface="+mn-ea"/>
             </a:endParaRPr>
           </a:p>
@@ -5424,12 +6431,12 @@
           <a:graphicData uri="http://schemas.openxmlformats.org/presentationml/2006/ole">
             <mc:AlternateContent xmlns:mc="http://schemas.openxmlformats.org/markup-compatibility/2006">
               <mc:Choice xmlns:v="urn:schemas-microsoft-com:vml" Requires="v">
-                <p:oleObj spid="_x0000_s9222" showAsIcon="1" r:id="rId4" imgW="923925" imgH="838200" progId="Package">
+                <p:oleObj spid="_x0000_s9222" name="" showAsIcon="1" r:id="rId1" imgW="923925" imgH="838200" progId="Package">
                   <p:embed/>
                 </p:oleObj>
               </mc:Choice>
               <mc:Fallback>
-                <p:oleObj showAsIcon="1" r:id="rId4" imgW="923925" imgH="838200" progId="Package">
+                <p:oleObj name="" showAsIcon="1" r:id="rId1" imgW="923925" imgH="838200" progId="Package">
                   <p:embed/>
                   <p:pic>
                     <p:nvPicPr>
@@ -5438,7 +6445,7 @@
                       <p:nvPr/>
                     </p:nvPicPr>
                     <p:blipFill>
-                      <a:blip r:embed="rId5"/>
+                      <a:blip r:embed="rId2"/>
                       <a:stretch>
                         <a:fillRect/>
                       </a:stretch>
@@ -5464,570 +6471,6 @@
   <p:clrMapOvr>
     <a:masterClrMapping/>
   </p:clrMapOvr>
-</p:sld>
-</file>
-
-<file path=ppt/slides/slide16.xml><?xml version="1.0" encoding="utf-8"?>
-<p:sld xmlns:a="http://schemas.openxmlformats.org/drawingml/2006/main" xmlns:r="http://schemas.openxmlformats.org/officeDocument/2006/relationships" xmlns:p="http://schemas.openxmlformats.org/presentationml/2006/main">
-  <p:cSld>
-    <p:spTree>
-      <p:nvGrpSpPr>
-        <p:cNvPr id="1" name=""/>
-        <p:cNvGrpSpPr/>
-        <p:nvPr/>
-      </p:nvGrpSpPr>
-      <p:grpSpPr>
-        <a:xfrm>
-          <a:off x="0" y="0"/>
-          <a:ext cx="0" cy="0"/>
-          <a:chOff x="0" y="0"/>
-          <a:chExt cx="0" cy="0"/>
-        </a:xfrm>
-      </p:grpSpPr>
-      <p:grpSp>
-        <p:nvGrpSpPr>
-          <p:cNvPr id="11" name="组合 10"/>
-          <p:cNvGrpSpPr/>
-          <p:nvPr/>
-        </p:nvGrpSpPr>
-        <p:grpSpPr>
-          <a:xfrm>
-            <a:off x="1154430" y="1635646"/>
-            <a:ext cx="6835140" cy="91440"/>
-            <a:chOff x="1539240" y="2179320"/>
-            <a:chExt cx="9113520" cy="121920"/>
-          </a:xfrm>
-        </p:grpSpPr>
-        <p:cxnSp>
-          <p:nvCxnSpPr>
-            <p:cNvPr id="15" name="直接连接符 14"/>
-            <p:cNvCxnSpPr/>
-            <p:nvPr/>
-          </p:nvCxnSpPr>
-          <p:spPr>
-            <a:xfrm>
-              <a:off x="1539240" y="2179320"/>
-              <a:ext cx="9113520" cy="0"/>
-            </a:xfrm>
-            <a:prstGeom prst="line">
-              <a:avLst/>
-            </a:prstGeom>
-            <a:noFill/>
-            <a:ln w="76200" cap="flat" cmpd="sng" algn="ctr">
-              <a:solidFill>
-                <a:schemeClr val="bg1"/>
-              </a:solidFill>
-              <a:prstDash val="solid"/>
-              <a:miter lim="800000"/>
-            </a:ln>
-            <a:effectLst/>
-          </p:spPr>
-        </p:cxnSp>
-        <p:cxnSp>
-          <p:nvCxnSpPr>
-            <p:cNvPr id="16" name="直接连接符 15"/>
-            <p:cNvCxnSpPr/>
-            <p:nvPr/>
-          </p:nvCxnSpPr>
-          <p:spPr>
-            <a:xfrm>
-              <a:off x="1539240" y="2301240"/>
-              <a:ext cx="9113520" cy="0"/>
-            </a:xfrm>
-            <a:prstGeom prst="line">
-              <a:avLst/>
-            </a:prstGeom>
-            <a:noFill/>
-            <a:ln w="6350" cap="flat" cmpd="sng" algn="ctr">
-              <a:solidFill>
-                <a:schemeClr val="bg1"/>
-              </a:solidFill>
-              <a:prstDash val="solid"/>
-              <a:miter lim="800000"/>
-            </a:ln>
-            <a:effectLst/>
-          </p:spPr>
-        </p:cxnSp>
-      </p:grpSp>
-      <p:grpSp>
-        <p:nvGrpSpPr>
-          <p:cNvPr id="12" name="组合 11"/>
-          <p:cNvGrpSpPr/>
-          <p:nvPr/>
-        </p:nvGrpSpPr>
-        <p:grpSpPr>
-          <a:xfrm flipV="1">
-            <a:off x="1154430" y="2643759"/>
-            <a:ext cx="6835140" cy="90676"/>
-            <a:chOff x="1539240" y="2680230"/>
-            <a:chExt cx="9113520" cy="120901"/>
-          </a:xfrm>
-        </p:grpSpPr>
-        <p:cxnSp>
-          <p:nvCxnSpPr>
-            <p:cNvPr id="13" name="直接连接符 12"/>
-            <p:cNvCxnSpPr/>
-            <p:nvPr/>
-          </p:nvCxnSpPr>
-          <p:spPr>
-            <a:xfrm>
-              <a:off x="1539240" y="2680230"/>
-              <a:ext cx="9113520" cy="0"/>
-            </a:xfrm>
-            <a:prstGeom prst="line">
-              <a:avLst/>
-            </a:prstGeom>
-            <a:noFill/>
-            <a:ln w="76200" cap="flat" cmpd="sng" algn="ctr">
-              <a:solidFill>
-                <a:schemeClr val="bg1"/>
-              </a:solidFill>
-              <a:prstDash val="solid"/>
-              <a:miter lim="800000"/>
-            </a:ln>
-            <a:effectLst/>
-          </p:spPr>
-        </p:cxnSp>
-        <p:cxnSp>
-          <p:nvCxnSpPr>
-            <p:cNvPr id="14" name="直接连接符 13"/>
-            <p:cNvCxnSpPr/>
-            <p:nvPr/>
-          </p:nvCxnSpPr>
-          <p:spPr>
-            <a:xfrm>
-              <a:off x="1539240" y="2801131"/>
-              <a:ext cx="9113520" cy="0"/>
-            </a:xfrm>
-            <a:prstGeom prst="line">
-              <a:avLst/>
-            </a:prstGeom>
-            <a:noFill/>
-            <a:ln w="6350" cap="flat" cmpd="sng" algn="ctr">
-              <a:solidFill>
-                <a:schemeClr val="bg1"/>
-              </a:solidFill>
-              <a:prstDash val="solid"/>
-              <a:miter lim="800000"/>
-            </a:ln>
-            <a:effectLst/>
-          </p:spPr>
-        </p:cxnSp>
-      </p:grpSp>
-      <p:sp>
-        <p:nvSpPr>
-          <p:cNvPr id="17" name="文本框 16"/>
-          <p:cNvSpPr txBox="1"/>
-          <p:nvPr/>
-        </p:nvSpPr>
-        <p:spPr>
-          <a:xfrm>
-            <a:off x="1743075" y="1847921"/>
-            <a:ext cx="5657850" cy="807911"/>
-          </a:xfrm>
-          <a:prstGeom prst="rect">
-            <a:avLst/>
-          </a:prstGeom>
-          <a:noFill/>
-        </p:spPr>
-        <p:txBody>
-          <a:bodyPr wrap="square" lIns="68571" tIns="34289" rIns="68571" bIns="34289" rtlCol="0">
-            <a:spAutoFit/>
-          </a:bodyPr>
-          <a:lstStyle/>
-          <a:p>
-            <a:pPr algn="ctr" defTabSz="685165"/>
-            <a:r>
-              <a:rPr lang="en-US" altLang="zh-CN" sz="4800" b="1" dirty="0">
-                <a:solidFill>
-                  <a:prstClr val="white"/>
-                </a:solidFill>
-                <a:latin typeface="微软雅黑"/>
-                <a:ea typeface="微软雅黑"/>
-              </a:rPr>
-              <a:t>THANK YOU</a:t>
-            </a:r>
-            <a:endParaRPr lang="zh-CN" altLang="en-US" sz="4800" b="1" dirty="0">
-              <a:solidFill>
-                <a:prstClr val="white"/>
-              </a:solidFill>
-              <a:latin typeface="微软雅黑"/>
-              <a:ea typeface="微软雅黑"/>
-            </a:endParaRPr>
-          </a:p>
-        </p:txBody>
-      </p:sp>
-    </p:spTree>
-  </p:cSld>
-  <p:clrMapOvr>
-    <a:masterClrMapping/>
-  </p:clrMapOvr>
-  <p:timing>
-    <p:tnLst>
-      <p:par>
-        <p:cTn id="1" dur="indefinite" restart="never" nodeType="tmRoot">
-          <p:childTnLst>
-            <p:seq concurrent="1" nextAc="seek">
-              <p:cTn id="2" dur="indefinite" nodeType="mainSeq">
-                <p:childTnLst>
-                  <p:par>
-                    <p:cTn id="3" fill="hold">
-                      <p:stCondLst>
-                        <p:cond delay="indefinite"/>
-                      </p:stCondLst>
-                      <p:childTnLst>
-                        <p:par>
-                          <p:cTn id="4" fill="hold">
-                            <p:stCondLst>
-                              <p:cond delay="0"/>
-                            </p:stCondLst>
-                            <p:childTnLst>
-                              <p:par>
-                                <p:cTn id="5" presetID="22" presetClass="entr" presetSubtype="8" fill="hold" nodeType="clickEffect">
-                                  <p:stCondLst>
-                                    <p:cond delay="0"/>
-                                  </p:stCondLst>
-                                  <p:childTnLst>
-                                    <p:set>
-                                      <p:cBhvr>
-                                        <p:cTn id="6" dur="1" fill="hold">
-                                          <p:stCondLst>
-                                            <p:cond delay="0"/>
-                                          </p:stCondLst>
-                                        </p:cTn>
-                                        <p:tgtEl>
-                                          <p:spTgt spid="11"/>
-                                        </p:tgtEl>
-                                        <p:attrNameLst>
-                                          <p:attrName>style.visibility</p:attrName>
-                                        </p:attrNameLst>
-                                      </p:cBhvr>
-                                      <p:to>
-                                        <p:strVal val="visible"/>
-                                      </p:to>
-                                    </p:set>
-                                    <p:animEffect transition="in" filter="wipe(left)">
-                                      <p:cBhvr>
-                                        <p:cTn id="7" dur="500"/>
-                                        <p:tgtEl>
-                                          <p:spTgt spid="11"/>
-                                        </p:tgtEl>
-                                      </p:cBhvr>
-                                    </p:animEffect>
-                                  </p:childTnLst>
-                                </p:cTn>
-                              </p:par>
-                              <p:par>
-                                <p:cTn id="8" presetID="22" presetClass="entr" presetSubtype="2" fill="hold" nodeType="withEffect">
-                                  <p:stCondLst>
-                                    <p:cond delay="0"/>
-                                  </p:stCondLst>
-                                  <p:childTnLst>
-                                    <p:set>
-                                      <p:cBhvr>
-                                        <p:cTn id="9" dur="1" fill="hold">
-                                          <p:stCondLst>
-                                            <p:cond delay="0"/>
-                                          </p:stCondLst>
-                                        </p:cTn>
-                                        <p:tgtEl>
-                                          <p:spTgt spid="12"/>
-                                        </p:tgtEl>
-                                        <p:attrNameLst>
-                                          <p:attrName>style.visibility</p:attrName>
-                                        </p:attrNameLst>
-                                      </p:cBhvr>
-                                      <p:to>
-                                        <p:strVal val="visible"/>
-                                      </p:to>
-                                    </p:set>
-                                    <p:animEffect transition="in" filter="wipe(right)">
-                                      <p:cBhvr>
-                                        <p:cTn id="10" dur="500"/>
-                                        <p:tgtEl>
-                                          <p:spTgt spid="12"/>
-                                        </p:tgtEl>
-                                      </p:cBhvr>
-                                    </p:animEffect>
-                                  </p:childTnLst>
-                                </p:cTn>
-                              </p:par>
-                            </p:childTnLst>
-                          </p:cTn>
-                        </p:par>
-                      </p:childTnLst>
-                    </p:cTn>
-                  </p:par>
-                  <p:par>
-                    <p:cTn id="11" fill="hold">
-                      <p:stCondLst>
-                        <p:cond delay="indefinite"/>
-                      </p:stCondLst>
-                      <p:childTnLst>
-                        <p:par>
-                          <p:cTn id="12" fill="hold">
-                            <p:stCondLst>
-                              <p:cond delay="0"/>
-                            </p:stCondLst>
-                            <p:childTnLst>
-                              <p:par>
-                                <p:cTn id="13" presetID="25" presetClass="entr" presetSubtype="0" fill="hold" grpId="0" nodeType="clickEffect">
-                                  <p:stCondLst>
-                                    <p:cond delay="0"/>
-                                  </p:stCondLst>
-                                  <p:iterate type="lt">
-                                    <p:tmPct val="10000"/>
-                                  </p:iterate>
-                                  <p:childTnLst>
-                                    <p:set>
-                                      <p:cBhvr>
-                                        <p:cTn id="14" dur="1" fill="hold">
-                                          <p:stCondLst>
-                                            <p:cond delay="0"/>
-                                          </p:stCondLst>
-                                        </p:cTn>
-                                        <p:tgtEl>
-                                          <p:spTgt spid="17"/>
-                                        </p:tgtEl>
-                                        <p:attrNameLst>
-                                          <p:attrName>style.visibility</p:attrName>
-                                        </p:attrNameLst>
-                                      </p:cBhvr>
-                                      <p:to>
-                                        <p:strVal val="visible"/>
-                                      </p:to>
-                                    </p:set>
-                                    <p:anim calcmode="lin" valueType="num">
-                                      <p:cBhvr>
-                                        <p:cTn id="15" dur="500" decel="50000" fill="hold">
-                                          <p:stCondLst>
-                                            <p:cond delay="0"/>
-                                          </p:stCondLst>
-                                        </p:cTn>
-                                        <p:tgtEl>
-                                          <p:spTgt spid="17"/>
-                                        </p:tgtEl>
-                                        <p:attrNameLst>
-                                          <p:attrName>style.rotation</p:attrName>
-                                        </p:attrNameLst>
-                                      </p:cBhvr>
-                                      <p:tavLst>
-                                        <p:tav tm="0">
-                                          <p:val>
-                                            <p:fltVal val="-90"/>
-                                          </p:val>
-                                        </p:tav>
-                                        <p:tav tm="100000">
-                                          <p:val>
-                                            <p:fltVal val="0"/>
-                                          </p:val>
-                                        </p:tav>
-                                      </p:tavLst>
-                                    </p:anim>
-                                    <p:anim calcmode="lin" valueType="num">
-                                      <p:cBhvr>
-                                        <p:cTn id="16" dur="500" decel="50000" fill="hold">
-                                          <p:stCondLst>
-                                            <p:cond delay="0"/>
-                                          </p:stCondLst>
-                                        </p:cTn>
-                                        <p:tgtEl>
-                                          <p:spTgt spid="17"/>
-                                        </p:tgtEl>
-                                        <p:attrNameLst>
-                                          <p:attrName>ppt_w</p:attrName>
-                                        </p:attrNameLst>
-                                      </p:cBhvr>
-                                      <p:tavLst>
-                                        <p:tav tm="0">
-                                          <p:val>
-                                            <p:strVal val="#ppt_w"/>
-                                          </p:val>
-                                        </p:tav>
-                                        <p:tav tm="100000">
-                                          <p:val>
-                                            <p:strVal val="#ppt_w*.05"/>
-                                          </p:val>
-                                        </p:tav>
-                                      </p:tavLst>
-                                    </p:anim>
-                                    <p:anim calcmode="lin" valueType="num">
-                                      <p:cBhvr>
-                                        <p:cTn id="17" dur="500" accel="50000" fill="hold">
-                                          <p:stCondLst>
-                                            <p:cond delay="500"/>
-                                          </p:stCondLst>
-                                        </p:cTn>
-                                        <p:tgtEl>
-                                          <p:spTgt spid="17"/>
-                                        </p:tgtEl>
-                                        <p:attrNameLst>
-                                          <p:attrName>ppt_w</p:attrName>
-                                        </p:attrNameLst>
-                                      </p:cBhvr>
-                                      <p:tavLst>
-                                        <p:tav tm="0">
-                                          <p:val>
-                                            <p:strVal val="#ppt_w*.05"/>
-                                          </p:val>
-                                        </p:tav>
-                                        <p:tav tm="100000">
-                                          <p:val>
-                                            <p:strVal val="#ppt_w"/>
-                                          </p:val>
-                                        </p:tav>
-                                      </p:tavLst>
-                                    </p:anim>
-                                    <p:anim calcmode="lin" valueType="num">
-                                      <p:cBhvr>
-                                        <p:cTn id="18" dur="1000" fill="hold"/>
-                                        <p:tgtEl>
-                                          <p:spTgt spid="17"/>
-                                        </p:tgtEl>
-                                        <p:attrNameLst>
-                                          <p:attrName>ppt_h</p:attrName>
-                                        </p:attrNameLst>
-                                      </p:cBhvr>
-                                      <p:tavLst>
-                                        <p:tav tm="0">
-                                          <p:val>
-                                            <p:strVal val="#ppt_h"/>
-                                          </p:val>
-                                        </p:tav>
-                                        <p:tav tm="100000">
-                                          <p:val>
-                                            <p:strVal val="#ppt_h"/>
-                                          </p:val>
-                                        </p:tav>
-                                      </p:tavLst>
-                                    </p:anim>
-                                    <p:anim calcmode="lin" valueType="num">
-                                      <p:cBhvr>
-                                        <p:cTn id="19" dur="500" decel="50000" fill="hold">
-                                          <p:stCondLst>
-                                            <p:cond delay="0"/>
-                                          </p:stCondLst>
-                                        </p:cTn>
-                                        <p:tgtEl>
-                                          <p:spTgt spid="17"/>
-                                        </p:tgtEl>
-                                        <p:attrNameLst>
-                                          <p:attrName>ppt_x</p:attrName>
-                                        </p:attrNameLst>
-                                      </p:cBhvr>
-                                      <p:tavLst>
-                                        <p:tav tm="0">
-                                          <p:val>
-                                            <p:strVal val="#ppt_x+.4"/>
-                                          </p:val>
-                                        </p:tav>
-                                        <p:tav tm="100000">
-                                          <p:val>
-                                            <p:strVal val="#ppt_x"/>
-                                          </p:val>
-                                        </p:tav>
-                                      </p:tavLst>
-                                    </p:anim>
-                                    <p:anim calcmode="lin" valueType="num">
-                                      <p:cBhvr>
-                                        <p:cTn id="20" dur="500" decel="50000" fill="hold">
-                                          <p:stCondLst>
-                                            <p:cond delay="0"/>
-                                          </p:stCondLst>
-                                        </p:cTn>
-                                        <p:tgtEl>
-                                          <p:spTgt spid="17"/>
-                                        </p:tgtEl>
-                                        <p:attrNameLst>
-                                          <p:attrName>ppt_y</p:attrName>
-                                        </p:attrNameLst>
-                                      </p:cBhvr>
-                                      <p:tavLst>
-                                        <p:tav tm="0">
-                                          <p:val>
-                                            <p:strVal val="#ppt_y-.2"/>
-                                          </p:val>
-                                        </p:tav>
-                                        <p:tav tm="100000">
-                                          <p:val>
-                                            <p:strVal val="#ppt_y+.1"/>
-                                          </p:val>
-                                        </p:tav>
-                                      </p:tavLst>
-                                    </p:anim>
-                                    <p:anim calcmode="lin" valueType="num">
-                                      <p:cBhvr>
-                                        <p:cTn id="21" dur="500" accel="50000" fill="hold">
-                                          <p:stCondLst>
-                                            <p:cond delay="500"/>
-                                          </p:stCondLst>
-                                        </p:cTn>
-                                        <p:tgtEl>
-                                          <p:spTgt spid="17"/>
-                                        </p:tgtEl>
-                                        <p:attrNameLst>
-                                          <p:attrName>ppt_y</p:attrName>
-                                        </p:attrNameLst>
-                                      </p:cBhvr>
-                                      <p:tavLst>
-                                        <p:tav tm="0">
-                                          <p:val>
-                                            <p:strVal val="#ppt_y+.1"/>
-                                          </p:val>
-                                        </p:tav>
-                                        <p:tav tm="100000">
-                                          <p:val>
-                                            <p:strVal val="#ppt_y"/>
-                                          </p:val>
-                                        </p:tav>
-                                      </p:tavLst>
-                                    </p:anim>
-                                    <p:animEffect transition="in" filter="fade">
-                                      <p:cBhvr>
-                                        <p:cTn id="22" dur="1000" decel="50000">
-                                          <p:stCondLst>
-                                            <p:cond delay="0"/>
-                                          </p:stCondLst>
-                                        </p:cTn>
-                                        <p:tgtEl>
-                                          <p:spTgt spid="17"/>
-                                        </p:tgtEl>
-                                      </p:cBhvr>
-                                    </p:animEffect>
-                                  </p:childTnLst>
-                                </p:cTn>
-                              </p:par>
-                            </p:childTnLst>
-                          </p:cTn>
-                        </p:par>
-                      </p:childTnLst>
-                    </p:cTn>
-                  </p:par>
-                </p:childTnLst>
-              </p:cTn>
-              <p:prevCondLst>
-                <p:cond evt="onPrev" delay="0">
-                  <p:tgtEl>
-                    <p:sldTgt/>
-                  </p:tgtEl>
-                </p:cond>
-              </p:prevCondLst>
-              <p:nextCondLst>
-                <p:cond evt="onNext" delay="0">
-                  <p:tgtEl>
-                    <p:sldTgt/>
-                  </p:tgtEl>
-                </p:cond>
-              </p:nextCondLst>
-            </p:seq>
-          </p:childTnLst>
-        </p:cTn>
-      </p:par>
-    </p:tnLst>
-    <p:bldLst>
-      <p:bldP spid="17" grpId="0"/>
-    </p:bldLst>
-  </p:timing>
 </p:sld>
 </file>
 
@@ -6127,6 +6570,11 @@
               </a:rPr>
               <a:t>www.1ppt.com/sucai/</a:t>
             </a:r>
+            <a:endParaRPr lang="en-US" altLang="zh-CN" sz="100" dirty="0">
+              <a:solidFill>
+                <a:schemeClr val="bg1"/>
+              </a:solidFill>
+            </a:endParaRPr>
           </a:p>
           <a:p>
             <a:r>
@@ -6169,6 +6617,11 @@
               </a:rPr>
               <a:t>www.1ppt.com/tubiao/      </a:t>
             </a:r>
+            <a:endParaRPr lang="en-US" altLang="zh-CN" sz="100" dirty="0">
+              <a:solidFill>
+                <a:schemeClr val="bg1"/>
+              </a:solidFill>
+            </a:endParaRPr>
           </a:p>
           <a:p>
             <a:r>
@@ -6211,6 +6664,11 @@
               </a:rPr>
               <a:t>www.1ppt.com/powerpoint/      </a:t>
             </a:r>
+            <a:endParaRPr lang="en-US" altLang="zh-CN" sz="100" dirty="0">
+              <a:solidFill>
+                <a:schemeClr val="bg1"/>
+              </a:solidFill>
+            </a:endParaRPr>
           </a:p>
           <a:p>
             <a:r>
@@ -6245,6 +6703,11 @@
               </a:rPr>
               <a:t>www.1ppt.com/fanwen/             </a:t>
             </a:r>
+            <a:endParaRPr lang="en-US" altLang="zh-CN" sz="100" dirty="0">
+              <a:solidFill>
+                <a:schemeClr val="bg1"/>
+              </a:solidFill>
+            </a:endParaRPr>
           </a:p>
           <a:p>
             <a:r>
@@ -6279,6 +6742,11 @@
               </a:rPr>
               <a:t>www.1ppt.com/jiaoan/               </a:t>
             </a:r>
+            <a:endParaRPr lang="en-US" altLang="zh-CN" sz="100" dirty="0">
+              <a:solidFill>
+                <a:schemeClr val="bg1"/>
+              </a:solidFill>
+            </a:endParaRPr>
           </a:p>
           <a:p>
             <a:r>
@@ -6321,6 +6789,11 @@
               </a:rPr>
               <a:t>www.1ppt.com/kejian/ </a:t>
             </a:r>
+            <a:endParaRPr lang="en-US" altLang="zh-CN" sz="100" dirty="0">
+              <a:solidFill>
+                <a:schemeClr val="bg1"/>
+              </a:solidFill>
+            </a:endParaRPr>
           </a:p>
           <a:p>
             <a:r>
@@ -6355,6 +6828,11 @@
               </a:rPr>
               <a:t>www.1ppt.com/kejian/shuxue/ </a:t>
             </a:r>
+            <a:endParaRPr lang="en-US" altLang="zh-CN" sz="100" dirty="0">
+              <a:solidFill>
+                <a:schemeClr val="bg1"/>
+              </a:solidFill>
+            </a:endParaRPr>
           </a:p>
           <a:p>
             <a:r>
@@ -6389,6 +6867,11 @@
               </a:rPr>
               <a:t>www.1ppt.com/kejian/meishu/ </a:t>
             </a:r>
+            <a:endParaRPr lang="en-US" altLang="zh-CN" sz="100" dirty="0">
+              <a:solidFill>
+                <a:schemeClr val="bg1"/>
+              </a:solidFill>
+            </a:endParaRPr>
           </a:p>
           <a:p>
             <a:r>
@@ -6423,6 +6906,11 @@
               </a:rPr>
               <a:t>www.1ppt.com/kejian/wuli/ </a:t>
             </a:r>
+            <a:endParaRPr lang="en-US" altLang="zh-CN" sz="100" dirty="0">
+              <a:solidFill>
+                <a:schemeClr val="bg1"/>
+              </a:solidFill>
+            </a:endParaRPr>
           </a:p>
           <a:p>
             <a:r>
@@ -6457,6 +6945,11 @@
               </a:rPr>
               <a:t>www.1ppt.com/kejian/shengwu/ </a:t>
             </a:r>
+            <a:endParaRPr lang="en-US" altLang="zh-CN" sz="100" dirty="0">
+              <a:solidFill>
+                <a:schemeClr val="bg1"/>
+              </a:solidFill>
+            </a:endParaRPr>
           </a:p>
           <a:p>
             <a:r>
@@ -6491,6 +6984,11 @@
               </a:rPr>
               <a:t>www.1ppt.com/kejian/lishi/        </a:t>
             </a:r>
+            <a:endParaRPr lang="en-US" altLang="zh-CN" sz="100" dirty="0">
+              <a:solidFill>
+                <a:schemeClr val="bg1"/>
+              </a:solidFill>
+            </a:endParaRPr>
           </a:p>
         </p:txBody>
       </p:sp>
@@ -6543,9 +7041,9 @@
                 <a:solidFill>
                   <a:schemeClr val="tx1"/>
                 </a:solidFill>
-                <a:latin typeface="Calibri" pitchFamily="34" charset="0"/>
-                <a:ea typeface="宋体" pitchFamily="2" charset="-122"/>
-                <a:sym typeface="Calibri" pitchFamily="34" charset="0"/>
+                <a:latin typeface="Calibri" panose="020F0502020204030204" pitchFamily="34" charset="0"/>
+                <a:ea typeface="宋体" panose="02010600030101010101" pitchFamily="2" charset="-122"/>
+                <a:sym typeface="Calibri" panose="020F0502020204030204" pitchFamily="34" charset="0"/>
               </a:defRPr>
             </a:lvl1pPr>
             <a:lvl2pPr marL="742950" indent="-285750" eaLnBrk="0" hangingPunct="0">
@@ -6557,9 +7055,9 @@
                 <a:solidFill>
                   <a:schemeClr val="tx1"/>
                 </a:solidFill>
-                <a:latin typeface="Calibri" pitchFamily="34" charset="0"/>
-                <a:ea typeface="宋体" pitchFamily="2" charset="-122"/>
-                <a:sym typeface="Calibri" pitchFamily="34" charset="0"/>
+                <a:latin typeface="Calibri" panose="020F0502020204030204" pitchFamily="34" charset="0"/>
+                <a:ea typeface="宋体" panose="02010600030101010101" pitchFamily="2" charset="-122"/>
+                <a:sym typeface="Calibri" panose="020F0502020204030204" pitchFamily="34" charset="0"/>
               </a:defRPr>
             </a:lvl2pPr>
             <a:lvl3pPr marL="1143000" indent="-228600" eaLnBrk="0" hangingPunct="0">
@@ -6571,9 +7069,9 @@
                 <a:solidFill>
                   <a:schemeClr val="tx1"/>
                 </a:solidFill>
-                <a:latin typeface="Calibri" pitchFamily="34" charset="0"/>
-                <a:ea typeface="宋体" pitchFamily="2" charset="-122"/>
-                <a:sym typeface="Calibri" pitchFamily="34" charset="0"/>
+                <a:latin typeface="Calibri" panose="020F0502020204030204" pitchFamily="34" charset="0"/>
+                <a:ea typeface="宋体" panose="02010600030101010101" pitchFamily="2" charset="-122"/>
+                <a:sym typeface="Calibri" panose="020F0502020204030204" pitchFamily="34" charset="0"/>
               </a:defRPr>
             </a:lvl3pPr>
             <a:lvl4pPr marL="1600200" indent="-228600" eaLnBrk="0" hangingPunct="0">
@@ -6585,9 +7083,9 @@
                 <a:solidFill>
                   <a:schemeClr val="tx1"/>
                 </a:solidFill>
-                <a:latin typeface="Calibri" pitchFamily="34" charset="0"/>
-                <a:ea typeface="宋体" pitchFamily="2" charset="-122"/>
-                <a:sym typeface="Calibri" pitchFamily="34" charset="0"/>
+                <a:latin typeface="Calibri" panose="020F0502020204030204" pitchFamily="34" charset="0"/>
+                <a:ea typeface="宋体" panose="02010600030101010101" pitchFamily="2" charset="-122"/>
+                <a:sym typeface="Calibri" panose="020F0502020204030204" pitchFamily="34" charset="0"/>
               </a:defRPr>
             </a:lvl4pPr>
             <a:lvl5pPr marL="2057400" indent="-228600" eaLnBrk="0" hangingPunct="0">
@@ -6599,9 +7097,9 @@
                 <a:solidFill>
                   <a:schemeClr val="tx1"/>
                 </a:solidFill>
-                <a:latin typeface="Calibri" pitchFamily="34" charset="0"/>
-                <a:ea typeface="宋体" pitchFamily="2" charset="-122"/>
-                <a:sym typeface="Calibri" pitchFamily="34" charset="0"/>
+                <a:latin typeface="Calibri" panose="020F0502020204030204" pitchFamily="34" charset="0"/>
+                <a:ea typeface="宋体" panose="02010600030101010101" pitchFamily="2" charset="-122"/>
+                <a:sym typeface="Calibri" panose="020F0502020204030204" pitchFamily="34" charset="0"/>
               </a:defRPr>
             </a:lvl5pPr>
             <a:lvl6pPr marL="2514600" indent="-228600" eaLnBrk="0" fontAlgn="base" hangingPunct="0">
@@ -6611,15 +7109,15 @@
               <a:spcAft>
                 <a:spcPct val="0"/>
               </a:spcAft>
-              <a:buFont typeface="Arial" pitchFamily="34" charset="0"/>
+              <a:buFont typeface="Arial" panose="020B0604020202020204" pitchFamily="34" charset="0"/>
               <a:buChar char="»"/>
               <a:defRPr sz="2000">
                 <a:solidFill>
                   <a:schemeClr val="tx1"/>
                 </a:solidFill>
-                <a:latin typeface="Calibri" pitchFamily="34" charset="0"/>
-                <a:ea typeface="宋体" pitchFamily="2" charset="-122"/>
-                <a:sym typeface="Calibri" pitchFamily="34" charset="0"/>
+                <a:latin typeface="Calibri" panose="020F0502020204030204" pitchFamily="34" charset="0"/>
+                <a:ea typeface="宋体" panose="02010600030101010101" pitchFamily="2" charset="-122"/>
+                <a:sym typeface="Calibri" panose="020F0502020204030204" pitchFamily="34" charset="0"/>
               </a:defRPr>
             </a:lvl6pPr>
             <a:lvl7pPr marL="2971800" indent="-228600" eaLnBrk="0" fontAlgn="base" hangingPunct="0">
@@ -6629,15 +7127,15 @@
               <a:spcAft>
                 <a:spcPct val="0"/>
               </a:spcAft>
-              <a:buFont typeface="Arial" pitchFamily="34" charset="0"/>
+              <a:buFont typeface="Arial" panose="020B0604020202020204" pitchFamily="34" charset="0"/>
               <a:buChar char="»"/>
               <a:defRPr sz="2000">
                 <a:solidFill>
                   <a:schemeClr val="tx1"/>
                 </a:solidFill>
-                <a:latin typeface="Calibri" pitchFamily="34" charset="0"/>
-                <a:ea typeface="宋体" pitchFamily="2" charset="-122"/>
-                <a:sym typeface="Calibri" pitchFamily="34" charset="0"/>
+                <a:latin typeface="Calibri" panose="020F0502020204030204" pitchFamily="34" charset="0"/>
+                <a:ea typeface="宋体" panose="02010600030101010101" pitchFamily="2" charset="-122"/>
+                <a:sym typeface="Calibri" panose="020F0502020204030204" pitchFamily="34" charset="0"/>
               </a:defRPr>
             </a:lvl7pPr>
             <a:lvl8pPr marL="3429000" indent="-228600" eaLnBrk="0" fontAlgn="base" hangingPunct="0">
@@ -6647,15 +7145,15 @@
               <a:spcAft>
                 <a:spcPct val="0"/>
               </a:spcAft>
-              <a:buFont typeface="Arial" pitchFamily="34" charset="0"/>
+              <a:buFont typeface="Arial" panose="020B0604020202020204" pitchFamily="34" charset="0"/>
               <a:buChar char="»"/>
               <a:defRPr sz="2000">
                 <a:solidFill>
                   <a:schemeClr val="tx1"/>
                 </a:solidFill>
-                <a:latin typeface="Calibri" pitchFamily="34" charset="0"/>
-                <a:ea typeface="宋体" pitchFamily="2" charset="-122"/>
-                <a:sym typeface="Calibri" pitchFamily="34" charset="0"/>
+                <a:latin typeface="Calibri" panose="020F0502020204030204" pitchFamily="34" charset="0"/>
+                <a:ea typeface="宋体" panose="02010600030101010101" pitchFamily="2" charset="-122"/>
+                <a:sym typeface="Calibri" panose="020F0502020204030204" pitchFamily="34" charset="0"/>
               </a:defRPr>
             </a:lvl8pPr>
             <a:lvl9pPr marL="3886200" indent="-228600" eaLnBrk="0" fontAlgn="base" hangingPunct="0">
@@ -6665,15 +7163,15 @@
               <a:spcAft>
                 <a:spcPct val="0"/>
               </a:spcAft>
-              <a:buFont typeface="Arial" pitchFamily="34" charset="0"/>
+              <a:buFont typeface="Arial" panose="020B0604020202020204" pitchFamily="34" charset="0"/>
               <a:buChar char="»"/>
               <a:defRPr sz="2000">
                 <a:solidFill>
                   <a:schemeClr val="tx1"/>
                 </a:solidFill>
-                <a:latin typeface="Calibri" pitchFamily="34" charset="0"/>
-                <a:ea typeface="宋体" pitchFamily="2" charset="-122"/>
-                <a:sym typeface="Calibri" pitchFamily="34" charset="0"/>
+                <a:latin typeface="Calibri" panose="020F0502020204030204" pitchFamily="34" charset="0"/>
+                <a:ea typeface="宋体" panose="02010600030101010101" pitchFamily="2" charset="-122"/>
+                <a:sym typeface="Calibri" panose="020F0502020204030204" pitchFamily="34" charset="0"/>
               </a:defRPr>
             </a:lvl9pPr>
           </a:lstStyle>
@@ -6685,16 +7183,16 @@
               <a:spcAft>
                 <a:spcPct val="0"/>
               </a:spcAft>
-              <a:buFont typeface="Arial" pitchFamily="34" charset="0"/>
+              <a:buFont typeface="Arial" panose="020B0604020202020204" pitchFamily="34" charset="0"/>
               <a:buNone/>
             </a:pPr>
             <a:endParaRPr lang="zh-CN" altLang="en-US" sz="1800">
               <a:solidFill>
                 <a:srgbClr val="FFFFFF"/>
               </a:solidFill>
-              <a:latin typeface="微软雅黑"/>
-              <a:ea typeface="微软雅黑"/>
-              <a:sym typeface="宋体" pitchFamily="2" charset="-122"/>
+              <a:latin typeface="微软雅黑" panose="020B0503020204020204" charset="-122"/>
+              <a:ea typeface="微软雅黑" panose="020B0503020204020204" charset="-122"/>
+              <a:sym typeface="宋体" panose="02010600030101010101" pitchFamily="2" charset="-122"/>
             </a:endParaRPr>
           </a:p>
         </p:txBody>
@@ -6758,7 +7256,7 @@
             <a:p>
               <a:pPr algn="ctr"/>
               <a:endParaRPr lang="zh-CN" altLang="en-US">
-                <a:ea typeface="微软雅黑"/>
+                <a:ea typeface="微软雅黑" panose="020B0503020204020204" charset="-122"/>
               </a:endParaRPr>
             </a:p>
           </p:txBody>
@@ -6797,12 +7295,20 @@
                   <a:solidFill>
                     <a:srgbClr val="FFFFFF"/>
                   </a:solidFill>
-                  <a:latin typeface="微软雅黑"/>
-                  <a:ea typeface="微软雅黑"/>
-                  <a:sym typeface="微软雅黑" pitchFamily="34" charset="-122"/>
+                  <a:latin typeface="微软雅黑" panose="020B0503020204020204" charset="-122"/>
+                  <a:ea typeface="微软雅黑" panose="020B0503020204020204" charset="-122"/>
+                  <a:sym typeface="微软雅黑" panose="020B0503020204020204" charset="-122"/>
                 </a:rPr>
                 <a:t>Contents</a:t>
               </a:r>
+              <a:endParaRPr lang="en-US" altLang="zh-CN" sz="2400" b="1" dirty="0">
+                <a:solidFill>
+                  <a:srgbClr val="FFFFFF"/>
+                </a:solidFill>
+                <a:latin typeface="微软雅黑" panose="020B0503020204020204" charset="-122"/>
+                <a:ea typeface="微软雅黑" panose="020B0503020204020204" charset="-122"/>
+                <a:sym typeface="微软雅黑" panose="020B0503020204020204" charset="-122"/>
+              </a:endParaRPr>
             </a:p>
           </p:txBody>
         </p:sp>
@@ -6851,7 +7357,7 @@
             <a:p>
               <a:pPr algn="ctr"/>
               <a:endParaRPr lang="zh-CN" altLang="en-US">
-                <a:ea typeface="微软雅黑"/>
+                <a:ea typeface="微软雅黑" panose="020B0503020204020204" charset="-122"/>
               </a:endParaRPr>
             </a:p>
           </p:txBody>
@@ -6890,12 +7396,20 @@
                   <a:solidFill>
                     <a:srgbClr val="FFFFFF"/>
                   </a:solidFill>
-                  <a:latin typeface="微软雅黑"/>
-                  <a:ea typeface="微软雅黑"/>
-                  <a:sym typeface="微软雅黑" pitchFamily="34" charset="-122"/>
+                  <a:latin typeface="微软雅黑" panose="020B0503020204020204" charset="-122"/>
+                  <a:ea typeface="微软雅黑" panose="020B0503020204020204" charset="-122"/>
+                  <a:sym typeface="微软雅黑" panose="020B0503020204020204" charset="-122"/>
                 </a:rPr>
                 <a:t>目  录</a:t>
               </a:r>
+              <a:endParaRPr lang="zh-CN" altLang="en-US" sz="4400" b="1" dirty="0">
+                <a:solidFill>
+                  <a:srgbClr val="FFFFFF"/>
+                </a:solidFill>
+                <a:latin typeface="微软雅黑" panose="020B0503020204020204" charset="-122"/>
+                <a:ea typeface="微软雅黑" panose="020B0503020204020204" charset="-122"/>
+                <a:sym typeface="微软雅黑" panose="020B0503020204020204" charset="-122"/>
+              </a:endParaRPr>
             </a:p>
           </p:txBody>
         </p:sp>
@@ -6951,8 +7465,8 @@
                 <a:solidFill>
                   <a:prstClr val="white"/>
                 </a:solidFill>
-                <a:latin typeface="Calibri"/>
-                <a:ea typeface="微软雅黑"/>
+                <a:latin typeface="Calibri" panose="020F0502020204030204"/>
+                <a:ea typeface="微软雅黑" panose="020B0503020204020204" charset="-122"/>
               </a:endParaRPr>
             </a:p>
           </p:txBody>
@@ -7104,8 +7618,8 @@
                   <a:solidFill>
                     <a:prstClr val="white"/>
                   </a:solidFill>
-                  <a:latin typeface="微软雅黑"/>
-                  <a:ea typeface="微软雅黑"/>
+                  <a:latin typeface="微软雅黑" panose="020B0503020204020204" charset="-122"/>
+                  <a:ea typeface="微软雅黑" panose="020B0503020204020204" charset="-122"/>
                 </a:rPr>
                 <a:t>一、</a:t>
               </a:r>
@@ -7114,9 +7628,9 @@
                   <a:solidFill>
                     <a:prstClr val="white"/>
                   </a:solidFill>
-                  <a:latin typeface="微软雅黑"/>
-                  <a:ea typeface="微软雅黑"/>
-                  <a:hlinkClick r:id="rId2" action="ppaction://hlinksldjump"/>
+                  <a:latin typeface="微软雅黑" panose="020B0503020204020204" charset="-122"/>
+                  <a:ea typeface="微软雅黑" panose="020B0503020204020204" charset="-122"/>
+                  <a:hlinkClick r:id="rId1" action="ppaction://hlinksldjump"/>
                 </a:rPr>
                 <a:t>简介</a:t>
               </a:r>
@@ -7124,8 +7638,8 @@
                 <a:solidFill>
                   <a:prstClr val="white"/>
                 </a:solidFill>
-                <a:latin typeface="微软雅黑"/>
-                <a:ea typeface="微软雅黑"/>
+                <a:latin typeface="微软雅黑" panose="020B0503020204020204" charset="-122"/>
+                <a:ea typeface="微软雅黑" panose="020B0503020204020204" charset="-122"/>
               </a:endParaRPr>
             </a:p>
           </p:txBody>
@@ -7182,8 +7696,8 @@
                 <a:solidFill>
                   <a:prstClr val="white"/>
                 </a:solidFill>
-                <a:latin typeface="Calibri"/>
-                <a:ea typeface="微软雅黑"/>
+                <a:latin typeface="Calibri" panose="020F0502020204030204"/>
+                <a:ea typeface="微软雅黑" panose="020B0503020204020204" charset="-122"/>
               </a:endParaRPr>
             </a:p>
           </p:txBody>
@@ -7335,11 +7849,18 @@
                   <a:solidFill>
                     <a:prstClr val="white"/>
                   </a:solidFill>
-                  <a:latin typeface="微软雅黑"/>
-                  <a:ea typeface="微软雅黑"/>
+                  <a:latin typeface="微软雅黑" panose="020B0503020204020204" charset="-122"/>
+                  <a:ea typeface="微软雅黑" panose="020B0503020204020204" charset="-122"/>
                 </a:rPr>
                 <a:t>二、前端发展史</a:t>
               </a:r>
+              <a:endParaRPr lang="zh-CN" altLang="en-US" sz="2400" b="1" cap="small" dirty="0">
+                <a:solidFill>
+                  <a:prstClr val="white"/>
+                </a:solidFill>
+                <a:latin typeface="微软雅黑" panose="020B0503020204020204" charset="-122"/>
+                <a:ea typeface="微软雅黑" panose="020B0503020204020204" charset="-122"/>
+              </a:endParaRPr>
             </a:p>
             <a:p>
               <a:pPr lvl="0" algn="ctr">
@@ -7349,8 +7870,8 @@
                 <a:solidFill>
                   <a:prstClr val="white"/>
                 </a:solidFill>
-                <a:latin typeface="微软雅黑"/>
-                <a:ea typeface="微软雅黑"/>
+                <a:latin typeface="微软雅黑" panose="020B0503020204020204" charset="-122"/>
+                <a:ea typeface="微软雅黑" panose="020B0503020204020204" charset="-122"/>
               </a:endParaRPr>
             </a:p>
           </p:txBody>
@@ -7407,8 +7928,8 @@
                 <a:solidFill>
                   <a:prstClr val="white"/>
                 </a:solidFill>
-                <a:latin typeface="Calibri"/>
-                <a:ea typeface="微软雅黑"/>
+                <a:latin typeface="Calibri" panose="020F0502020204030204"/>
+                <a:ea typeface="微软雅黑" panose="020B0503020204020204" charset="-122"/>
               </a:endParaRPr>
             </a:p>
           </p:txBody>
@@ -7560,8 +8081,8 @@
                   <a:solidFill>
                     <a:prstClr val="white"/>
                   </a:solidFill>
-                  <a:latin typeface="微软雅黑"/>
-                  <a:ea typeface="微软雅黑"/>
+                  <a:latin typeface="微软雅黑" panose="020B0503020204020204" charset="-122"/>
+                  <a:ea typeface="微软雅黑" panose="020B0503020204020204" charset="-122"/>
                 </a:rPr>
                 <a:t>三、</a:t>
               </a:r>
@@ -7570,11 +8091,18 @@
                   <a:solidFill>
                     <a:prstClr val="white"/>
                   </a:solidFill>
-                  <a:latin typeface="微软雅黑"/>
-                  <a:ea typeface="微软雅黑"/>
+                  <a:latin typeface="微软雅黑" panose="020B0503020204020204" charset="-122"/>
+                  <a:ea typeface="微软雅黑" panose="020B0503020204020204" charset="-122"/>
                 </a:rPr>
                 <a:t>web</a:t>
               </a:r>
+              <a:endParaRPr lang="en-US" altLang="zh-CN" sz="2400" b="1" cap="small" dirty="0">
+                <a:solidFill>
+                  <a:prstClr val="white"/>
+                </a:solidFill>
+                <a:latin typeface="微软雅黑" panose="020B0503020204020204" charset="-122"/>
+                <a:ea typeface="微软雅黑" panose="020B0503020204020204" charset="-122"/>
+              </a:endParaRPr>
             </a:p>
             <a:p>
               <a:pPr lvl="0" algn="ctr">
@@ -7584,8 +8112,8 @@
                 <a:solidFill>
                   <a:prstClr val="white"/>
                 </a:solidFill>
-                <a:latin typeface="微软雅黑"/>
-                <a:ea typeface="微软雅黑"/>
+                <a:latin typeface="微软雅黑" panose="020B0503020204020204" charset="-122"/>
+                <a:ea typeface="微软雅黑" panose="020B0503020204020204" charset="-122"/>
               </a:endParaRPr>
             </a:p>
           </p:txBody>
@@ -7642,8 +8170,8 @@
                 <a:solidFill>
                   <a:prstClr val="white"/>
                 </a:solidFill>
-                <a:latin typeface="Calibri"/>
-                <a:ea typeface="微软雅黑"/>
+                <a:latin typeface="Calibri" panose="020F0502020204030204"/>
+                <a:ea typeface="微软雅黑" panose="020B0503020204020204" charset="-122"/>
               </a:endParaRPr>
             </a:p>
           </p:txBody>
@@ -7795,18 +8323,22 @@
                   <a:solidFill>
                     <a:prstClr val="white"/>
                   </a:solidFill>
-                  <a:latin typeface="微软雅黑"/>
-                  <a:ea typeface="微软雅黑"/>
+                  <a:latin typeface="微软雅黑" panose="020B0503020204020204" charset="-122"/>
+                  <a:ea typeface="微软雅黑" panose="020B0503020204020204" charset="-122"/>
                 </a:rPr>
                 <a:t>四、</a:t>
               </a:r>
               <a:r>
                 <a:rPr lang="zh-CN" altLang="en-US" sz="2400" b="1" dirty="0">
-                  <a:latin typeface="微软雅黑" panose="020B0503020204020204" pitchFamily="34" charset="-122"/>
-                  <a:ea typeface="微软雅黑" panose="020B0503020204020204" pitchFamily="34" charset="-122"/>
+                  <a:latin typeface="微软雅黑" panose="020B0503020204020204" charset="-122"/>
+                  <a:ea typeface="微软雅黑" panose="020B0503020204020204" charset="-122"/>
                 </a:rPr>
                 <a:t>移动端网页</a:t>
               </a:r>
+              <a:endParaRPr lang="zh-CN" altLang="en-US" sz="2400" b="1" dirty="0">
+                <a:latin typeface="微软雅黑" panose="020B0503020204020204" charset="-122"/>
+                <a:ea typeface="微软雅黑" panose="020B0503020204020204" charset="-122"/>
+              </a:endParaRPr>
             </a:p>
             <a:p>
               <a:pPr lvl="0" algn="ctr">
@@ -7816,8 +8348,8 @@
                 <a:solidFill>
                   <a:prstClr val="white"/>
                 </a:solidFill>
-                <a:latin typeface="微软雅黑"/>
-                <a:ea typeface="微软雅黑"/>
+                <a:latin typeface="微软雅黑" panose="020B0503020204020204" charset="-122"/>
+                <a:ea typeface="微软雅黑" panose="020B0503020204020204" charset="-122"/>
               </a:endParaRPr>
             </a:p>
           </p:txBody>
@@ -7874,8 +8406,8 @@
                 <a:solidFill>
                   <a:prstClr val="white"/>
                 </a:solidFill>
-                <a:latin typeface="Calibri"/>
-                <a:ea typeface="微软雅黑"/>
+                <a:latin typeface="Calibri" panose="020F0502020204030204"/>
+                <a:ea typeface="微软雅黑" panose="020B0503020204020204" charset="-122"/>
               </a:endParaRPr>
             </a:p>
           </p:txBody>
@@ -8027,18 +8559,22 @@
                   <a:solidFill>
                     <a:prstClr val="white"/>
                   </a:solidFill>
-                  <a:latin typeface="微软雅黑"/>
-                  <a:ea typeface="微软雅黑"/>
+                  <a:latin typeface="微软雅黑" panose="020B0503020204020204" charset="-122"/>
+                  <a:ea typeface="微软雅黑" panose="020B0503020204020204" charset="-122"/>
                 </a:rPr>
                 <a:t>五、</a:t>
               </a:r>
               <a:r>
                 <a:rPr lang="zh-CN" altLang="en-US" sz="2400" b="1" dirty="0">
-                  <a:latin typeface="微软雅黑" panose="020B0503020204020204" pitchFamily="34" charset="-122"/>
-                  <a:ea typeface="微软雅黑" panose="020B0503020204020204" pitchFamily="34" charset="-122"/>
+                  <a:latin typeface="微软雅黑" panose="020B0503020204020204" charset="-122"/>
+                  <a:ea typeface="微软雅黑" panose="020B0503020204020204" charset="-122"/>
                 </a:rPr>
                 <a:t>小程序</a:t>
               </a:r>
+              <a:endParaRPr lang="zh-CN" altLang="en-US" sz="2400" b="1" dirty="0">
+                <a:latin typeface="微软雅黑" panose="020B0503020204020204" charset="-122"/>
+                <a:ea typeface="微软雅黑" panose="020B0503020204020204" charset="-122"/>
+              </a:endParaRPr>
             </a:p>
             <a:p>
               <a:pPr lvl="0" algn="ctr">
@@ -8048,8 +8584,8 @@
                 <a:solidFill>
                   <a:prstClr val="white"/>
                 </a:solidFill>
-                <a:latin typeface="微软雅黑"/>
-                <a:ea typeface="微软雅黑"/>
+                <a:latin typeface="微软雅黑" panose="020B0503020204020204" charset="-122"/>
+                <a:ea typeface="微软雅黑" panose="020B0503020204020204" charset="-122"/>
               </a:endParaRPr>
             </a:p>
           </p:txBody>
@@ -8057,13 +8593,7 @@
       </p:grpSp>
       <p:grpSp>
         <p:nvGrpSpPr>
-          <p:cNvPr id="26" name="组合 25">
-            <a:extLst>
-              <a:ext uri="{FF2B5EF4-FFF2-40B4-BE49-F238E27FC236}">
-                <a16:creationId xmlns:a16="http://schemas.microsoft.com/office/drawing/2014/main" id="{8292F146-A298-4FA7-A42E-22B44B37B6FB}"/>
-              </a:ext>
-            </a:extLst>
-          </p:cNvPr>
+          <p:cNvPr id="26" name="组合 25"/>
           <p:cNvGrpSpPr/>
           <p:nvPr/>
         </p:nvGrpSpPr>
@@ -8077,13 +8607,7 @@
         </p:grpSpPr>
         <p:sp>
           <p:nvSpPr>
-            <p:cNvPr id="32" name="矩形 31">
-              <a:extLst>
-                <a:ext uri="{FF2B5EF4-FFF2-40B4-BE49-F238E27FC236}">
-                  <a16:creationId xmlns:a16="http://schemas.microsoft.com/office/drawing/2014/main" id="{3274149F-0ECC-4171-B2D0-29E948064898}"/>
-                </a:ext>
-              </a:extLst>
-            </p:cNvPr>
+            <p:cNvPr id="32" name="矩形 31"/>
             <p:cNvSpPr/>
             <p:nvPr/>
           </p:nvSpPr>
@@ -8118,21 +8642,15 @@
                 <a:solidFill>
                   <a:prstClr val="white"/>
                 </a:solidFill>
-                <a:latin typeface="Calibri"/>
-                <a:ea typeface="微软雅黑"/>
+                <a:latin typeface="Calibri" panose="020F0502020204030204"/>
+                <a:ea typeface="微软雅黑" panose="020B0503020204020204" charset="-122"/>
               </a:endParaRPr>
             </a:p>
           </p:txBody>
         </p:sp>
         <p:sp>
           <p:nvSpPr>
-            <p:cNvPr id="33" name="Copyright Notice">
-              <a:extLst>
-                <a:ext uri="{FF2B5EF4-FFF2-40B4-BE49-F238E27FC236}">
-                  <a16:creationId xmlns:a16="http://schemas.microsoft.com/office/drawing/2014/main" id="{DE0FF486-815C-45A7-BAE8-4B4AC4634E2C}"/>
-                </a:ext>
-              </a:extLst>
-            </p:cNvPr>
+            <p:cNvPr id="33" name="Copyright Notice"/>
             <p:cNvSpPr/>
             <p:nvPr/>
           </p:nvSpPr>
@@ -8277,18 +8795,22 @@
                   <a:solidFill>
                     <a:prstClr val="white"/>
                   </a:solidFill>
-                  <a:latin typeface="微软雅黑"/>
-                  <a:ea typeface="微软雅黑"/>
+                  <a:latin typeface="微软雅黑" panose="020B0503020204020204" charset="-122"/>
+                  <a:ea typeface="微软雅黑" panose="020B0503020204020204" charset="-122"/>
                 </a:rPr>
                 <a:t>六、</a:t>
               </a:r>
               <a:r>
                 <a:rPr lang="zh-CN" altLang="en-US" sz="2400" b="1" dirty="0">
-                  <a:latin typeface="微软雅黑" panose="020B0503020204020204" pitchFamily="34" charset="-122"/>
-                  <a:ea typeface="微软雅黑" panose="020B0503020204020204" pitchFamily="34" charset="-122"/>
+                  <a:latin typeface="微软雅黑" panose="020B0503020204020204" charset="-122"/>
+                  <a:ea typeface="微软雅黑" panose="020B0503020204020204" charset="-122"/>
                 </a:rPr>
                 <a:t>快应用</a:t>
               </a:r>
+              <a:endParaRPr lang="zh-CN" altLang="en-US" sz="2400" b="1" dirty="0">
+                <a:latin typeface="微软雅黑" panose="020B0503020204020204" charset="-122"/>
+                <a:ea typeface="微软雅黑" panose="020B0503020204020204" charset="-122"/>
+              </a:endParaRPr>
             </a:p>
             <a:p>
               <a:pPr lvl="0" algn="ctr">
@@ -8298,8 +8820,8 @@
                 <a:solidFill>
                   <a:prstClr val="white"/>
                 </a:solidFill>
-                <a:latin typeface="微软雅黑"/>
-                <a:ea typeface="微软雅黑"/>
+                <a:latin typeface="微软雅黑" panose="020B0503020204020204" charset="-122"/>
+                <a:ea typeface="微软雅黑" panose="020B0503020204020204" charset="-122"/>
               </a:endParaRPr>
             </a:p>
           </p:txBody>
@@ -8972,6 +9494,570 @@
 </p:sld>
 </file>
 
+<file path=ppt/slides/slide20.xml><?xml version="1.0" encoding="utf-8"?>
+<p:sld xmlns:a="http://schemas.openxmlformats.org/drawingml/2006/main" xmlns:r="http://schemas.openxmlformats.org/officeDocument/2006/relationships" xmlns:p="http://schemas.openxmlformats.org/presentationml/2006/main">
+  <p:cSld>
+    <p:spTree>
+      <p:nvGrpSpPr>
+        <p:cNvPr id="1" name=""/>
+        <p:cNvGrpSpPr/>
+        <p:nvPr/>
+      </p:nvGrpSpPr>
+      <p:grpSpPr>
+        <a:xfrm>
+          <a:off x="0" y="0"/>
+          <a:ext cx="0" cy="0"/>
+          <a:chOff x="0" y="0"/>
+          <a:chExt cx="0" cy="0"/>
+        </a:xfrm>
+      </p:grpSpPr>
+      <p:grpSp>
+        <p:nvGrpSpPr>
+          <p:cNvPr id="11" name="组合 10"/>
+          <p:cNvGrpSpPr/>
+          <p:nvPr/>
+        </p:nvGrpSpPr>
+        <p:grpSpPr>
+          <a:xfrm>
+            <a:off x="1154430" y="1635646"/>
+            <a:ext cx="6835140" cy="91440"/>
+            <a:chOff x="1539240" y="2179320"/>
+            <a:chExt cx="9113520" cy="121920"/>
+          </a:xfrm>
+        </p:grpSpPr>
+        <p:cxnSp>
+          <p:nvCxnSpPr>
+            <p:cNvPr id="15" name="直接连接符 14"/>
+            <p:cNvCxnSpPr/>
+            <p:nvPr/>
+          </p:nvCxnSpPr>
+          <p:spPr>
+            <a:xfrm>
+              <a:off x="1539240" y="2179320"/>
+              <a:ext cx="9113520" cy="0"/>
+            </a:xfrm>
+            <a:prstGeom prst="line">
+              <a:avLst/>
+            </a:prstGeom>
+            <a:noFill/>
+            <a:ln w="76200" cap="flat" cmpd="sng" algn="ctr">
+              <a:solidFill>
+                <a:schemeClr val="bg1"/>
+              </a:solidFill>
+              <a:prstDash val="solid"/>
+              <a:miter lim="800000"/>
+            </a:ln>
+            <a:effectLst/>
+          </p:spPr>
+        </p:cxnSp>
+        <p:cxnSp>
+          <p:nvCxnSpPr>
+            <p:cNvPr id="16" name="直接连接符 15"/>
+            <p:cNvCxnSpPr/>
+            <p:nvPr/>
+          </p:nvCxnSpPr>
+          <p:spPr>
+            <a:xfrm>
+              <a:off x="1539240" y="2301240"/>
+              <a:ext cx="9113520" cy="0"/>
+            </a:xfrm>
+            <a:prstGeom prst="line">
+              <a:avLst/>
+            </a:prstGeom>
+            <a:noFill/>
+            <a:ln w="6350" cap="flat" cmpd="sng" algn="ctr">
+              <a:solidFill>
+                <a:schemeClr val="bg1"/>
+              </a:solidFill>
+              <a:prstDash val="solid"/>
+              <a:miter lim="800000"/>
+            </a:ln>
+            <a:effectLst/>
+          </p:spPr>
+        </p:cxnSp>
+      </p:grpSp>
+      <p:grpSp>
+        <p:nvGrpSpPr>
+          <p:cNvPr id="12" name="组合 11"/>
+          <p:cNvGrpSpPr/>
+          <p:nvPr/>
+        </p:nvGrpSpPr>
+        <p:grpSpPr>
+          <a:xfrm flipV="1">
+            <a:off x="1154430" y="2643759"/>
+            <a:ext cx="6835140" cy="90676"/>
+            <a:chOff x="1539240" y="2680230"/>
+            <a:chExt cx="9113520" cy="120901"/>
+          </a:xfrm>
+        </p:grpSpPr>
+        <p:cxnSp>
+          <p:nvCxnSpPr>
+            <p:cNvPr id="13" name="直接连接符 12"/>
+            <p:cNvCxnSpPr/>
+            <p:nvPr/>
+          </p:nvCxnSpPr>
+          <p:spPr>
+            <a:xfrm>
+              <a:off x="1539240" y="2680230"/>
+              <a:ext cx="9113520" cy="0"/>
+            </a:xfrm>
+            <a:prstGeom prst="line">
+              <a:avLst/>
+            </a:prstGeom>
+            <a:noFill/>
+            <a:ln w="76200" cap="flat" cmpd="sng" algn="ctr">
+              <a:solidFill>
+                <a:schemeClr val="bg1"/>
+              </a:solidFill>
+              <a:prstDash val="solid"/>
+              <a:miter lim="800000"/>
+            </a:ln>
+            <a:effectLst/>
+          </p:spPr>
+        </p:cxnSp>
+        <p:cxnSp>
+          <p:nvCxnSpPr>
+            <p:cNvPr id="14" name="直接连接符 13"/>
+            <p:cNvCxnSpPr/>
+            <p:nvPr/>
+          </p:nvCxnSpPr>
+          <p:spPr>
+            <a:xfrm>
+              <a:off x="1539240" y="2801131"/>
+              <a:ext cx="9113520" cy="0"/>
+            </a:xfrm>
+            <a:prstGeom prst="line">
+              <a:avLst/>
+            </a:prstGeom>
+            <a:noFill/>
+            <a:ln w="6350" cap="flat" cmpd="sng" algn="ctr">
+              <a:solidFill>
+                <a:schemeClr val="bg1"/>
+              </a:solidFill>
+              <a:prstDash val="solid"/>
+              <a:miter lim="800000"/>
+            </a:ln>
+            <a:effectLst/>
+          </p:spPr>
+        </p:cxnSp>
+      </p:grpSp>
+      <p:sp>
+        <p:nvSpPr>
+          <p:cNvPr id="17" name="文本框 16"/>
+          <p:cNvSpPr txBox="1"/>
+          <p:nvPr/>
+        </p:nvSpPr>
+        <p:spPr>
+          <a:xfrm>
+            <a:off x="1743075" y="1847921"/>
+            <a:ext cx="5657850" cy="807911"/>
+          </a:xfrm>
+          <a:prstGeom prst="rect">
+            <a:avLst/>
+          </a:prstGeom>
+          <a:noFill/>
+        </p:spPr>
+        <p:txBody>
+          <a:bodyPr wrap="square" lIns="68571" tIns="34289" rIns="68571" bIns="34289" rtlCol="0">
+            <a:spAutoFit/>
+          </a:bodyPr>
+          <a:lstStyle/>
+          <a:p>
+            <a:pPr algn="ctr" defTabSz="685165"/>
+            <a:r>
+              <a:rPr lang="en-US" altLang="zh-CN" sz="4800" b="1" dirty="0">
+                <a:solidFill>
+                  <a:prstClr val="white"/>
+                </a:solidFill>
+                <a:latin typeface="微软雅黑" panose="020B0503020204020204" charset="-122"/>
+                <a:ea typeface="微软雅黑" panose="020B0503020204020204" charset="-122"/>
+              </a:rPr>
+              <a:t>THANK YOU</a:t>
+            </a:r>
+            <a:endParaRPr lang="zh-CN" altLang="en-US" sz="4800" b="1" dirty="0">
+              <a:solidFill>
+                <a:prstClr val="white"/>
+              </a:solidFill>
+              <a:latin typeface="微软雅黑" panose="020B0503020204020204" charset="-122"/>
+              <a:ea typeface="微软雅黑" panose="020B0503020204020204" charset="-122"/>
+            </a:endParaRPr>
+          </a:p>
+        </p:txBody>
+      </p:sp>
+    </p:spTree>
+  </p:cSld>
+  <p:clrMapOvr>
+    <a:masterClrMapping/>
+  </p:clrMapOvr>
+  <p:timing>
+    <p:tnLst>
+      <p:par>
+        <p:cTn id="1" dur="indefinite" restart="never" nodeType="tmRoot">
+          <p:childTnLst>
+            <p:seq concurrent="1" nextAc="seek">
+              <p:cTn id="2" dur="indefinite" nodeType="mainSeq">
+                <p:childTnLst>
+                  <p:par>
+                    <p:cTn id="3" fill="hold">
+                      <p:stCondLst>
+                        <p:cond delay="indefinite"/>
+                      </p:stCondLst>
+                      <p:childTnLst>
+                        <p:par>
+                          <p:cTn id="4" fill="hold">
+                            <p:stCondLst>
+                              <p:cond delay="0"/>
+                            </p:stCondLst>
+                            <p:childTnLst>
+                              <p:par>
+                                <p:cTn id="5" presetID="22" presetClass="entr" presetSubtype="8" fill="hold" nodeType="clickEffect">
+                                  <p:stCondLst>
+                                    <p:cond delay="0"/>
+                                  </p:stCondLst>
+                                  <p:childTnLst>
+                                    <p:set>
+                                      <p:cBhvr>
+                                        <p:cTn id="6" dur="1" fill="hold">
+                                          <p:stCondLst>
+                                            <p:cond delay="0"/>
+                                          </p:stCondLst>
+                                        </p:cTn>
+                                        <p:tgtEl>
+                                          <p:spTgt spid="11"/>
+                                        </p:tgtEl>
+                                        <p:attrNameLst>
+                                          <p:attrName>style.visibility</p:attrName>
+                                        </p:attrNameLst>
+                                      </p:cBhvr>
+                                      <p:to>
+                                        <p:strVal val="visible"/>
+                                      </p:to>
+                                    </p:set>
+                                    <p:animEffect transition="in" filter="wipe(left)">
+                                      <p:cBhvr>
+                                        <p:cTn id="7" dur="500"/>
+                                        <p:tgtEl>
+                                          <p:spTgt spid="11"/>
+                                        </p:tgtEl>
+                                      </p:cBhvr>
+                                    </p:animEffect>
+                                  </p:childTnLst>
+                                </p:cTn>
+                              </p:par>
+                              <p:par>
+                                <p:cTn id="8" presetID="22" presetClass="entr" presetSubtype="2" fill="hold" nodeType="withEffect">
+                                  <p:stCondLst>
+                                    <p:cond delay="0"/>
+                                  </p:stCondLst>
+                                  <p:childTnLst>
+                                    <p:set>
+                                      <p:cBhvr>
+                                        <p:cTn id="9" dur="1" fill="hold">
+                                          <p:stCondLst>
+                                            <p:cond delay="0"/>
+                                          </p:stCondLst>
+                                        </p:cTn>
+                                        <p:tgtEl>
+                                          <p:spTgt spid="12"/>
+                                        </p:tgtEl>
+                                        <p:attrNameLst>
+                                          <p:attrName>style.visibility</p:attrName>
+                                        </p:attrNameLst>
+                                      </p:cBhvr>
+                                      <p:to>
+                                        <p:strVal val="visible"/>
+                                      </p:to>
+                                    </p:set>
+                                    <p:animEffect transition="in" filter="wipe(right)">
+                                      <p:cBhvr>
+                                        <p:cTn id="10" dur="500"/>
+                                        <p:tgtEl>
+                                          <p:spTgt spid="12"/>
+                                        </p:tgtEl>
+                                      </p:cBhvr>
+                                    </p:animEffect>
+                                  </p:childTnLst>
+                                </p:cTn>
+                              </p:par>
+                            </p:childTnLst>
+                          </p:cTn>
+                        </p:par>
+                      </p:childTnLst>
+                    </p:cTn>
+                  </p:par>
+                  <p:par>
+                    <p:cTn id="11" fill="hold">
+                      <p:stCondLst>
+                        <p:cond delay="indefinite"/>
+                      </p:stCondLst>
+                      <p:childTnLst>
+                        <p:par>
+                          <p:cTn id="12" fill="hold">
+                            <p:stCondLst>
+                              <p:cond delay="0"/>
+                            </p:stCondLst>
+                            <p:childTnLst>
+                              <p:par>
+                                <p:cTn id="13" presetID="25" presetClass="entr" presetSubtype="0" fill="hold" grpId="0" nodeType="clickEffect">
+                                  <p:stCondLst>
+                                    <p:cond delay="0"/>
+                                  </p:stCondLst>
+                                  <p:iterate type="lt">
+                                    <p:tmPct val="10000"/>
+                                  </p:iterate>
+                                  <p:childTnLst>
+                                    <p:set>
+                                      <p:cBhvr>
+                                        <p:cTn id="14" dur="1" fill="hold">
+                                          <p:stCondLst>
+                                            <p:cond delay="0"/>
+                                          </p:stCondLst>
+                                        </p:cTn>
+                                        <p:tgtEl>
+                                          <p:spTgt spid="17"/>
+                                        </p:tgtEl>
+                                        <p:attrNameLst>
+                                          <p:attrName>style.visibility</p:attrName>
+                                        </p:attrNameLst>
+                                      </p:cBhvr>
+                                      <p:to>
+                                        <p:strVal val="visible"/>
+                                      </p:to>
+                                    </p:set>
+                                    <p:anim calcmode="lin" valueType="num">
+                                      <p:cBhvr>
+                                        <p:cTn id="15" dur="500" decel="50000" fill="hold">
+                                          <p:stCondLst>
+                                            <p:cond delay="0"/>
+                                          </p:stCondLst>
+                                        </p:cTn>
+                                        <p:tgtEl>
+                                          <p:spTgt spid="17"/>
+                                        </p:tgtEl>
+                                        <p:attrNameLst>
+                                          <p:attrName>style.rotation</p:attrName>
+                                        </p:attrNameLst>
+                                      </p:cBhvr>
+                                      <p:tavLst>
+                                        <p:tav tm="0">
+                                          <p:val>
+                                            <p:fltVal val="-90"/>
+                                          </p:val>
+                                        </p:tav>
+                                        <p:tav tm="100000">
+                                          <p:val>
+                                            <p:fltVal val="0"/>
+                                          </p:val>
+                                        </p:tav>
+                                      </p:tavLst>
+                                    </p:anim>
+                                    <p:anim calcmode="lin" valueType="num">
+                                      <p:cBhvr>
+                                        <p:cTn id="16" dur="500" decel="50000" fill="hold">
+                                          <p:stCondLst>
+                                            <p:cond delay="0"/>
+                                          </p:stCondLst>
+                                        </p:cTn>
+                                        <p:tgtEl>
+                                          <p:spTgt spid="17"/>
+                                        </p:tgtEl>
+                                        <p:attrNameLst>
+                                          <p:attrName>ppt_w</p:attrName>
+                                        </p:attrNameLst>
+                                      </p:cBhvr>
+                                      <p:tavLst>
+                                        <p:tav tm="0">
+                                          <p:val>
+                                            <p:strVal val="#ppt_w"/>
+                                          </p:val>
+                                        </p:tav>
+                                        <p:tav tm="100000">
+                                          <p:val>
+                                            <p:strVal val="#ppt_w*.05"/>
+                                          </p:val>
+                                        </p:tav>
+                                      </p:tavLst>
+                                    </p:anim>
+                                    <p:anim calcmode="lin" valueType="num">
+                                      <p:cBhvr>
+                                        <p:cTn id="17" dur="500" accel="50000" fill="hold">
+                                          <p:stCondLst>
+                                            <p:cond delay="500"/>
+                                          </p:stCondLst>
+                                        </p:cTn>
+                                        <p:tgtEl>
+                                          <p:spTgt spid="17"/>
+                                        </p:tgtEl>
+                                        <p:attrNameLst>
+                                          <p:attrName>ppt_w</p:attrName>
+                                        </p:attrNameLst>
+                                      </p:cBhvr>
+                                      <p:tavLst>
+                                        <p:tav tm="0">
+                                          <p:val>
+                                            <p:strVal val="#ppt_w*.05"/>
+                                          </p:val>
+                                        </p:tav>
+                                        <p:tav tm="100000">
+                                          <p:val>
+                                            <p:strVal val="#ppt_w"/>
+                                          </p:val>
+                                        </p:tav>
+                                      </p:tavLst>
+                                    </p:anim>
+                                    <p:anim calcmode="lin" valueType="num">
+                                      <p:cBhvr>
+                                        <p:cTn id="18" dur="1000" fill="hold"/>
+                                        <p:tgtEl>
+                                          <p:spTgt spid="17"/>
+                                        </p:tgtEl>
+                                        <p:attrNameLst>
+                                          <p:attrName>ppt_h</p:attrName>
+                                        </p:attrNameLst>
+                                      </p:cBhvr>
+                                      <p:tavLst>
+                                        <p:tav tm="0">
+                                          <p:val>
+                                            <p:strVal val="#ppt_h"/>
+                                          </p:val>
+                                        </p:tav>
+                                        <p:tav tm="100000">
+                                          <p:val>
+                                            <p:strVal val="#ppt_h"/>
+                                          </p:val>
+                                        </p:tav>
+                                      </p:tavLst>
+                                    </p:anim>
+                                    <p:anim calcmode="lin" valueType="num">
+                                      <p:cBhvr>
+                                        <p:cTn id="19" dur="500" decel="50000" fill="hold">
+                                          <p:stCondLst>
+                                            <p:cond delay="0"/>
+                                          </p:stCondLst>
+                                        </p:cTn>
+                                        <p:tgtEl>
+                                          <p:spTgt spid="17"/>
+                                        </p:tgtEl>
+                                        <p:attrNameLst>
+                                          <p:attrName>ppt_x</p:attrName>
+                                        </p:attrNameLst>
+                                      </p:cBhvr>
+                                      <p:tavLst>
+                                        <p:tav tm="0">
+                                          <p:val>
+                                            <p:strVal val="#ppt_x+.4"/>
+                                          </p:val>
+                                        </p:tav>
+                                        <p:tav tm="100000">
+                                          <p:val>
+                                            <p:strVal val="#ppt_x"/>
+                                          </p:val>
+                                        </p:tav>
+                                      </p:tavLst>
+                                    </p:anim>
+                                    <p:anim calcmode="lin" valueType="num">
+                                      <p:cBhvr>
+                                        <p:cTn id="20" dur="500" decel="50000" fill="hold">
+                                          <p:stCondLst>
+                                            <p:cond delay="0"/>
+                                          </p:stCondLst>
+                                        </p:cTn>
+                                        <p:tgtEl>
+                                          <p:spTgt spid="17"/>
+                                        </p:tgtEl>
+                                        <p:attrNameLst>
+                                          <p:attrName>ppt_y</p:attrName>
+                                        </p:attrNameLst>
+                                      </p:cBhvr>
+                                      <p:tavLst>
+                                        <p:tav tm="0">
+                                          <p:val>
+                                            <p:strVal val="#ppt_y-.2"/>
+                                          </p:val>
+                                        </p:tav>
+                                        <p:tav tm="100000">
+                                          <p:val>
+                                            <p:strVal val="#ppt_y+.1"/>
+                                          </p:val>
+                                        </p:tav>
+                                      </p:tavLst>
+                                    </p:anim>
+                                    <p:anim calcmode="lin" valueType="num">
+                                      <p:cBhvr>
+                                        <p:cTn id="21" dur="500" accel="50000" fill="hold">
+                                          <p:stCondLst>
+                                            <p:cond delay="500"/>
+                                          </p:stCondLst>
+                                        </p:cTn>
+                                        <p:tgtEl>
+                                          <p:spTgt spid="17"/>
+                                        </p:tgtEl>
+                                        <p:attrNameLst>
+                                          <p:attrName>ppt_y</p:attrName>
+                                        </p:attrNameLst>
+                                      </p:cBhvr>
+                                      <p:tavLst>
+                                        <p:tav tm="0">
+                                          <p:val>
+                                            <p:strVal val="#ppt_y+.1"/>
+                                          </p:val>
+                                        </p:tav>
+                                        <p:tav tm="100000">
+                                          <p:val>
+                                            <p:strVal val="#ppt_y"/>
+                                          </p:val>
+                                        </p:tav>
+                                      </p:tavLst>
+                                    </p:anim>
+                                    <p:animEffect transition="in" filter="fade">
+                                      <p:cBhvr>
+                                        <p:cTn id="22" dur="1000" decel="50000">
+                                          <p:stCondLst>
+                                            <p:cond delay="0"/>
+                                          </p:stCondLst>
+                                        </p:cTn>
+                                        <p:tgtEl>
+                                          <p:spTgt spid="17"/>
+                                        </p:tgtEl>
+                                      </p:cBhvr>
+                                    </p:animEffect>
+                                  </p:childTnLst>
+                                </p:cTn>
+                              </p:par>
+                            </p:childTnLst>
+                          </p:cTn>
+                        </p:par>
+                      </p:childTnLst>
+                    </p:cTn>
+                  </p:par>
+                </p:childTnLst>
+              </p:cTn>
+              <p:prevCondLst>
+                <p:cond evt="onPrev" delay="0">
+                  <p:tgtEl>
+                    <p:sldTgt/>
+                  </p:tgtEl>
+                </p:cond>
+              </p:prevCondLst>
+              <p:nextCondLst>
+                <p:cond evt="onNext" delay="0">
+                  <p:tgtEl>
+                    <p:sldTgt/>
+                  </p:tgtEl>
+                </p:cond>
+              </p:nextCondLst>
+            </p:seq>
+          </p:childTnLst>
+        </p:cTn>
+      </p:par>
+    </p:tnLst>
+    <p:bldLst>
+      <p:bldP spid="17" grpId="0"/>
+    </p:bldLst>
+  </p:timing>
+</p:sld>
+</file>
+
 <file path=ppt/slides/slide3.xml><?xml version="1.0" encoding="utf-8"?>
 <p:sld xmlns:a="http://schemas.openxmlformats.org/drawingml/2006/main" xmlns:r="http://schemas.openxmlformats.org/officeDocument/2006/relationships" xmlns:p="http://schemas.openxmlformats.org/presentationml/2006/main">
   <p:cSld>
@@ -9068,6 +10154,11 @@
               </a:rPr>
               <a:t>www.1ppt.com/sucai/</a:t>
             </a:r>
+            <a:endParaRPr lang="en-US" altLang="zh-CN" sz="100" dirty="0">
+              <a:solidFill>
+                <a:schemeClr val="bg1"/>
+              </a:solidFill>
+            </a:endParaRPr>
           </a:p>
           <a:p>
             <a:r>
@@ -9110,6 +10201,11 @@
               </a:rPr>
               <a:t>www.1ppt.com/tubiao/      </a:t>
             </a:r>
+            <a:endParaRPr lang="en-US" altLang="zh-CN" sz="100" dirty="0">
+              <a:solidFill>
+                <a:schemeClr val="bg1"/>
+              </a:solidFill>
+            </a:endParaRPr>
           </a:p>
           <a:p>
             <a:r>
@@ -9152,6 +10248,11 @@
               </a:rPr>
               <a:t>www.1ppt.com/powerpoint/      </a:t>
             </a:r>
+            <a:endParaRPr lang="en-US" altLang="zh-CN" sz="100" dirty="0">
+              <a:solidFill>
+                <a:schemeClr val="bg1"/>
+              </a:solidFill>
+            </a:endParaRPr>
           </a:p>
           <a:p>
             <a:r>
@@ -9186,6 +10287,11 @@
               </a:rPr>
               <a:t>www.1ppt.com/fanwen/             </a:t>
             </a:r>
+            <a:endParaRPr lang="en-US" altLang="zh-CN" sz="100" dirty="0">
+              <a:solidFill>
+                <a:schemeClr val="bg1"/>
+              </a:solidFill>
+            </a:endParaRPr>
           </a:p>
           <a:p>
             <a:r>
@@ -9220,6 +10326,11 @@
               </a:rPr>
               <a:t>www.1ppt.com/jiaoan/               </a:t>
             </a:r>
+            <a:endParaRPr lang="en-US" altLang="zh-CN" sz="100" dirty="0">
+              <a:solidFill>
+                <a:schemeClr val="bg1"/>
+              </a:solidFill>
+            </a:endParaRPr>
           </a:p>
           <a:p>
             <a:r>
@@ -9262,6 +10373,11 @@
               </a:rPr>
               <a:t>www.1ppt.com/kejian/ </a:t>
             </a:r>
+            <a:endParaRPr lang="en-US" altLang="zh-CN" sz="100" dirty="0">
+              <a:solidFill>
+                <a:schemeClr val="bg1"/>
+              </a:solidFill>
+            </a:endParaRPr>
           </a:p>
           <a:p>
             <a:r>
@@ -9296,6 +10412,11 @@
               </a:rPr>
               <a:t>www.1ppt.com/kejian/shuxue/ </a:t>
             </a:r>
+            <a:endParaRPr lang="en-US" altLang="zh-CN" sz="100" dirty="0">
+              <a:solidFill>
+                <a:schemeClr val="bg1"/>
+              </a:solidFill>
+            </a:endParaRPr>
           </a:p>
           <a:p>
             <a:r>
@@ -9330,6 +10451,11 @@
               </a:rPr>
               <a:t>www.1ppt.com/kejian/meishu/ </a:t>
             </a:r>
+            <a:endParaRPr lang="en-US" altLang="zh-CN" sz="100" dirty="0">
+              <a:solidFill>
+                <a:schemeClr val="bg1"/>
+              </a:solidFill>
+            </a:endParaRPr>
           </a:p>
           <a:p>
             <a:r>
@@ -9364,6 +10490,11 @@
               </a:rPr>
               <a:t>www.1ppt.com/kejian/wuli/ </a:t>
             </a:r>
+            <a:endParaRPr lang="en-US" altLang="zh-CN" sz="100" dirty="0">
+              <a:solidFill>
+                <a:schemeClr val="bg1"/>
+              </a:solidFill>
+            </a:endParaRPr>
           </a:p>
           <a:p>
             <a:r>
@@ -9398,6 +10529,11 @@
               </a:rPr>
               <a:t>www.1ppt.com/kejian/shengwu/ </a:t>
             </a:r>
+            <a:endParaRPr lang="en-US" altLang="zh-CN" sz="100" dirty="0">
+              <a:solidFill>
+                <a:schemeClr val="bg1"/>
+              </a:solidFill>
+            </a:endParaRPr>
           </a:p>
           <a:p>
             <a:r>
@@ -9432,6 +10568,11 @@
               </a:rPr>
               <a:t>www.1ppt.com/kejian/lishi/        </a:t>
             </a:r>
+            <a:endParaRPr lang="en-US" altLang="zh-CN" sz="100" dirty="0">
+              <a:solidFill>
+                <a:schemeClr val="bg1"/>
+              </a:solidFill>
+            </a:endParaRPr>
           </a:p>
         </p:txBody>
       </p:sp>
@@ -9484,9 +10625,9 @@
                 <a:solidFill>
                   <a:schemeClr val="tx1"/>
                 </a:solidFill>
-                <a:latin typeface="Calibri" pitchFamily="34" charset="0"/>
-                <a:ea typeface="宋体" pitchFamily="2" charset="-122"/>
-                <a:sym typeface="Calibri" pitchFamily="34" charset="0"/>
+                <a:latin typeface="Calibri" panose="020F0502020204030204" pitchFamily="34" charset="0"/>
+                <a:ea typeface="宋体" panose="02010600030101010101" pitchFamily="2" charset="-122"/>
+                <a:sym typeface="Calibri" panose="020F0502020204030204" pitchFamily="34" charset="0"/>
               </a:defRPr>
             </a:lvl1pPr>
             <a:lvl2pPr marL="742950" indent="-285750" eaLnBrk="0" hangingPunct="0">
@@ -9498,9 +10639,9 @@
                 <a:solidFill>
                   <a:schemeClr val="tx1"/>
                 </a:solidFill>
-                <a:latin typeface="Calibri" pitchFamily="34" charset="0"/>
-                <a:ea typeface="宋体" pitchFamily="2" charset="-122"/>
-                <a:sym typeface="Calibri" pitchFamily="34" charset="0"/>
+                <a:latin typeface="Calibri" panose="020F0502020204030204" pitchFamily="34" charset="0"/>
+                <a:ea typeface="宋体" panose="02010600030101010101" pitchFamily="2" charset="-122"/>
+                <a:sym typeface="Calibri" panose="020F0502020204030204" pitchFamily="34" charset="0"/>
               </a:defRPr>
             </a:lvl2pPr>
             <a:lvl3pPr marL="1143000" indent="-228600" eaLnBrk="0" hangingPunct="0">
@@ -9512,9 +10653,9 @@
                 <a:solidFill>
                   <a:schemeClr val="tx1"/>
                 </a:solidFill>
-                <a:latin typeface="Calibri" pitchFamily="34" charset="0"/>
-                <a:ea typeface="宋体" pitchFamily="2" charset="-122"/>
-                <a:sym typeface="Calibri" pitchFamily="34" charset="0"/>
+                <a:latin typeface="Calibri" panose="020F0502020204030204" pitchFamily="34" charset="0"/>
+                <a:ea typeface="宋体" panose="02010600030101010101" pitchFamily="2" charset="-122"/>
+                <a:sym typeface="Calibri" panose="020F0502020204030204" pitchFamily="34" charset="0"/>
               </a:defRPr>
             </a:lvl3pPr>
             <a:lvl4pPr marL="1600200" indent="-228600" eaLnBrk="0" hangingPunct="0">
@@ -9526,9 +10667,9 @@
                 <a:solidFill>
                   <a:schemeClr val="tx1"/>
                 </a:solidFill>
-                <a:latin typeface="Calibri" pitchFamily="34" charset="0"/>
-                <a:ea typeface="宋体" pitchFamily="2" charset="-122"/>
-                <a:sym typeface="Calibri" pitchFamily="34" charset="0"/>
+                <a:latin typeface="Calibri" panose="020F0502020204030204" pitchFamily="34" charset="0"/>
+                <a:ea typeface="宋体" panose="02010600030101010101" pitchFamily="2" charset="-122"/>
+                <a:sym typeface="Calibri" panose="020F0502020204030204" pitchFamily="34" charset="0"/>
               </a:defRPr>
             </a:lvl4pPr>
             <a:lvl5pPr marL="2057400" indent="-228600" eaLnBrk="0" hangingPunct="0">
@@ -9540,9 +10681,9 @@
                 <a:solidFill>
                   <a:schemeClr val="tx1"/>
                 </a:solidFill>
-                <a:latin typeface="Calibri" pitchFamily="34" charset="0"/>
-                <a:ea typeface="宋体" pitchFamily="2" charset="-122"/>
-                <a:sym typeface="Calibri" pitchFamily="34" charset="0"/>
+                <a:latin typeface="Calibri" panose="020F0502020204030204" pitchFamily="34" charset="0"/>
+                <a:ea typeface="宋体" panose="02010600030101010101" pitchFamily="2" charset="-122"/>
+                <a:sym typeface="Calibri" panose="020F0502020204030204" pitchFamily="34" charset="0"/>
               </a:defRPr>
             </a:lvl5pPr>
             <a:lvl6pPr marL="2514600" indent="-228600" eaLnBrk="0" fontAlgn="base" hangingPunct="0">
@@ -9552,15 +10693,15 @@
               <a:spcAft>
                 <a:spcPct val="0"/>
               </a:spcAft>
-              <a:buFont typeface="Arial" pitchFamily="34" charset="0"/>
+              <a:buFont typeface="Arial" panose="020B0604020202020204" pitchFamily="34" charset="0"/>
               <a:buChar char="»"/>
               <a:defRPr sz="2000">
                 <a:solidFill>
                   <a:schemeClr val="tx1"/>
                 </a:solidFill>
-                <a:latin typeface="Calibri" pitchFamily="34" charset="0"/>
-                <a:ea typeface="宋体" pitchFamily="2" charset="-122"/>
-                <a:sym typeface="Calibri" pitchFamily="34" charset="0"/>
+                <a:latin typeface="Calibri" panose="020F0502020204030204" pitchFamily="34" charset="0"/>
+                <a:ea typeface="宋体" panose="02010600030101010101" pitchFamily="2" charset="-122"/>
+                <a:sym typeface="Calibri" panose="020F0502020204030204" pitchFamily="34" charset="0"/>
               </a:defRPr>
             </a:lvl6pPr>
             <a:lvl7pPr marL="2971800" indent="-228600" eaLnBrk="0" fontAlgn="base" hangingPunct="0">
@@ -9570,15 +10711,15 @@
               <a:spcAft>
                 <a:spcPct val="0"/>
               </a:spcAft>
-              <a:buFont typeface="Arial" pitchFamily="34" charset="0"/>
+              <a:buFont typeface="Arial" panose="020B0604020202020204" pitchFamily="34" charset="0"/>
               <a:buChar char="»"/>
               <a:defRPr sz="2000">
                 <a:solidFill>
                   <a:schemeClr val="tx1"/>
                 </a:solidFill>
-                <a:latin typeface="Calibri" pitchFamily="34" charset="0"/>
-                <a:ea typeface="宋体" pitchFamily="2" charset="-122"/>
-                <a:sym typeface="Calibri" pitchFamily="34" charset="0"/>
+                <a:latin typeface="Calibri" panose="020F0502020204030204" pitchFamily="34" charset="0"/>
+                <a:ea typeface="宋体" panose="02010600030101010101" pitchFamily="2" charset="-122"/>
+                <a:sym typeface="Calibri" panose="020F0502020204030204" pitchFamily="34" charset="0"/>
               </a:defRPr>
             </a:lvl7pPr>
             <a:lvl8pPr marL="3429000" indent="-228600" eaLnBrk="0" fontAlgn="base" hangingPunct="0">
@@ -9588,15 +10729,15 @@
               <a:spcAft>
                 <a:spcPct val="0"/>
               </a:spcAft>
-              <a:buFont typeface="Arial" pitchFamily="34" charset="0"/>
+              <a:buFont typeface="Arial" panose="020B0604020202020204" pitchFamily="34" charset="0"/>
               <a:buChar char="»"/>
               <a:defRPr sz="2000">
                 <a:solidFill>
                   <a:schemeClr val="tx1"/>
                 </a:solidFill>
-                <a:latin typeface="Calibri" pitchFamily="34" charset="0"/>
-                <a:ea typeface="宋体" pitchFamily="2" charset="-122"/>
-                <a:sym typeface="Calibri" pitchFamily="34" charset="0"/>
+                <a:latin typeface="Calibri" panose="020F0502020204030204" pitchFamily="34" charset="0"/>
+                <a:ea typeface="宋体" panose="02010600030101010101" pitchFamily="2" charset="-122"/>
+                <a:sym typeface="Calibri" panose="020F0502020204030204" pitchFamily="34" charset="0"/>
               </a:defRPr>
             </a:lvl8pPr>
             <a:lvl9pPr marL="3886200" indent="-228600" eaLnBrk="0" fontAlgn="base" hangingPunct="0">
@@ -9606,15 +10747,15 @@
               <a:spcAft>
                 <a:spcPct val="0"/>
               </a:spcAft>
-              <a:buFont typeface="Arial" pitchFamily="34" charset="0"/>
+              <a:buFont typeface="Arial" panose="020B0604020202020204" pitchFamily="34" charset="0"/>
               <a:buChar char="»"/>
               <a:defRPr sz="2000">
                 <a:solidFill>
                   <a:schemeClr val="tx1"/>
                 </a:solidFill>
-                <a:latin typeface="Calibri" pitchFamily="34" charset="0"/>
-                <a:ea typeface="宋体" pitchFamily="2" charset="-122"/>
-                <a:sym typeface="Calibri" pitchFamily="34" charset="0"/>
+                <a:latin typeface="Calibri" panose="020F0502020204030204" pitchFamily="34" charset="0"/>
+                <a:ea typeface="宋体" panose="02010600030101010101" pitchFamily="2" charset="-122"/>
+                <a:sym typeface="Calibri" panose="020F0502020204030204" pitchFamily="34" charset="0"/>
               </a:defRPr>
             </a:lvl9pPr>
           </a:lstStyle>
@@ -9626,16 +10767,16 @@
               <a:spcAft>
                 <a:spcPct val="0"/>
               </a:spcAft>
-              <a:buFont typeface="Arial" pitchFamily="34" charset="0"/>
+              <a:buFont typeface="Arial" panose="020B0604020202020204" pitchFamily="34" charset="0"/>
               <a:buNone/>
             </a:pPr>
             <a:endParaRPr lang="zh-CN" altLang="en-US" sz="1800">
               <a:solidFill>
                 <a:srgbClr val="FFFFFF"/>
               </a:solidFill>
-              <a:latin typeface="微软雅黑"/>
-              <a:ea typeface="微软雅黑"/>
-              <a:sym typeface="宋体" pitchFamily="2" charset="-122"/>
+              <a:latin typeface="微软雅黑" panose="020B0503020204020204" charset="-122"/>
+              <a:ea typeface="微软雅黑" panose="020B0503020204020204" charset="-122"/>
+              <a:sym typeface="宋体" panose="02010600030101010101" pitchFamily="2" charset="-122"/>
             </a:endParaRPr>
           </a:p>
         </p:txBody>
@@ -9699,7 +10840,7 @@
             <a:p>
               <a:pPr algn="ctr"/>
               <a:endParaRPr lang="zh-CN" altLang="en-US">
-                <a:ea typeface="微软雅黑"/>
+                <a:ea typeface="微软雅黑" panose="020B0503020204020204" charset="-122"/>
               </a:endParaRPr>
             </a:p>
           </p:txBody>
@@ -9738,12 +10879,20 @@
                   <a:solidFill>
                     <a:srgbClr val="FFFFFF"/>
                   </a:solidFill>
-                  <a:latin typeface="微软雅黑"/>
-                  <a:ea typeface="微软雅黑"/>
-                  <a:sym typeface="微软雅黑" pitchFamily="34" charset="-122"/>
+                  <a:latin typeface="微软雅黑" panose="020B0503020204020204" charset="-122"/>
+                  <a:ea typeface="微软雅黑" panose="020B0503020204020204" charset="-122"/>
+                  <a:sym typeface="微软雅黑" panose="020B0503020204020204" charset="-122"/>
                 </a:rPr>
                 <a:t>Contents</a:t>
               </a:r>
+              <a:endParaRPr lang="en-US" altLang="zh-CN" sz="2400" b="1" dirty="0">
+                <a:solidFill>
+                  <a:srgbClr val="FFFFFF"/>
+                </a:solidFill>
+                <a:latin typeface="微软雅黑" panose="020B0503020204020204" charset="-122"/>
+                <a:ea typeface="微软雅黑" panose="020B0503020204020204" charset="-122"/>
+                <a:sym typeface="微软雅黑" panose="020B0503020204020204" charset="-122"/>
+              </a:endParaRPr>
             </a:p>
           </p:txBody>
         </p:sp>
@@ -9792,7 +10941,7 @@
             <a:p>
               <a:pPr algn="ctr"/>
               <a:endParaRPr lang="zh-CN" altLang="en-US">
-                <a:ea typeface="微软雅黑"/>
+                <a:ea typeface="微软雅黑" panose="020B0503020204020204" charset="-122"/>
               </a:endParaRPr>
             </a:p>
           </p:txBody>
@@ -9831,12 +10980,20 @@
                   <a:solidFill>
                     <a:srgbClr val="FFFFFF"/>
                   </a:solidFill>
-                  <a:latin typeface="微软雅黑"/>
-                  <a:ea typeface="微软雅黑"/>
-                  <a:sym typeface="微软雅黑" pitchFamily="34" charset="-122"/>
+                  <a:latin typeface="微软雅黑" panose="020B0503020204020204" charset="-122"/>
+                  <a:ea typeface="微软雅黑" panose="020B0503020204020204" charset="-122"/>
+                  <a:sym typeface="微软雅黑" panose="020B0503020204020204" charset="-122"/>
                 </a:rPr>
                 <a:t>目  录</a:t>
               </a:r>
+              <a:endParaRPr lang="zh-CN" altLang="en-US" sz="4400" b="1" dirty="0">
+                <a:solidFill>
+                  <a:srgbClr val="FFFFFF"/>
+                </a:solidFill>
+                <a:latin typeface="微软雅黑" panose="020B0503020204020204" charset="-122"/>
+                <a:ea typeface="微软雅黑" panose="020B0503020204020204" charset="-122"/>
+                <a:sym typeface="微软雅黑" panose="020B0503020204020204" charset="-122"/>
+              </a:endParaRPr>
             </a:p>
           </p:txBody>
         </p:sp>
@@ -9892,8 +11049,8 @@
                 <a:solidFill>
                   <a:prstClr val="white"/>
                 </a:solidFill>
-                <a:latin typeface="Calibri"/>
-                <a:ea typeface="微软雅黑"/>
+                <a:latin typeface="Calibri" panose="020F0502020204030204"/>
+                <a:ea typeface="微软雅黑" panose="020B0503020204020204" charset="-122"/>
               </a:endParaRPr>
             </a:p>
           </p:txBody>
@@ -10045,8 +11202,8 @@
                   <a:solidFill>
                     <a:prstClr val="white"/>
                   </a:solidFill>
-                  <a:latin typeface="微软雅黑"/>
-                  <a:ea typeface="微软雅黑"/>
+                  <a:latin typeface="微软雅黑" panose="020B0503020204020204" charset="-122"/>
+                  <a:ea typeface="微软雅黑" panose="020B0503020204020204" charset="-122"/>
                 </a:rPr>
                 <a:t>七、</a:t>
               </a:r>
@@ -10055,11 +11212,18 @@
                   <a:solidFill>
                     <a:prstClr val="white"/>
                   </a:solidFill>
-                  <a:latin typeface="微软雅黑"/>
-                  <a:ea typeface="微软雅黑"/>
+                  <a:latin typeface="微软雅黑" panose="020B0503020204020204" charset="-122"/>
+                  <a:ea typeface="微软雅黑" panose="020B0503020204020204" charset="-122"/>
                 </a:rPr>
                 <a:t>chrome extension</a:t>
               </a:r>
+              <a:endParaRPr lang="en-US" altLang="zh-CN" sz="2400" b="1" cap="small" dirty="0">
+                <a:solidFill>
+                  <a:prstClr val="white"/>
+                </a:solidFill>
+                <a:latin typeface="微软雅黑" panose="020B0503020204020204" charset="-122"/>
+                <a:ea typeface="微软雅黑" panose="020B0503020204020204" charset="-122"/>
+              </a:endParaRPr>
             </a:p>
             <a:p>
               <a:pPr algn="l" defTabSz="913765">
@@ -10069,8 +11233,8 @@
                 <a:solidFill>
                   <a:prstClr val="white"/>
                 </a:solidFill>
-                <a:latin typeface="微软雅黑"/>
-                <a:ea typeface="微软雅黑"/>
+                <a:latin typeface="微软雅黑" panose="020B0503020204020204" charset="-122"/>
+                <a:ea typeface="微软雅黑" panose="020B0503020204020204" charset="-122"/>
               </a:endParaRPr>
             </a:p>
           </p:txBody>
@@ -10127,8 +11291,8 @@
                 <a:solidFill>
                   <a:prstClr val="white"/>
                 </a:solidFill>
-                <a:latin typeface="Calibri"/>
-                <a:ea typeface="微软雅黑"/>
+                <a:latin typeface="Calibri" panose="020F0502020204030204"/>
+                <a:ea typeface="微软雅黑" panose="020B0503020204020204" charset="-122"/>
               </a:endParaRPr>
             </a:p>
           </p:txBody>
@@ -10280,11 +11444,18 @@
                   <a:solidFill>
                     <a:prstClr val="white"/>
                   </a:solidFill>
-                  <a:latin typeface="微软雅黑"/>
-                  <a:ea typeface="微软雅黑"/>
+                  <a:latin typeface="微软雅黑" panose="020B0503020204020204" charset="-122"/>
+                  <a:ea typeface="微软雅黑" panose="020B0503020204020204" charset="-122"/>
                 </a:rPr>
                 <a:t>八、桌面应用</a:t>
               </a:r>
+              <a:endParaRPr lang="zh-CN" altLang="en-US" sz="2400" b="1" cap="small" dirty="0">
+                <a:solidFill>
+                  <a:prstClr val="white"/>
+                </a:solidFill>
+                <a:latin typeface="微软雅黑" panose="020B0503020204020204" charset="-122"/>
+                <a:ea typeface="微软雅黑" panose="020B0503020204020204" charset="-122"/>
+              </a:endParaRPr>
             </a:p>
             <a:p>
               <a:pPr lvl="0" algn="ctr">
@@ -10294,8 +11465,8 @@
                 <a:solidFill>
                   <a:prstClr val="white"/>
                 </a:solidFill>
-                <a:latin typeface="微软雅黑"/>
-                <a:ea typeface="微软雅黑"/>
+                <a:latin typeface="微软雅黑" panose="020B0503020204020204" charset="-122"/>
+                <a:ea typeface="微软雅黑" panose="020B0503020204020204" charset="-122"/>
               </a:endParaRPr>
             </a:p>
           </p:txBody>
@@ -10352,8 +11523,8 @@
                 <a:solidFill>
                   <a:prstClr val="white"/>
                 </a:solidFill>
-                <a:latin typeface="Calibri"/>
-                <a:ea typeface="微软雅黑"/>
+                <a:latin typeface="Calibri" panose="020F0502020204030204"/>
+                <a:ea typeface="微软雅黑" panose="020B0503020204020204" charset="-122"/>
               </a:endParaRPr>
             </a:p>
           </p:txBody>
@@ -10505,8 +11676,8 @@
                   <a:solidFill>
                     <a:prstClr val="white"/>
                   </a:solidFill>
-                  <a:latin typeface="微软雅黑"/>
-                  <a:ea typeface="微软雅黑"/>
+                  <a:latin typeface="微软雅黑" panose="020B0503020204020204" charset="-122"/>
+                  <a:ea typeface="微软雅黑" panose="020B0503020204020204" charset="-122"/>
                 </a:rPr>
                 <a:t>九、物联网</a:t>
               </a:r>
@@ -10514,8 +11685,8 @@
                 <a:solidFill>
                   <a:prstClr val="white"/>
                 </a:solidFill>
-                <a:latin typeface="微软雅黑"/>
-                <a:ea typeface="微软雅黑"/>
+                <a:latin typeface="微软雅黑" panose="020B0503020204020204" charset="-122"/>
+                <a:ea typeface="微软雅黑" panose="020B0503020204020204" charset="-122"/>
               </a:endParaRPr>
             </a:p>
             <a:p>
@@ -10526,8 +11697,8 @@
                 <a:solidFill>
                   <a:prstClr val="white"/>
                 </a:solidFill>
-                <a:latin typeface="微软雅黑"/>
-                <a:ea typeface="微软雅黑"/>
+                <a:latin typeface="微软雅黑" panose="020B0503020204020204" charset="-122"/>
+                <a:ea typeface="微软雅黑" panose="020B0503020204020204" charset="-122"/>
               </a:endParaRPr>
             </a:p>
           </p:txBody>
@@ -10584,8 +11755,8 @@
                 <a:solidFill>
                   <a:prstClr val="white"/>
                 </a:solidFill>
-                <a:latin typeface="Calibri"/>
-                <a:ea typeface="微软雅黑"/>
+                <a:latin typeface="Calibri" panose="020F0502020204030204"/>
+                <a:ea typeface="微软雅黑" panose="020B0503020204020204" charset="-122"/>
               </a:endParaRPr>
             </a:p>
           </p:txBody>
@@ -10737,18 +11908,22 @@
                   <a:solidFill>
                     <a:prstClr val="white"/>
                   </a:solidFill>
-                  <a:latin typeface="微软雅黑"/>
-                  <a:ea typeface="微软雅黑"/>
+                  <a:latin typeface="微软雅黑" panose="020B0503020204020204" charset="-122"/>
+                  <a:ea typeface="微软雅黑" panose="020B0503020204020204" charset="-122"/>
                 </a:rPr>
                 <a:t>十、</a:t>
               </a:r>
               <a:r>
                 <a:rPr lang="zh-CN" altLang="en-US" sz="2400" b="1" dirty="0">
-                  <a:latin typeface="微软雅黑" panose="020B0503020204020204" pitchFamily="34" charset="-122"/>
-                  <a:ea typeface="微软雅黑" panose="020B0503020204020204" pitchFamily="34" charset="-122"/>
+                  <a:latin typeface="微软雅黑" panose="020B0503020204020204" charset="-122"/>
+                  <a:ea typeface="微软雅黑" panose="020B0503020204020204" charset="-122"/>
                 </a:rPr>
                 <a:t>二维动画</a:t>
               </a:r>
+              <a:endParaRPr lang="zh-CN" altLang="en-US" sz="2400" b="1" dirty="0">
+                <a:latin typeface="微软雅黑" panose="020B0503020204020204" charset="-122"/>
+                <a:ea typeface="微软雅黑" panose="020B0503020204020204" charset="-122"/>
+              </a:endParaRPr>
             </a:p>
             <a:p>
               <a:pPr lvl="0" algn="ctr">
@@ -10758,8 +11933,8 @@
                 <a:solidFill>
                   <a:prstClr val="white"/>
                 </a:solidFill>
-                <a:latin typeface="微软雅黑"/>
-                <a:ea typeface="微软雅黑"/>
+                <a:latin typeface="微软雅黑" panose="020B0503020204020204" charset="-122"/>
+                <a:ea typeface="微软雅黑" panose="020B0503020204020204" charset="-122"/>
               </a:endParaRPr>
             </a:p>
           </p:txBody>
@@ -10816,8 +11991,8 @@
                 <a:solidFill>
                   <a:prstClr val="white"/>
                 </a:solidFill>
-                <a:latin typeface="Calibri"/>
-                <a:ea typeface="微软雅黑"/>
+                <a:latin typeface="Calibri" panose="020F0502020204030204"/>
+                <a:ea typeface="微软雅黑" panose="020B0503020204020204" charset="-122"/>
               </a:endParaRPr>
             </a:p>
           </p:txBody>
@@ -10969,18 +12144,22 @@
                   <a:solidFill>
                     <a:prstClr val="white"/>
                   </a:solidFill>
-                  <a:latin typeface="微软雅黑"/>
-                  <a:ea typeface="微软雅黑"/>
+                  <a:latin typeface="微软雅黑" panose="020B0503020204020204" charset="-122"/>
+                  <a:ea typeface="微软雅黑" panose="020B0503020204020204" charset="-122"/>
                 </a:rPr>
                 <a:t>十一、</a:t>
               </a:r>
               <a:r>
                 <a:rPr lang="zh-CN" altLang="en-US" sz="2400" b="1" dirty="0">
-                  <a:latin typeface="微软雅黑" panose="020B0503020204020204" pitchFamily="34" charset="-122"/>
-                  <a:ea typeface="微软雅黑" panose="020B0503020204020204" pitchFamily="34" charset="-122"/>
+                  <a:latin typeface="微软雅黑" panose="020B0503020204020204" charset="-122"/>
+                  <a:ea typeface="微软雅黑" panose="020B0503020204020204" charset="-122"/>
                 </a:rPr>
                 <a:t>三维动画</a:t>
               </a:r>
+              <a:endParaRPr lang="zh-CN" altLang="en-US" sz="2400" b="1" dirty="0">
+                <a:latin typeface="微软雅黑" panose="020B0503020204020204" charset="-122"/>
+                <a:ea typeface="微软雅黑" panose="020B0503020204020204" charset="-122"/>
+              </a:endParaRPr>
             </a:p>
             <a:p>
               <a:pPr lvl="0" algn="ctr">
@@ -10990,8 +12169,8 @@
                 <a:solidFill>
                   <a:prstClr val="white"/>
                 </a:solidFill>
-                <a:latin typeface="微软雅黑"/>
-                <a:ea typeface="微软雅黑"/>
+                <a:latin typeface="微软雅黑" panose="020B0503020204020204" charset="-122"/>
+                <a:ea typeface="微软雅黑" panose="020B0503020204020204" charset="-122"/>
               </a:endParaRPr>
             </a:p>
           </p:txBody>
@@ -10999,13 +12178,7 @@
       </p:grpSp>
       <p:grpSp>
         <p:nvGrpSpPr>
-          <p:cNvPr id="26" name="组合 25">
-            <a:extLst>
-              <a:ext uri="{FF2B5EF4-FFF2-40B4-BE49-F238E27FC236}">
-                <a16:creationId xmlns:a16="http://schemas.microsoft.com/office/drawing/2014/main" id="{A3B60158-347C-4980-A288-B1FBBC180928}"/>
-              </a:ext>
-            </a:extLst>
-          </p:cNvPr>
+          <p:cNvPr id="26" name="组合 25"/>
           <p:cNvGrpSpPr/>
           <p:nvPr/>
         </p:nvGrpSpPr>
@@ -11019,13 +12192,7 @@
         </p:grpSpPr>
         <p:sp>
           <p:nvSpPr>
-            <p:cNvPr id="32" name="矩形 31">
-              <a:extLst>
-                <a:ext uri="{FF2B5EF4-FFF2-40B4-BE49-F238E27FC236}">
-                  <a16:creationId xmlns:a16="http://schemas.microsoft.com/office/drawing/2014/main" id="{B1922027-C3FE-4AA2-902F-16F95281585F}"/>
-                </a:ext>
-              </a:extLst>
-            </p:cNvPr>
+            <p:cNvPr id="32" name="矩形 31"/>
             <p:cNvSpPr/>
             <p:nvPr/>
           </p:nvSpPr>
@@ -11060,21 +12227,15 @@
                 <a:solidFill>
                   <a:prstClr val="white"/>
                 </a:solidFill>
-                <a:latin typeface="Calibri"/>
-                <a:ea typeface="微软雅黑"/>
+                <a:latin typeface="Calibri" panose="020F0502020204030204"/>
+                <a:ea typeface="微软雅黑" panose="020B0503020204020204" charset="-122"/>
               </a:endParaRPr>
             </a:p>
           </p:txBody>
         </p:sp>
         <p:sp>
           <p:nvSpPr>
-            <p:cNvPr id="33" name="Copyright Notice">
-              <a:extLst>
-                <a:ext uri="{FF2B5EF4-FFF2-40B4-BE49-F238E27FC236}">
-                  <a16:creationId xmlns:a16="http://schemas.microsoft.com/office/drawing/2014/main" id="{1A9A9681-3D72-4334-824C-2EA1EC7A958D}"/>
-                </a:ext>
-              </a:extLst>
-            </p:cNvPr>
+            <p:cNvPr id="33" name="Copyright Notice"/>
             <p:cNvSpPr/>
             <p:nvPr/>
           </p:nvSpPr>
@@ -11219,14 +12380,14 @@
                   <a:solidFill>
                     <a:prstClr val="white"/>
                   </a:solidFill>
-                  <a:latin typeface="微软雅黑"/>
-                  <a:ea typeface="微软雅黑"/>
+                  <a:latin typeface="微软雅黑" panose="020B0503020204020204" charset="-122"/>
+                  <a:ea typeface="微软雅黑" panose="020B0503020204020204" charset="-122"/>
                 </a:rPr>
                 <a:t>十二、前端工程话</a:t>
               </a:r>
               <a:endParaRPr lang="zh-CN" altLang="en-US" sz="2400" b="1" dirty="0">
-                <a:latin typeface="微软雅黑" panose="020B0503020204020204" pitchFamily="34" charset="-122"/>
-                <a:ea typeface="微软雅黑" panose="020B0503020204020204" pitchFamily="34" charset="-122"/>
+                <a:latin typeface="微软雅黑" panose="020B0503020204020204" charset="-122"/>
+                <a:ea typeface="微软雅黑" panose="020B0503020204020204" charset="-122"/>
               </a:endParaRPr>
             </a:p>
             <a:p>
@@ -11237,19 +12398,14 @@
                 <a:solidFill>
                   <a:prstClr val="white"/>
                 </a:solidFill>
-                <a:latin typeface="微软雅黑"/>
-                <a:ea typeface="微软雅黑"/>
+                <a:latin typeface="微软雅黑" panose="020B0503020204020204" charset="-122"/>
+                <a:ea typeface="微软雅黑" panose="020B0503020204020204" charset="-122"/>
               </a:endParaRPr>
             </a:p>
           </p:txBody>
         </p:sp>
       </p:grpSp>
     </p:spTree>
-    <p:extLst>
-      <p:ext uri="{BB962C8B-B14F-4D97-AF65-F5344CB8AC3E}">
-        <p14:creationId xmlns:p14="http://schemas.microsoft.com/office/powerpoint/2010/main" val="2190896223"/>
-      </p:ext>
-    </p:extLst>
   </p:cSld>
   <p:clrMapOvr>
     <a:masterClrMapping/>
@@ -12012,6 +13168,11 @@
               </a:rPr>
               <a:t>www.1ppt.com/sucai/</a:t>
             </a:r>
+            <a:endParaRPr lang="en-US" altLang="zh-CN" sz="100" dirty="0">
+              <a:solidFill>
+                <a:schemeClr val="bg1"/>
+              </a:solidFill>
+            </a:endParaRPr>
           </a:p>
           <a:p>
             <a:r>
@@ -12054,6 +13215,11 @@
               </a:rPr>
               <a:t>www.1ppt.com/tubiao/      </a:t>
             </a:r>
+            <a:endParaRPr lang="en-US" altLang="zh-CN" sz="100" dirty="0">
+              <a:solidFill>
+                <a:schemeClr val="bg1"/>
+              </a:solidFill>
+            </a:endParaRPr>
           </a:p>
           <a:p>
             <a:r>
@@ -12096,6 +13262,11 @@
               </a:rPr>
               <a:t>www.1ppt.com/powerpoint/      </a:t>
             </a:r>
+            <a:endParaRPr lang="en-US" altLang="zh-CN" sz="100" dirty="0">
+              <a:solidFill>
+                <a:schemeClr val="bg1"/>
+              </a:solidFill>
+            </a:endParaRPr>
           </a:p>
           <a:p>
             <a:r>
@@ -12130,6 +13301,11 @@
               </a:rPr>
               <a:t>www.1ppt.com/fanwen/             </a:t>
             </a:r>
+            <a:endParaRPr lang="en-US" altLang="zh-CN" sz="100" dirty="0">
+              <a:solidFill>
+                <a:schemeClr val="bg1"/>
+              </a:solidFill>
+            </a:endParaRPr>
           </a:p>
           <a:p>
             <a:r>
@@ -12164,6 +13340,11 @@
               </a:rPr>
               <a:t>www.1ppt.com/jiaoan/               </a:t>
             </a:r>
+            <a:endParaRPr lang="en-US" altLang="zh-CN" sz="100" dirty="0">
+              <a:solidFill>
+                <a:schemeClr val="bg1"/>
+              </a:solidFill>
+            </a:endParaRPr>
           </a:p>
           <a:p>
             <a:r>
@@ -12206,6 +13387,11 @@
               </a:rPr>
               <a:t>www.1ppt.com/kejian/ </a:t>
             </a:r>
+            <a:endParaRPr lang="en-US" altLang="zh-CN" sz="100" dirty="0">
+              <a:solidFill>
+                <a:schemeClr val="bg1"/>
+              </a:solidFill>
+            </a:endParaRPr>
           </a:p>
           <a:p>
             <a:r>
@@ -12240,6 +13426,11 @@
               </a:rPr>
               <a:t>www.1ppt.com/kejian/shuxue/ </a:t>
             </a:r>
+            <a:endParaRPr lang="en-US" altLang="zh-CN" sz="100" dirty="0">
+              <a:solidFill>
+                <a:schemeClr val="bg1"/>
+              </a:solidFill>
+            </a:endParaRPr>
           </a:p>
           <a:p>
             <a:r>
@@ -12274,6 +13465,11 @@
               </a:rPr>
               <a:t>www.1ppt.com/kejian/meishu/ </a:t>
             </a:r>
+            <a:endParaRPr lang="en-US" altLang="zh-CN" sz="100" dirty="0">
+              <a:solidFill>
+                <a:schemeClr val="bg1"/>
+              </a:solidFill>
+            </a:endParaRPr>
           </a:p>
           <a:p>
             <a:r>
@@ -12308,6 +13504,11 @@
               </a:rPr>
               <a:t>www.1ppt.com/kejian/wuli/ </a:t>
             </a:r>
+            <a:endParaRPr lang="en-US" altLang="zh-CN" sz="100" dirty="0">
+              <a:solidFill>
+                <a:schemeClr val="bg1"/>
+              </a:solidFill>
+            </a:endParaRPr>
           </a:p>
           <a:p>
             <a:r>
@@ -12342,6 +13543,11 @@
               </a:rPr>
               <a:t>www.1ppt.com/kejian/shengwu/ </a:t>
             </a:r>
+            <a:endParaRPr lang="en-US" altLang="zh-CN" sz="100" dirty="0">
+              <a:solidFill>
+                <a:schemeClr val="bg1"/>
+              </a:solidFill>
+            </a:endParaRPr>
           </a:p>
           <a:p>
             <a:r>
@@ -12376,6 +13582,11 @@
               </a:rPr>
               <a:t>www.1ppt.com/kejian/lishi/        </a:t>
             </a:r>
+            <a:endParaRPr lang="en-US" altLang="zh-CN" sz="100" dirty="0">
+              <a:solidFill>
+                <a:schemeClr val="bg1"/>
+              </a:solidFill>
+            </a:endParaRPr>
           </a:p>
         </p:txBody>
       </p:sp>
@@ -12428,9 +13639,9 @@
                 <a:solidFill>
                   <a:schemeClr val="tx1"/>
                 </a:solidFill>
-                <a:latin typeface="Calibri" pitchFamily="34" charset="0"/>
-                <a:ea typeface="宋体" pitchFamily="2" charset="-122"/>
-                <a:sym typeface="Calibri" pitchFamily="34" charset="0"/>
+                <a:latin typeface="Calibri" panose="020F0502020204030204" pitchFamily="34" charset="0"/>
+                <a:ea typeface="宋体" panose="02010600030101010101" pitchFamily="2" charset="-122"/>
+                <a:sym typeface="Calibri" panose="020F0502020204030204" pitchFamily="34" charset="0"/>
               </a:defRPr>
             </a:lvl1pPr>
             <a:lvl2pPr marL="742950" indent="-285750" eaLnBrk="0" hangingPunct="0">
@@ -12442,9 +13653,9 @@
                 <a:solidFill>
                   <a:schemeClr val="tx1"/>
                 </a:solidFill>
-                <a:latin typeface="Calibri" pitchFamily="34" charset="0"/>
-                <a:ea typeface="宋体" pitchFamily="2" charset="-122"/>
-                <a:sym typeface="Calibri" pitchFamily="34" charset="0"/>
+                <a:latin typeface="Calibri" panose="020F0502020204030204" pitchFamily="34" charset="0"/>
+                <a:ea typeface="宋体" panose="02010600030101010101" pitchFamily="2" charset="-122"/>
+                <a:sym typeface="Calibri" panose="020F0502020204030204" pitchFamily="34" charset="0"/>
               </a:defRPr>
             </a:lvl2pPr>
             <a:lvl3pPr marL="1143000" indent="-228600" eaLnBrk="0" hangingPunct="0">
@@ -12456,9 +13667,9 @@
                 <a:solidFill>
                   <a:schemeClr val="tx1"/>
                 </a:solidFill>
-                <a:latin typeface="Calibri" pitchFamily="34" charset="0"/>
-                <a:ea typeface="宋体" pitchFamily="2" charset="-122"/>
-                <a:sym typeface="Calibri" pitchFamily="34" charset="0"/>
+                <a:latin typeface="Calibri" panose="020F0502020204030204" pitchFamily="34" charset="0"/>
+                <a:ea typeface="宋体" panose="02010600030101010101" pitchFamily="2" charset="-122"/>
+                <a:sym typeface="Calibri" panose="020F0502020204030204" pitchFamily="34" charset="0"/>
               </a:defRPr>
             </a:lvl3pPr>
             <a:lvl4pPr marL="1600200" indent="-228600" eaLnBrk="0" hangingPunct="0">
@@ -12470,9 +13681,9 @@
                 <a:solidFill>
                   <a:schemeClr val="tx1"/>
                 </a:solidFill>
-                <a:latin typeface="Calibri" pitchFamily="34" charset="0"/>
-                <a:ea typeface="宋体" pitchFamily="2" charset="-122"/>
-                <a:sym typeface="Calibri" pitchFamily="34" charset="0"/>
+                <a:latin typeface="Calibri" panose="020F0502020204030204" pitchFamily="34" charset="0"/>
+                <a:ea typeface="宋体" panose="02010600030101010101" pitchFamily="2" charset="-122"/>
+                <a:sym typeface="Calibri" panose="020F0502020204030204" pitchFamily="34" charset="0"/>
               </a:defRPr>
             </a:lvl4pPr>
             <a:lvl5pPr marL="2057400" indent="-228600" eaLnBrk="0" hangingPunct="0">
@@ -12484,9 +13695,9 @@
                 <a:solidFill>
                   <a:schemeClr val="tx1"/>
                 </a:solidFill>
-                <a:latin typeface="Calibri" pitchFamily="34" charset="0"/>
-                <a:ea typeface="宋体" pitchFamily="2" charset="-122"/>
-                <a:sym typeface="Calibri" pitchFamily="34" charset="0"/>
+                <a:latin typeface="Calibri" panose="020F0502020204030204" pitchFamily="34" charset="0"/>
+                <a:ea typeface="宋体" panose="02010600030101010101" pitchFamily="2" charset="-122"/>
+                <a:sym typeface="Calibri" panose="020F0502020204030204" pitchFamily="34" charset="0"/>
               </a:defRPr>
             </a:lvl5pPr>
             <a:lvl6pPr marL="2514600" indent="-228600" eaLnBrk="0" fontAlgn="base" hangingPunct="0">
@@ -12496,15 +13707,15 @@
               <a:spcAft>
                 <a:spcPct val="0"/>
               </a:spcAft>
-              <a:buFont typeface="Arial" pitchFamily="34" charset="0"/>
+              <a:buFont typeface="Arial" panose="020B0604020202020204" pitchFamily="34" charset="0"/>
               <a:buChar char="»"/>
               <a:defRPr sz="2000">
                 <a:solidFill>
                   <a:schemeClr val="tx1"/>
                 </a:solidFill>
-                <a:latin typeface="Calibri" pitchFamily="34" charset="0"/>
-                <a:ea typeface="宋体" pitchFamily="2" charset="-122"/>
-                <a:sym typeface="Calibri" pitchFamily="34" charset="0"/>
+                <a:latin typeface="Calibri" panose="020F0502020204030204" pitchFamily="34" charset="0"/>
+                <a:ea typeface="宋体" panose="02010600030101010101" pitchFamily="2" charset="-122"/>
+                <a:sym typeface="Calibri" panose="020F0502020204030204" pitchFamily="34" charset="0"/>
               </a:defRPr>
             </a:lvl6pPr>
             <a:lvl7pPr marL="2971800" indent="-228600" eaLnBrk="0" fontAlgn="base" hangingPunct="0">
@@ -12514,15 +13725,15 @@
               <a:spcAft>
                 <a:spcPct val="0"/>
               </a:spcAft>
-              <a:buFont typeface="Arial" pitchFamily="34" charset="0"/>
+              <a:buFont typeface="Arial" panose="020B0604020202020204" pitchFamily="34" charset="0"/>
               <a:buChar char="»"/>
               <a:defRPr sz="2000">
                 <a:solidFill>
                   <a:schemeClr val="tx1"/>
                 </a:solidFill>
-                <a:latin typeface="Calibri" pitchFamily="34" charset="0"/>
-                <a:ea typeface="宋体" pitchFamily="2" charset="-122"/>
-                <a:sym typeface="Calibri" pitchFamily="34" charset="0"/>
+                <a:latin typeface="Calibri" panose="020F0502020204030204" pitchFamily="34" charset="0"/>
+                <a:ea typeface="宋体" panose="02010600030101010101" pitchFamily="2" charset="-122"/>
+                <a:sym typeface="Calibri" panose="020F0502020204030204" pitchFamily="34" charset="0"/>
               </a:defRPr>
             </a:lvl7pPr>
             <a:lvl8pPr marL="3429000" indent="-228600" eaLnBrk="0" fontAlgn="base" hangingPunct="0">
@@ -12532,15 +13743,15 @@
               <a:spcAft>
                 <a:spcPct val="0"/>
               </a:spcAft>
-              <a:buFont typeface="Arial" pitchFamily="34" charset="0"/>
+              <a:buFont typeface="Arial" panose="020B0604020202020204" pitchFamily="34" charset="0"/>
               <a:buChar char="»"/>
               <a:defRPr sz="2000">
                 <a:solidFill>
                   <a:schemeClr val="tx1"/>
                 </a:solidFill>
-                <a:latin typeface="Calibri" pitchFamily="34" charset="0"/>
-                <a:ea typeface="宋体" pitchFamily="2" charset="-122"/>
-                <a:sym typeface="Calibri" pitchFamily="34" charset="0"/>
+                <a:latin typeface="Calibri" panose="020F0502020204030204" pitchFamily="34" charset="0"/>
+                <a:ea typeface="宋体" panose="02010600030101010101" pitchFamily="2" charset="-122"/>
+                <a:sym typeface="Calibri" panose="020F0502020204030204" pitchFamily="34" charset="0"/>
               </a:defRPr>
             </a:lvl8pPr>
             <a:lvl9pPr marL="3886200" indent="-228600" eaLnBrk="0" fontAlgn="base" hangingPunct="0">
@@ -12550,15 +13761,15 @@
               <a:spcAft>
                 <a:spcPct val="0"/>
               </a:spcAft>
-              <a:buFont typeface="Arial" pitchFamily="34" charset="0"/>
+              <a:buFont typeface="Arial" panose="020B0604020202020204" pitchFamily="34" charset="0"/>
               <a:buChar char="»"/>
               <a:defRPr sz="2000">
                 <a:solidFill>
                   <a:schemeClr val="tx1"/>
                 </a:solidFill>
-                <a:latin typeface="Calibri" pitchFamily="34" charset="0"/>
-                <a:ea typeface="宋体" pitchFamily="2" charset="-122"/>
-                <a:sym typeface="Calibri" pitchFamily="34" charset="0"/>
+                <a:latin typeface="Calibri" panose="020F0502020204030204" pitchFamily="34" charset="0"/>
+                <a:ea typeface="宋体" panose="02010600030101010101" pitchFamily="2" charset="-122"/>
+                <a:sym typeface="Calibri" panose="020F0502020204030204" pitchFamily="34" charset="0"/>
               </a:defRPr>
             </a:lvl9pPr>
           </a:lstStyle>
@@ -12570,16 +13781,16 @@
               <a:spcAft>
                 <a:spcPct val="0"/>
               </a:spcAft>
-              <a:buFont typeface="Arial" pitchFamily="34" charset="0"/>
+              <a:buFont typeface="Arial" panose="020B0604020202020204" pitchFamily="34" charset="0"/>
               <a:buNone/>
             </a:pPr>
             <a:endParaRPr lang="zh-CN" altLang="en-US" sz="1800">
               <a:solidFill>
                 <a:srgbClr val="FFFFFF"/>
               </a:solidFill>
-              <a:latin typeface="微软雅黑"/>
-              <a:ea typeface="微软雅黑"/>
-              <a:sym typeface="宋体" pitchFamily="2" charset="-122"/>
+              <a:latin typeface="微软雅黑" panose="020B0503020204020204" charset="-122"/>
+              <a:ea typeface="微软雅黑" panose="020B0503020204020204" charset="-122"/>
+              <a:sym typeface="宋体" panose="02010600030101010101" pitchFamily="2" charset="-122"/>
             </a:endParaRPr>
           </a:p>
         </p:txBody>
@@ -12643,7 +13854,7 @@
             <a:p>
               <a:pPr algn="ctr"/>
               <a:endParaRPr lang="zh-CN" altLang="en-US">
-                <a:ea typeface="微软雅黑"/>
+                <a:ea typeface="微软雅黑" panose="020B0503020204020204" charset="-122"/>
               </a:endParaRPr>
             </a:p>
           </p:txBody>
@@ -12682,12 +13893,20 @@
                   <a:solidFill>
                     <a:srgbClr val="FFFFFF"/>
                   </a:solidFill>
-                  <a:latin typeface="微软雅黑"/>
-                  <a:ea typeface="微软雅黑"/>
-                  <a:sym typeface="微软雅黑" pitchFamily="34" charset="-122"/>
+                  <a:latin typeface="微软雅黑" panose="020B0503020204020204" charset="-122"/>
+                  <a:ea typeface="微软雅黑" panose="020B0503020204020204" charset="-122"/>
+                  <a:sym typeface="微软雅黑" panose="020B0503020204020204" charset="-122"/>
                 </a:rPr>
                 <a:t>Contents</a:t>
               </a:r>
+              <a:endParaRPr lang="en-US" altLang="zh-CN" sz="2400" b="1" dirty="0">
+                <a:solidFill>
+                  <a:srgbClr val="FFFFFF"/>
+                </a:solidFill>
+                <a:latin typeface="微软雅黑" panose="020B0503020204020204" charset="-122"/>
+                <a:ea typeface="微软雅黑" panose="020B0503020204020204" charset="-122"/>
+                <a:sym typeface="微软雅黑" panose="020B0503020204020204" charset="-122"/>
+              </a:endParaRPr>
             </a:p>
           </p:txBody>
         </p:sp>
@@ -12736,7 +13955,7 @@
             <a:p>
               <a:pPr algn="ctr"/>
               <a:endParaRPr lang="zh-CN" altLang="en-US">
-                <a:ea typeface="微软雅黑"/>
+                <a:ea typeface="微软雅黑" panose="020B0503020204020204" charset="-122"/>
               </a:endParaRPr>
             </a:p>
           </p:txBody>
@@ -12775,12 +13994,20 @@
                   <a:solidFill>
                     <a:srgbClr val="FFFFFF"/>
                   </a:solidFill>
-                  <a:latin typeface="微软雅黑"/>
-                  <a:ea typeface="微软雅黑"/>
-                  <a:sym typeface="微软雅黑" pitchFamily="34" charset="-122"/>
+                  <a:latin typeface="微软雅黑" panose="020B0503020204020204" charset="-122"/>
+                  <a:ea typeface="微软雅黑" panose="020B0503020204020204" charset="-122"/>
+                  <a:sym typeface="微软雅黑" panose="020B0503020204020204" charset="-122"/>
                 </a:rPr>
                 <a:t>目  录</a:t>
               </a:r>
+              <a:endParaRPr lang="zh-CN" altLang="en-US" sz="4400" b="1" dirty="0">
+                <a:solidFill>
+                  <a:srgbClr val="FFFFFF"/>
+                </a:solidFill>
+                <a:latin typeface="微软雅黑" panose="020B0503020204020204" charset="-122"/>
+                <a:ea typeface="微软雅黑" panose="020B0503020204020204" charset="-122"/>
+                <a:sym typeface="微软雅黑" panose="020B0503020204020204" charset="-122"/>
+              </a:endParaRPr>
             </a:p>
           </p:txBody>
         </p:sp>
@@ -12836,8 +14063,8 @@
                 <a:solidFill>
                   <a:prstClr val="white"/>
                 </a:solidFill>
-                <a:latin typeface="Calibri"/>
-                <a:ea typeface="微软雅黑"/>
+                <a:latin typeface="Calibri" panose="020F0502020204030204"/>
+                <a:ea typeface="微软雅黑" panose="020B0503020204020204" charset="-122"/>
               </a:endParaRPr>
             </a:p>
           </p:txBody>
@@ -12989,8 +14216,8 @@
                   <a:solidFill>
                     <a:prstClr val="white"/>
                   </a:solidFill>
-                  <a:latin typeface="微软雅黑"/>
-                  <a:ea typeface="微软雅黑"/>
+                  <a:latin typeface="微软雅黑" panose="020B0503020204020204" charset="-122"/>
+                  <a:ea typeface="微软雅黑" panose="020B0503020204020204" charset="-122"/>
                 </a:rPr>
                 <a:t>十三、操作系统</a:t>
               </a:r>
@@ -12998,8 +14225,8 @@
                 <a:solidFill>
                   <a:prstClr val="white"/>
                 </a:solidFill>
-                <a:latin typeface="微软雅黑"/>
-                <a:ea typeface="微软雅黑"/>
+                <a:latin typeface="微软雅黑" panose="020B0503020204020204" charset="-122"/>
+                <a:ea typeface="微软雅黑" panose="020B0503020204020204" charset="-122"/>
               </a:endParaRPr>
             </a:p>
             <a:p>
@@ -13010,8 +14237,8 @@
                 <a:solidFill>
                   <a:prstClr val="white"/>
                 </a:solidFill>
-                <a:latin typeface="微软雅黑"/>
-                <a:ea typeface="微软雅黑"/>
+                <a:latin typeface="微软雅黑" panose="020B0503020204020204" charset="-122"/>
+                <a:ea typeface="微软雅黑" panose="020B0503020204020204" charset="-122"/>
               </a:endParaRPr>
             </a:p>
           </p:txBody>
@@ -13068,8 +14295,8 @@
                 <a:solidFill>
                   <a:prstClr val="white"/>
                 </a:solidFill>
-                <a:latin typeface="Calibri"/>
-                <a:ea typeface="微软雅黑"/>
+                <a:latin typeface="Calibri" panose="020F0502020204030204"/>
+                <a:ea typeface="微软雅黑" panose="020B0503020204020204" charset="-122"/>
               </a:endParaRPr>
             </a:p>
           </p:txBody>
@@ -13221,11 +14448,18 @@
                   <a:solidFill>
                     <a:prstClr val="white"/>
                   </a:solidFill>
-                  <a:latin typeface="微软雅黑"/>
-                  <a:ea typeface="微软雅黑"/>
+                  <a:latin typeface="微软雅黑" panose="020B0503020204020204" charset="-122"/>
+                  <a:ea typeface="微软雅黑" panose="020B0503020204020204" charset="-122"/>
                 </a:rPr>
                 <a:t>十四、结语</a:t>
               </a:r>
+              <a:endParaRPr lang="zh-CN" altLang="en-US" sz="2400" b="1" cap="small" dirty="0">
+                <a:solidFill>
+                  <a:prstClr val="white"/>
+                </a:solidFill>
+                <a:latin typeface="微软雅黑" panose="020B0503020204020204" charset="-122"/>
+                <a:ea typeface="微软雅黑" panose="020B0503020204020204" charset="-122"/>
+              </a:endParaRPr>
             </a:p>
             <a:p>
               <a:pPr lvl="0" algn="ctr">
@@ -13235,19 +14469,14 @@
                 <a:solidFill>
                   <a:prstClr val="white"/>
                 </a:solidFill>
-                <a:latin typeface="微软雅黑"/>
-                <a:ea typeface="微软雅黑"/>
+                <a:latin typeface="微软雅黑" panose="020B0503020204020204" charset="-122"/>
+                <a:ea typeface="微软雅黑" panose="020B0503020204020204" charset="-122"/>
               </a:endParaRPr>
             </a:p>
           </p:txBody>
         </p:sp>
       </p:grpSp>
     </p:spTree>
-    <p:extLst>
-      <p:ext uri="{BB962C8B-B14F-4D97-AF65-F5344CB8AC3E}">
-        <p14:creationId xmlns:p14="http://schemas.microsoft.com/office/powerpoint/2010/main" val="219729484"/>
-      </p:ext>
-    </p:extLst>
   </p:cSld>
   <p:clrMapOvr>
     <a:masterClrMapping/>
@@ -13655,8 +14884,8 @@
                 <a:solidFill>
                   <a:schemeClr val="bg1"/>
                 </a:solidFill>
-                <a:latin typeface="微软雅黑"/>
-                <a:ea typeface="微软雅黑"/>
+                <a:latin typeface="微软雅黑" panose="020B0503020204020204" charset="-122"/>
+                <a:ea typeface="微软雅黑" panose="020B0503020204020204" charset="-122"/>
               </a:rPr>
               <a:t>1</a:t>
             </a:r>
@@ -13664,8 +14893,8 @@
               <a:solidFill>
                 <a:schemeClr val="bg1"/>
               </a:solidFill>
-              <a:latin typeface="微软雅黑"/>
-              <a:ea typeface="微软雅黑"/>
+              <a:latin typeface="微软雅黑" panose="020B0503020204020204" charset="-122"/>
+              <a:ea typeface="微软雅黑" panose="020B0503020204020204" charset="-122"/>
             </a:endParaRPr>
           </a:p>
         </p:txBody>
@@ -13710,8 +14939,8 @@
                 <a:solidFill>
                   <a:srgbClr val="F59F14"/>
                 </a:solidFill>
-                <a:latin typeface="微软雅黑"/>
-                <a:ea typeface="微软雅黑"/>
+                <a:latin typeface="微软雅黑" panose="020B0503020204020204" charset="-122"/>
+                <a:ea typeface="微软雅黑" panose="020B0503020204020204" charset="-122"/>
               </a:rPr>
               <a:t>简介</a:t>
             </a:r>
@@ -13719,8 +14948,8 @@
               <a:solidFill>
                 <a:srgbClr val="F59F14"/>
               </a:solidFill>
-              <a:latin typeface="微软雅黑"/>
-              <a:ea typeface="微软雅黑"/>
+              <a:latin typeface="微软雅黑" panose="020B0503020204020204" charset="-122"/>
+              <a:ea typeface="微软雅黑" panose="020B0503020204020204" charset="-122"/>
             </a:endParaRPr>
           </a:p>
         </p:txBody>
@@ -13768,7 +14997,7 @@
               <a:spcAft>
                 <a:spcPct val="0"/>
               </a:spcAft>
-              <a:buFont typeface="Arial" pitchFamily="34" charset="0"/>
+              <a:buFont typeface="Arial" panose="020B0604020202020204" pitchFamily="34" charset="0"/>
               <a:buNone/>
               <a:defRPr/>
             </a:pPr>
@@ -13776,7 +15005,7 @@
               <a:solidFill>
                 <a:srgbClr val="000000"/>
               </a:solidFill>
-              <a:latin typeface="Arial" pitchFamily="34" charset="0"/>
+              <a:latin typeface="Arial" panose="020B0604020202020204" pitchFamily="34" charset="0"/>
             </a:endParaRPr>
           </a:p>
         </p:txBody>
@@ -13824,7 +15053,7 @@
               <a:spcAft>
                 <a:spcPct val="0"/>
               </a:spcAft>
-              <a:buFont typeface="Arial" pitchFamily="34" charset="0"/>
+              <a:buFont typeface="Arial" panose="020B0604020202020204" pitchFamily="34" charset="0"/>
               <a:buNone/>
               <a:defRPr/>
             </a:pPr>
@@ -13832,7 +15061,7 @@
               <a:solidFill>
                 <a:srgbClr val="000000"/>
               </a:solidFill>
-              <a:latin typeface="Arial" pitchFamily="34" charset="0"/>
+              <a:latin typeface="Arial" panose="020B0604020202020204" pitchFamily="34" charset="0"/>
             </a:endParaRPr>
           </a:p>
         </p:txBody>
@@ -14216,11 +15445,18 @@
                 <a:solidFill>
                   <a:schemeClr val="bg1"/>
                 </a:solidFill>
-                <a:latin typeface="微软雅黑" charset="0"/>
-                <a:ea typeface="微软雅黑" charset="0"/>
+                <a:latin typeface="微软雅黑" panose="020B0503020204020204" charset="-122"/>
+                <a:ea typeface="微软雅黑" panose="020B0503020204020204" charset="-122"/>
               </a:rPr>
               <a:t>前端：</a:t>
             </a:r>
+            <a:endParaRPr lang="zh-CN" altLang="en-US" sz="2400" b="1" dirty="0">
+              <a:solidFill>
+                <a:schemeClr val="bg1"/>
+              </a:solidFill>
+              <a:latin typeface="微软雅黑" panose="020B0503020204020204" charset="-122"/>
+              <a:ea typeface="微软雅黑" panose="020B0503020204020204" charset="-122"/>
+            </a:endParaRPr>
           </a:p>
         </p:txBody>
       </p:sp>
@@ -14334,14 +15570,19 @@
               </a:rPr>
               <a:t>端、移动端网页，处理视觉和交互问题。</a:t>
             </a:r>
+            <a:endParaRPr lang="zh-CN" altLang="en-US" dirty="0">
+              <a:solidFill>
+                <a:schemeClr val="bg1"/>
+              </a:solidFill>
+            </a:endParaRPr>
           </a:p>
           <a:p>
             <a:endParaRPr lang="zh-CN" altLang="en-US" sz="1600" b="1" dirty="0">
               <a:solidFill>
                 <a:schemeClr val="bg1"/>
               </a:solidFill>
-              <a:latin typeface="楷体" charset="0"/>
-              <a:ea typeface="楷体" charset="0"/>
+              <a:latin typeface="楷体" panose="02010609060101010101" charset="-122"/>
+              <a:ea typeface="楷体" panose="02010609060101010101" charset="-122"/>
               <a:sym typeface="+mn-ea"/>
             </a:endParaRPr>
           </a:p>
@@ -14349,13 +15590,7 @@
       </p:sp>
       <p:sp>
         <p:nvSpPr>
-          <p:cNvPr id="7" name="文本框 6">
-            <a:extLst>
-              <a:ext uri="{FF2B5EF4-FFF2-40B4-BE49-F238E27FC236}">
-                <a16:creationId xmlns:a16="http://schemas.microsoft.com/office/drawing/2014/main" id="{700F960A-6E55-419B-B58E-760E8E08CB58}"/>
-              </a:ext>
-            </a:extLst>
-          </p:cNvPr>
+          <p:cNvPr id="7" name="文本框 6"/>
           <p:cNvSpPr txBox="1"/>
           <p:nvPr/>
         </p:nvSpPr>
@@ -14383,6 +15618,11 @@
               </a:rPr>
               <a:t>从广义上来讲，所有用户终端产品与视觉和交互有关的部分，都是前端工程师的专业领域。</a:t>
             </a:r>
+            <a:endParaRPr lang="zh-CN" altLang="en-US" dirty="0">
+              <a:solidFill>
+                <a:schemeClr val="bg1"/>
+              </a:solidFill>
+            </a:endParaRPr>
           </a:p>
           <a:p>
             <a:endParaRPr lang="zh-CN" altLang="en-US" dirty="0">
@@ -14397,8 +15637,8 @@
               <a:solidFill>
                 <a:schemeClr val="bg1"/>
               </a:solidFill>
-              <a:latin typeface="楷体" charset="0"/>
-              <a:ea typeface="楷体" charset="0"/>
+              <a:latin typeface="楷体" panose="02010609060101010101" charset="-122"/>
+              <a:ea typeface="楷体" panose="02010609060101010101" charset="-122"/>
               <a:sym typeface="+mn-ea"/>
             </a:endParaRPr>
           </a:p>
@@ -14487,14 +15727,20 @@
               </a:rPr>
               <a:t>前后端分离</a:t>
             </a:r>
+            <a:endParaRPr lang="zh-CN" altLang="en-US" sz="2400" b="1" dirty="0">
+              <a:solidFill>
+                <a:schemeClr val="bg1"/>
+              </a:solidFill>
+              <a:latin typeface="+mn-ea"/>
+            </a:endParaRPr>
           </a:p>
           <a:p>
             <a:endParaRPr lang="zh-CN" altLang="en-US" sz="1600" b="1" dirty="0">
               <a:solidFill>
                 <a:schemeClr val="bg1"/>
               </a:solidFill>
-              <a:latin typeface="楷体" charset="0"/>
-              <a:ea typeface="楷体" charset="0"/>
+              <a:latin typeface="楷体" panose="02010609060101010101" charset="-122"/>
+              <a:ea typeface="楷体" panose="02010609060101010101" charset="-122"/>
               <a:sym typeface="+mn-ea"/>
             </a:endParaRPr>
           </a:p>
@@ -14502,13 +15748,7 @@
       </p:sp>
       <p:sp>
         <p:nvSpPr>
-          <p:cNvPr id="9" name="文本框 8">
-            <a:extLst>
-              <a:ext uri="{FF2B5EF4-FFF2-40B4-BE49-F238E27FC236}">
-                <a16:creationId xmlns:a16="http://schemas.microsoft.com/office/drawing/2014/main" id="{E3D1B07A-5C9D-48FA-8093-5E837F027DB7}"/>
-              </a:ext>
-            </a:extLst>
-          </p:cNvPr>
+          <p:cNvPr id="9" name="文本框 8"/>
           <p:cNvSpPr txBox="1"/>
           <p:nvPr/>
         </p:nvSpPr>
@@ -14552,6 +15792,11 @@
               </a:rPr>
               <a:t>时代那种画画页面就完事了。这部分体现的是前端的要求更高，责任越大了。</a:t>
             </a:r>
+            <a:endParaRPr lang="zh-CN" altLang="en-US" dirty="0">
+              <a:solidFill>
+                <a:schemeClr val="bg1"/>
+              </a:solidFill>
+            </a:endParaRPr>
           </a:p>
           <a:p>
             <a:endParaRPr lang="zh-CN" altLang="en-US" dirty="0">
@@ -14566,8 +15811,8 @@
               <a:solidFill>
                 <a:schemeClr val="bg1"/>
               </a:solidFill>
-              <a:latin typeface="楷体" charset="0"/>
-              <a:ea typeface="楷体" charset="0"/>
+              <a:latin typeface="楷体" panose="02010609060101010101" charset="-122"/>
+              <a:ea typeface="楷体" panose="02010609060101010101" charset="-122"/>
               <a:sym typeface="+mn-ea"/>
             </a:endParaRPr>
           </a:p>
@@ -14575,20 +15820,14 @@
       </p:sp>
       <p:pic>
         <p:nvPicPr>
-          <p:cNvPr id="5" name="图片 4">
-            <a:extLst>
-              <a:ext uri="{FF2B5EF4-FFF2-40B4-BE49-F238E27FC236}">
-                <a16:creationId xmlns:a16="http://schemas.microsoft.com/office/drawing/2014/main" id="{05205194-68AA-4367-BDD3-55D31C83732B}"/>
-              </a:ext>
-            </a:extLst>
-          </p:cNvPr>
+          <p:cNvPr id="5" name="图片 4"/>
           <p:cNvPicPr>
             <a:picLocks noChangeAspect="1"/>
           </p:cNvPicPr>
           <p:nvPr/>
         </p:nvPicPr>
         <p:blipFill>
-          <a:blip r:embed="rId2">
+          <a:blip r:embed="rId1">
             <a:extLst>
               <a:ext uri="{28A0092B-C50C-407E-A947-70E740481C1C}">
                 <a14:useLocalDpi xmlns:a14="http://schemas.microsoft.com/office/drawing/2010/main" val="0"/>
@@ -14610,11 +15849,6 @@
         </p:spPr>
       </p:pic>
     </p:spTree>
-    <p:extLst>
-      <p:ext uri="{BB962C8B-B14F-4D97-AF65-F5344CB8AC3E}">
-        <p14:creationId xmlns:p14="http://schemas.microsoft.com/office/powerpoint/2010/main" val="4088030591"/>
-      </p:ext>
-    </p:extLst>
   </p:cSld>
   <p:clrMapOvr>
     <a:masterClrMapping/>
@@ -14706,8 +15940,6 @@
               </a:rPr>
               <a:t>全栈</a:t>
             </a:r>
-          </a:p>
-          <a:p>
             <a:endParaRPr lang="zh-CN" altLang="en-US" sz="2400" dirty="0">
               <a:solidFill>
                 <a:schemeClr val="bg1"/>
@@ -14716,6 +15948,14 @@
             </a:endParaRPr>
           </a:p>
           <a:p>
+            <a:endParaRPr lang="zh-CN" altLang="en-US" sz="2400" dirty="0">
+              <a:solidFill>
+                <a:schemeClr val="bg1"/>
+              </a:solidFill>
+              <a:latin typeface="+mn-ea"/>
+            </a:endParaRPr>
+          </a:p>
+          <a:p>
             <a:endParaRPr lang="zh-CN" altLang="en-US" sz="2400" b="1" dirty="0">
               <a:solidFill>
                 <a:schemeClr val="bg1"/>
@@ -14728,8 +15968,8 @@
               <a:solidFill>
                 <a:schemeClr val="bg1"/>
               </a:solidFill>
-              <a:latin typeface="楷体" charset="0"/>
-              <a:ea typeface="楷体" charset="0"/>
+              <a:latin typeface="楷体" panose="02010609060101010101" charset="-122"/>
+              <a:ea typeface="楷体" panose="02010609060101010101" charset="-122"/>
               <a:sym typeface="+mn-ea"/>
             </a:endParaRPr>
           </a:p>
@@ -14737,13 +15977,7 @@
       </p:sp>
       <p:sp>
         <p:nvSpPr>
-          <p:cNvPr id="9" name="文本框 8">
-            <a:extLst>
-              <a:ext uri="{FF2B5EF4-FFF2-40B4-BE49-F238E27FC236}">
-                <a16:creationId xmlns:a16="http://schemas.microsoft.com/office/drawing/2014/main" id="{E3D1B07A-5C9D-48FA-8093-5E837F027DB7}"/>
-              </a:ext>
-            </a:extLst>
-          </p:cNvPr>
+          <p:cNvPr id="9" name="文本框 8"/>
           <p:cNvSpPr txBox="1"/>
           <p:nvPr/>
         </p:nvSpPr>
@@ -14787,6 +16021,11 @@
               </a:rPr>
               <a:t>的出现，前端可以不用依赖后台人员，也不用学习新的后台语言，就可以轻松搞定后台的这部分事情。这样，面对一些小的系统，前端工程师就可以搞定整个系统。这部分体现了前端的全面性和全栈性。</a:t>
             </a:r>
+            <a:endParaRPr lang="zh-CN" altLang="en-US" dirty="0">
+              <a:solidFill>
+                <a:schemeClr val="bg1"/>
+              </a:solidFill>
+            </a:endParaRPr>
           </a:p>
           <a:p>
             <a:endParaRPr lang="zh-CN" altLang="en-US" dirty="0">
@@ -14801,8 +16040,8 @@
               <a:solidFill>
                 <a:schemeClr val="bg1"/>
               </a:solidFill>
-              <a:latin typeface="楷体" charset="0"/>
-              <a:ea typeface="楷体" charset="0"/>
+              <a:latin typeface="楷体" panose="02010609060101010101" charset="-122"/>
+              <a:ea typeface="楷体" panose="02010609060101010101" charset="-122"/>
               <a:sym typeface="+mn-ea"/>
             </a:endParaRPr>
           </a:p>
@@ -14810,20 +16049,14 @@
       </p:sp>
       <p:pic>
         <p:nvPicPr>
-          <p:cNvPr id="4" name="图片 3">
-            <a:extLst>
-              <a:ext uri="{FF2B5EF4-FFF2-40B4-BE49-F238E27FC236}">
-                <a16:creationId xmlns:a16="http://schemas.microsoft.com/office/drawing/2014/main" id="{009B7F46-22FA-496A-A3F6-B6487F7CD07B}"/>
-              </a:ext>
-            </a:extLst>
-          </p:cNvPr>
+          <p:cNvPr id="4" name="图片 3"/>
           <p:cNvPicPr>
             <a:picLocks noChangeAspect="1"/>
           </p:cNvPicPr>
           <p:nvPr/>
         </p:nvPicPr>
         <p:blipFill>
-          <a:blip r:embed="rId2">
+          <a:blip r:embed="rId1">
             <a:extLst>
               <a:ext uri="{28A0092B-C50C-407E-A947-70E740481C1C}">
                 <a14:useLocalDpi xmlns:a14="http://schemas.microsoft.com/office/drawing/2010/main" val="0"/>
@@ -14845,11 +16078,6 @@
         </p:spPr>
       </p:pic>
     </p:spTree>
-    <p:extLst>
-      <p:ext uri="{BB962C8B-B14F-4D97-AF65-F5344CB8AC3E}">
-        <p14:creationId xmlns:p14="http://schemas.microsoft.com/office/powerpoint/2010/main" val="3014210215"/>
-      </p:ext>
-    </p:extLst>
   </p:cSld>
   <p:clrMapOvr>
     <a:masterClrMapping/>
@@ -14940,6 +16168,11 @@
               </a:rPr>
               <a:t>应对各种端</a:t>
             </a:r>
+            <a:endParaRPr lang="zh-CN" altLang="en-US" sz="2400" dirty="0">
+              <a:solidFill>
+                <a:schemeClr val="bg1"/>
+              </a:solidFill>
+            </a:endParaRPr>
           </a:p>
           <a:p>
             <a:endParaRPr lang="zh-CN" altLang="en-US" sz="2400" b="1" dirty="0">
@@ -14954,8 +16187,8 @@
               <a:solidFill>
                 <a:schemeClr val="bg1"/>
               </a:solidFill>
-              <a:latin typeface="楷体" charset="0"/>
-              <a:ea typeface="楷体" charset="0"/>
+              <a:latin typeface="楷体" panose="02010609060101010101" charset="-122"/>
+              <a:ea typeface="楷体" panose="02010609060101010101" charset="-122"/>
               <a:sym typeface="+mn-ea"/>
             </a:endParaRPr>
           </a:p>
@@ -14963,13 +16196,7 @@
       </p:sp>
       <p:sp>
         <p:nvSpPr>
-          <p:cNvPr id="9" name="文本框 8">
-            <a:extLst>
-              <a:ext uri="{FF2B5EF4-FFF2-40B4-BE49-F238E27FC236}">
-                <a16:creationId xmlns:a16="http://schemas.microsoft.com/office/drawing/2014/main" id="{E3D1B07A-5C9D-48FA-8093-5E837F027DB7}"/>
-              </a:ext>
-            </a:extLst>
-          </p:cNvPr>
+          <p:cNvPr id="9" name="文本框 8"/>
           <p:cNvSpPr txBox="1"/>
           <p:nvPr/>
         </p:nvSpPr>
@@ -15013,6 +16240,11 @@
               </a:rPr>
               <a:t>时代那种画画页面就完事了。这部分体现的是前端的要求更高，责任越大了。</a:t>
             </a:r>
+            <a:endParaRPr lang="zh-CN" altLang="en-US" dirty="0">
+              <a:solidFill>
+                <a:schemeClr val="bg1"/>
+              </a:solidFill>
+            </a:endParaRPr>
           </a:p>
           <a:p>
             <a:endParaRPr lang="zh-CN" altLang="en-US" dirty="0">
@@ -15027,19 +16259,14 @@
               <a:solidFill>
                 <a:schemeClr val="bg1"/>
               </a:solidFill>
-              <a:latin typeface="楷体" charset="0"/>
-              <a:ea typeface="楷体" charset="0"/>
+              <a:latin typeface="楷体" panose="02010609060101010101" charset="-122"/>
+              <a:ea typeface="楷体" panose="02010609060101010101" charset="-122"/>
               <a:sym typeface="+mn-ea"/>
             </a:endParaRPr>
           </a:p>
         </p:txBody>
       </p:sp>
     </p:spTree>
-    <p:extLst>
-      <p:ext uri="{BB962C8B-B14F-4D97-AF65-F5344CB8AC3E}">
-        <p14:creationId xmlns:p14="http://schemas.microsoft.com/office/powerpoint/2010/main" val="33513540"/>
-      </p:ext>
-    </p:extLst>
   </p:cSld>
   <p:clrMapOvr>
     <a:masterClrMapping/>
@@ -15325,8 +16552,6 @@
       </a:bgFillStyleLst>
     </a:fmtScheme>
   </a:themeElements>
-  <a:objectDefaults/>
-  <a:extraClrSchemeLst/>
   <a:extLst>
     <a:ext uri="{05A4C25C-085E-4340-85A3-A5531E510DB2}">
       <thm15:themeFamily xmlns:thm15="http://schemas.microsoft.com/office/thememl/2012/main" name="Office Theme" id="{62F939B6-93AF-4DB8-9C6B-D6C7DFDC589F}" vid="{4A3C46E8-61CC-4603-A589-7422A47A8E4A}"/>
@@ -15615,8 +16840,6 @@
       </a:bgFillStyleLst>
     </a:fmtScheme>
   </a:themeElements>
-  <a:objectDefaults/>
-  <a:extraClrSchemeLst/>
   <a:extLst>
     <a:ext uri="{05A4C25C-085E-4340-85A3-A5531E510DB2}">
       <thm15:themeFamily xmlns:thm15="http://schemas.microsoft.com/office/thememl/2012/main" name="Office Theme" id="{62F939B6-93AF-4DB8-9C6B-D6C7DFDC589F}" vid="{4A3C46E8-61CC-4603-A589-7422A47A8E4A}"/>
